--- a/fuckingStarts/iHatePresentations/presentation.pptx
+++ b/fuckingStarts/iHatePresentations/presentation.pptx
@@ -5740,7 +5740,7 @@
                 <a:latin typeface="Times New Roman" panose="02020603050405020304" pitchFamily="18" charset="0"/>
                 <a:cs typeface="Times New Roman" panose="02020603050405020304" pitchFamily="18" charset="0"/>
               </a:rPr>
-              <a:t>Выпускная квалификационная работа бакалавра</a:t>
+              <a:t>Выпускная квалификационная работа магистра</a:t>
             </a:r>
             <a:br>
               <a:rPr lang="ru-RU" sz="1800" dirty="0">

--- a/fuckingStarts/iHatePresentations/presentation.pptx
+++ b/fuckingStarts/iHatePresentations/presentation.pptx
@@ -20,8 +20,8 @@
     <p:sldId id="263" r:id="rId11"/>
     <p:sldId id="295" r:id="rId12"/>
     <p:sldId id="292" r:id="rId13"/>
-    <p:sldId id="298" r:id="rId14"/>
-    <p:sldId id="299" r:id="rId15"/>
+    <p:sldId id="303" r:id="rId14"/>
+    <p:sldId id="304" r:id="rId15"/>
     <p:sldId id="284" r:id="rId16"/>
     <p:sldId id="285" r:id="rId17"/>
   </p:sldIdLst>
@@ -212,7 +212,7 @@
           <a:p>
             <a:fld id="{9AD2A09B-D952-4383-A48E-27C117CB15C8}" type="datetimeFigureOut">
               <a:rPr lang="ru-RU" smtClean="0"/>
-              <a:t>30.03.2024</a:t>
+              <a:t>08.04.2024</a:t>
             </a:fld>
             <a:endParaRPr lang="ru-RU"/>
           </a:p>
@@ -607,68 +607,39 @@
           <a:bodyPr/>
           <a:lstStyle/>
           <a:p>
+            <a:r>
+              <a:rPr lang="ru-RU" dirty="0"/>
+              <a:t>Было проведено сравнение алгоритмов построения модели, использующейся в методе, их список Вы можете увидеть на слайде. В качестве методов векторизации были выбраны алгоритмы «Мешок слов» и метод, </a:t>
+            </a:r>
+            <a:r>
+              <a:rPr lang="ru-RU" dirty="0" err="1"/>
+              <a:t>задействующий</a:t>
+            </a:r>
+            <a:r>
+              <a:rPr lang="ru-RU" dirty="0"/>
+              <a:t> модель </a:t>
+            </a:r>
+            <a:r>
+              <a:rPr lang="en-US" dirty="0"/>
+              <a:t>BERT. </a:t>
+            </a:r>
+            <a:r>
+              <a:rPr lang="ru-RU" dirty="0"/>
+              <a:t>Оценка результатов работы производилась по метрикам точности, </a:t>
+            </a:r>
+            <a:r>
+              <a:rPr lang="en-US" dirty="0"/>
+              <a:t>F1-</a:t>
+            </a:r>
+            <a:r>
+              <a:rPr lang="ru-RU" dirty="0"/>
+              <a:t>меры и </a:t>
+            </a:r>
+            <a:r>
+              <a:rPr lang="en-US" dirty="0"/>
+              <a:t>ROC-AUC.</a:t>
+            </a:r>
             <a:endParaRPr lang="ru-RU" dirty="0"/>
-          </a:p>
-          <a:p>
-            <a:endParaRPr lang="ru-RU" dirty="0"/>
-          </a:p>
-          <a:p>
-            <a:r>
-              <a:rPr lang="ru-RU" dirty="0"/>
-              <a:t>Было проведено сравнение представителей двух типов баз данных: реляционных (</a:t>
-            </a:r>
-            <a:r>
-              <a:rPr lang="en-US" dirty="0"/>
-              <a:t>Postgres)</a:t>
-            </a:r>
-            <a:r>
-              <a:rPr lang="ru-RU" dirty="0"/>
-              <a:t> и временных рядов</a:t>
-            </a:r>
-            <a:r>
-              <a:rPr lang="en-US" dirty="0"/>
-              <a:t> (</a:t>
-            </a:r>
-            <a:r>
-              <a:rPr lang="en-US" dirty="0" err="1"/>
-              <a:t>InfluxDB</a:t>
-            </a:r>
-            <a:r>
-              <a:rPr lang="en-US" dirty="0"/>
-              <a:t>)</a:t>
-            </a:r>
-            <a:r>
-              <a:rPr lang="ru-RU" dirty="0"/>
-              <a:t>.</a:t>
-            </a:r>
-            <a:r>
-              <a:rPr lang="en-US" dirty="0"/>
-              <a:t> </a:t>
-            </a:r>
-            <a:r>
-              <a:rPr lang="ru-RU" dirty="0"/>
-              <a:t>Нагрузка на базы данных была эквивалентной, они были </a:t>
-            </a:r>
-            <a:r>
-              <a:rPr lang="ru-RU" dirty="0" err="1"/>
-              <a:t>изолированны</a:t>
-            </a:r>
-            <a:r>
-              <a:rPr lang="ru-RU" dirty="0"/>
-              <a:t>, тем самым были исключены внешние и внутренние процессы, влияющие на выполнение запросов. В результате в качестве используемой был выбран </a:t>
-            </a:r>
-            <a:r>
-              <a:rPr lang="en-US" dirty="0" err="1"/>
-              <a:t>InfluxDB</a:t>
-            </a:r>
-            <a:r>
-              <a:rPr lang="en-US" dirty="0"/>
-              <a:t>, </a:t>
-            </a:r>
-            <a:r>
-              <a:rPr lang="ru-RU" dirty="0"/>
-              <a:t>который в среднем оказался в 4.5 раза быстрее в выполнении запросов.</a:t>
-            </a:r>
           </a:p>
         </p:txBody>
       </p:sp>
@@ -754,17 +725,17 @@
           <a:p>
             <a:r>
               <a:rPr lang="ru-RU" dirty="0"/>
-              <a:t>Обязательно напомнить, что более точные данные можно увидеть в РПЗ. Не забываем сказать, что представлены именно средние значения метрик</a:t>
-            </a:r>
-          </a:p>
-          <a:p>
-            <a:endParaRPr lang="ru-RU" dirty="0"/>
-          </a:p>
-          <a:p>
+              <a:t>Результат исследования представлен на слайде, значения метрик определены средним из 4-х запусков на разных тестовых выборках. Было получено, что лучшим средним показателем всех метрик обладает метод случайного леса с использованием </a:t>
+            </a:r>
+            <a:r>
+              <a:rPr lang="en-US" dirty="0"/>
+              <a:t>BERT-</a:t>
+            </a:r>
             <a:r>
               <a:rPr lang="ru-RU" dirty="0"/>
-              <a:t>Были проведены исследования, в которых участвовали студенты РЛ первого курса. Чтобы узнать о том, насколько студенты устали, использовался тест на реакцию. Вследствие того, что сессии снятия были всего полуторачасовыми, а периодичность сессий составила 7 дней, результаты позволили лишь выявить типы динамики реакций пользователей. Было решено провести более длительные исследования на одном единственном студенте.</a:t>
-            </a:r>
+              <a:t>векторизации, второе место занимает тот же метод, но с использованием векторизации «Мешок слов», а на третьем месте располагается логистическая регрессия.</a:t>
+            </a:r>
+            <a:endParaRPr lang="en-US" dirty="0"/>
           </a:p>
         </p:txBody>
       </p:sp>
@@ -850,7 +821,31 @@
           <a:p>
             <a:r>
               <a:rPr lang="ru-RU" dirty="0"/>
-              <a:t>Результаты данного исследования представлены на слайде. Видно, что первоначально были получены центры трех нечетких кластеров, символизирующих состояния усталости, работоспособности и неопределенности. Было определено, что наиболее точными значениями критерия для клавиатуры оказались в диапазоне от 4.5 до 10.0, а для мыши – от 1.5 до 3.5, значение 8.0 и диапазон от 9.0 до 10.0. Также было показано, что клавиатура позволяет с большей вероятностью верно спрогнозировать текущее состояние пользователя, чем мышь.</a:t>
+              <a:t>Метрика точности случайного леса с </a:t>
+            </a:r>
+            <a:r>
+              <a:rPr lang="en-US" dirty="0"/>
+              <a:t>BERT-</a:t>
+            </a:r>
+            <a:r>
+              <a:rPr lang="ru-RU" dirty="0"/>
+              <a:t>векторизацией достигла значения 0.888</a:t>
+            </a:r>
+            <a:r>
+              <a:rPr lang="en-US" dirty="0"/>
+              <a:t>, F1-</a:t>
+            </a:r>
+            <a:r>
+              <a:rPr lang="ru-RU" dirty="0"/>
+              <a:t>мера – 0.886, </a:t>
+            </a:r>
+            <a:r>
+              <a:rPr lang="en-US" dirty="0"/>
+              <a:t>ROC-AUC – </a:t>
+            </a:r>
+            <a:r>
+              <a:rPr lang="ru-RU" dirty="0"/>
+              <a:t>0.949. Матрица ошибок показывает, что метод в 1.5 раза чаще ошибочно интерпретирует обычные сообщения как суицидальные, но данный факт нельзя интерпретировать как запрет на использования модели, так как ложные срабатывания здесь были бы опасны только в случае более частой интерпретации суицидальных сообщений как обычных.</a:t>
             </a:r>
           </a:p>
         </p:txBody>
@@ -935,7 +930,50 @@
           <a:bodyPr/>
           <a:lstStyle/>
           <a:p>
-            <a:endParaRPr lang="ru-RU" dirty="0"/>
+            <a:r>
+              <a:rPr lang="ru-RU" dirty="0"/>
+              <a:t>Метрика точности случайного леса с использованием «мешка слов» достигла значения 0.885</a:t>
+            </a:r>
+            <a:r>
+              <a:rPr lang="en-US" dirty="0"/>
+              <a:t>, F1-</a:t>
+            </a:r>
+            <a:r>
+              <a:rPr lang="ru-RU" dirty="0"/>
+              <a:t>мера – 0.873, </a:t>
+            </a:r>
+            <a:r>
+              <a:rPr lang="en-US" dirty="0"/>
+              <a:t>ROC-AUC – </a:t>
+            </a:r>
+            <a:r>
+              <a:rPr lang="ru-RU" dirty="0"/>
+              <a:t>0.947. Заметно, что разница по сравнению с предыдущим алгоритмом по точности и </a:t>
+            </a:r>
+            <a:r>
+              <a:rPr lang="en-US" dirty="0"/>
+              <a:t>ROC-AUC </a:t>
+            </a:r>
+            <a:r>
+              <a:rPr lang="ru-RU" dirty="0"/>
+              <a:t>не так велика, однако </a:t>
+            </a:r>
+            <a:r>
+              <a:rPr lang="en-US" dirty="0"/>
+              <a:t>F1-</a:t>
+            </a:r>
+            <a:r>
+              <a:rPr lang="ru-RU" dirty="0"/>
+              <a:t>мера здесь уже примерно на 1.4</a:t>
+            </a:r>
+            <a:r>
+              <a:rPr lang="en-US" dirty="0"/>
+              <a:t>% </a:t>
+            </a:r>
+            <a:r>
+              <a:rPr lang="ru-RU" dirty="0"/>
+              <a:t>ниже.</a:t>
+            </a:r>
           </a:p>
         </p:txBody>
       </p:sp>
@@ -965,7 +1003,7 @@
     </p:spTree>
     <p:extLst>
       <p:ext uri="{BB962C8B-B14F-4D97-AF65-F5344CB8AC3E}">
-        <p14:creationId xmlns:p14="http://schemas.microsoft.com/office/powerpoint/2010/main" val="1346527913"/>
+        <p14:creationId xmlns:p14="http://schemas.microsoft.com/office/powerpoint/2010/main" val="3985653510"/>
       </p:ext>
     </p:extLst>
   </p:cSld>
@@ -1019,7 +1057,83 @@
           <a:bodyPr/>
           <a:lstStyle/>
           <a:p>
-            <a:endParaRPr lang="ru-RU" dirty="0"/>
+            <a:r>
+              <a:rPr lang="ru-RU" dirty="0"/>
+              <a:t>Метрика точности логистической регрессии с использованием </a:t>
+            </a:r>
+            <a:r>
+              <a:rPr lang="en-US" dirty="0"/>
+              <a:t>BERT-</a:t>
+            </a:r>
+            <a:r>
+              <a:rPr lang="ru-RU" dirty="0" err="1"/>
+              <a:t>вектоизации</a:t>
+            </a:r>
+            <a:r>
+              <a:rPr lang="ru-RU" dirty="0"/>
+              <a:t> достигла значения 0.874</a:t>
+            </a:r>
+            <a:r>
+              <a:rPr lang="en-US" dirty="0"/>
+              <a:t>, F1-</a:t>
+            </a:r>
+            <a:r>
+              <a:rPr lang="ru-RU" dirty="0"/>
+              <a:t>мера – 0.869, </a:t>
+            </a:r>
+            <a:r>
+              <a:rPr lang="en-US" dirty="0"/>
+              <a:t>ROC-AUC – </a:t>
+            </a:r>
+            <a:r>
+              <a:rPr lang="ru-RU" dirty="0"/>
+              <a:t>0.942. Разница по сравнению с лидирующим алгоритмом по точности и </a:t>
+            </a:r>
+            <a:r>
+              <a:rPr lang="en-US" dirty="0"/>
+              <a:t>F</a:t>
+            </a:r>
+            <a:r>
+              <a:rPr lang="ru-RU" dirty="0"/>
+              <a:t>1</a:t>
+            </a:r>
+            <a:r>
+              <a:rPr lang="en-US" dirty="0"/>
+              <a:t>-</a:t>
+            </a:r>
+            <a:r>
+              <a:rPr lang="ru-RU" dirty="0"/>
+              <a:t>мере уже приближается к 2</a:t>
+            </a:r>
+            <a:r>
+              <a:rPr lang="en-US" dirty="0"/>
+              <a:t>%.</a:t>
+            </a:r>
+          </a:p>
+          <a:p>
+            <a:endParaRPr lang="en-US" dirty="0"/>
+          </a:p>
+          <a:p>
+            <a:r>
+              <a:rPr lang="ru-RU" dirty="0"/>
+              <a:t>Таким образом, в качестве используемой модели в задаче распознавания паттернов суицидального</a:t>
+            </a:r>
+            <a:r>
+              <a:rPr lang="en-US" dirty="0"/>
+              <a:t> </a:t>
+            </a:r>
+            <a:r>
+              <a:rPr lang="ru-RU" dirty="0"/>
+              <a:t>поведения человека рекомендуется использование метода случайного леса с использованием </a:t>
+            </a:r>
+            <a:r>
+              <a:rPr lang="en-US" dirty="0"/>
+              <a:t>BERT-</a:t>
+            </a:r>
+            <a:r>
+              <a:rPr lang="ru-RU" dirty="0"/>
+              <a:t>векторизации.</a:t>
+            </a:r>
           </a:p>
         </p:txBody>
       </p:sp>
@@ -1049,7 +1163,7 @@
     </p:spTree>
     <p:extLst>
       <p:ext uri="{BB962C8B-B14F-4D97-AF65-F5344CB8AC3E}">
-        <p14:creationId xmlns:p14="http://schemas.microsoft.com/office/powerpoint/2010/main" val="4156123831"/>
+        <p14:creationId xmlns:p14="http://schemas.microsoft.com/office/powerpoint/2010/main" val="1291907138"/>
       </p:ext>
     </p:extLst>
   </p:cSld>
@@ -1105,7 +1219,7 @@
           <a:p>
             <a:r>
               <a:rPr lang="ru-RU" dirty="0"/>
-              <a:t>Таким образом, был разработан и реализован метод систематического распознавания усталости оператора автоматизированного рабочего места по данным, приходящим с устройств взаимодействия пользователя с системой. Все поставленные задачи решены.</a:t>
+              <a:t>В результате был разработан и реализован метод распознавания паттернов суицидального поведения человека по текстовым сообщениям. Все поставленные задачи решены.</a:t>
             </a:r>
           </a:p>
         </p:txBody>
@@ -1192,15 +1306,15 @@
           <a:p>
             <a:r>
               <a:rPr lang="ru-RU" dirty="0"/>
-              <a:t>Обязательно скажи, что расширение </a:t>
+              <a:t>В будущем планируется дополнительно провести исследование эффективности использования ансамблевого подхода, а также исследование применимости алгоритмов нечеткой кластеризации в задаче. Требуется расширить </a:t>
             </a:r>
             <a:r>
               <a:rPr lang="ru-RU" dirty="0" err="1"/>
-              <a:t>датасета</a:t>
+              <a:t>датасет</a:t>
             </a:r>
             <a:r>
               <a:rPr lang="ru-RU" dirty="0"/>
-              <a:t> будет опираться на выделенные признаки из первых слайдов</a:t>
+              <a:t>, задействовать в нем дополнительные признаки, а затем в качестве расширения системы реализовать средство автоматизированного анализа сообщений пользователей в социальных сетях. Ну и конечно же хотелось бы внедрить программное решение в рабочий процесс.</a:t>
             </a:r>
           </a:p>
           <a:p>
@@ -1209,16 +1323,21 @@
           <a:p>
             <a:r>
               <a:rPr lang="ru-RU" dirty="0"/>
-              <a:t>В будущем планируется добавить поддержку использования веб-камеры, контроля фокуса внимания, а также распознавание усталости по индексу </a:t>
+              <a:t>По теме представленной работы </a:t>
             </a:r>
             <a:r>
               <a:rPr lang="ru-RU" dirty="0" err="1"/>
-              <a:t>Баевского</a:t>
+              <a:t>опубликваны</a:t>
             </a:r>
             <a:r>
               <a:rPr lang="ru-RU" dirty="0"/>
-              <a:t>, то есть с использованием, например, смарт-часов. Также хотелось бы провести более обширное исследование с измененными интервалами на большой выборке операторов, а также, в последствии, внедрить программное решение в учебный процесс.</a:t>
-            </a:r>
+              <a:t> </a:t>
+            </a:r>
+            <a:r>
+              <a:rPr lang="ru-RU"/>
+              <a:t>две статьи.</a:t>
+            </a:r>
+            <a:endParaRPr lang="ru-RU" dirty="0"/>
           </a:p>
         </p:txBody>
       </p:sp>
@@ -1391,24 +1510,15 @@
           <a:p>
             <a:r>
               <a:rPr lang="ru-RU" dirty="0"/>
-              <a:t>Говорим, что жопа, дети приезжают на свежий воздух, чтобы покончить с собой. Затем говорим о статистике и про то, что большинство тех, кто попробовал хоть раз – наверняка совершит второй. Говорим про различия женщин и мужчин, одни чаще пытаются с собой что-то сделать, у вторых чаще удается это с собой сделать успешно.</a:t>
-            </a:r>
-            <a:r>
-              <a:rPr lang="en-US" dirty="0"/>
-              <a:t> </a:t>
+              <a:t>В период с 2010 по 2021 год уровень самоубийств увеличился примерно на 36%. В 2021 году самоубийства стали причиной 48 183 смертей. На каждую смерть от самоубийства в 2021 году приходилось около 3 госпитализаций по причине членовредительства и 38 попыток самоубийства. В условиях современной </a:t>
+            </a:r>
+            <a:r>
+              <a:rPr lang="ru-RU" dirty="0" err="1"/>
+              <a:t>цифровизации</a:t>
             </a:r>
             <a:r>
               <a:rPr lang="ru-RU" dirty="0"/>
-              <a:t>В конце – статистика неумолимо говорит о том, что мы скоро все помрем по собственной воле.</a:t>
-            </a:r>
-          </a:p>
-          <a:p>
-            <a:endParaRPr lang="ru-RU" dirty="0"/>
-          </a:p>
-          <a:p>
-            <a:r>
-              <a:rPr lang="ru-RU" dirty="0"/>
-              <a:t>В 2018 году среди опрошенных 600 тысяч офисных работников 595 тысяч испытывали тревогу и депрессивные состояния, а 239 тысяч сообщили о том, что у них депрессия. Наиболее частой причиной недугов была названа высокая нагрузка и усталость. В условиях современной цифровизации медицины представляется возможным диагностировать усталость на автоматизированном рабочем месте.</a:t>
+              <a:t> медицины представляется возможным автоматизировать обнаружение паттернов суицидального поведения.</a:t>
             </a:r>
           </a:p>
         </p:txBody>
@@ -1495,16 +1605,7 @@
           <a:p>
             <a:r>
               <a:rPr lang="ru-RU" dirty="0"/>
-              <a:t>МНЕ НЕ НРАВИТСЯ, ЧТО ТУТ ЕСТЬ СЛОВО ОПТИМИЗАЦИЯ, НАДО ЕЩЕ РАЗ С ЮРОЙ ЭТО ОБСУДИТЬ</a:t>
-            </a:r>
-          </a:p>
-          <a:p>
-            <a:endParaRPr lang="ru-RU" dirty="0"/>
-          </a:p>
-          <a:p>
-            <a:r>
-              <a:rPr lang="ru-RU" dirty="0"/>
-              <a:t>Были рассмотрены методы, позволяющие распознать усталость с использованием данных от клавиатуры, мыши, веб-камеры, микрофона, виброакустических датчиков и пульсометра или смарт-часов.</a:t>
+              <a:t>Были рассмотрены методы, позволяющие распознавать паттерны суицидального поведения с использованием аудиальных, текстовых, пространственно-временных, визуальных, физиологических и биологических признаков. Каждый признак может быть задействован обособленно, либо в синтезе с другим. Так, например, биологические признаки позволяют сужать область поиска в группах риска.</a:t>
             </a:r>
           </a:p>
         </p:txBody>
@@ -1591,15 +1692,7 @@
           <a:p>
             <a:r>
               <a:rPr lang="ru-RU" dirty="0"/>
-              <a:t>В этапы разработанного метода вошли: сбор примеров суицидальных сообщений, их предобработка, построение модели машинного обучения и предобработка, анализ и вынесение вердикта о </a:t>
-            </a:r>
-            <a:r>
-              <a:rPr lang="ru-RU" dirty="0" err="1"/>
-              <a:t>суицидальности</a:t>
-            </a:r>
-            <a:r>
-              <a:rPr lang="ru-RU" dirty="0"/>
-              <a:t> сообщений. </a:t>
+              <a:t>В этапы разработанного метода вошли: сбор примеров суицидальных сообщений, их предобработка, построение модели машинного обучения и предобработка, анализ и вынесение вердикта о наличии суицидальных паттернов в сообщении. </a:t>
             </a:r>
           </a:p>
         </p:txBody>
@@ -1685,29 +1778,48 @@
           <a:lstStyle/>
           <a:p>
             <a:r>
+              <a:rPr lang="ru-RU" dirty="0"/>
+              <a:t>С использованием средства сбора данных было собрано 1000 суицидальных сообщений. В результате </a:t>
+            </a:r>
+            <a:r>
               <a:rPr lang="ru-RU" dirty="0" err="1"/>
-              <a:t>Бабаба</a:t>
+              <a:t>датасет</a:t>
             </a:r>
             <a:r>
               <a:rPr lang="ru-RU" dirty="0"/>
-              <a:t>, собрали 1000 сообщений, вот вам облачка слов</a:t>
-            </a:r>
-          </a:p>
-          <a:p>
-            <a:endParaRPr lang="ru-RU" dirty="0"/>
-          </a:p>
-          <a:p>
+              <a:t> включил в себя 2000 сообщений, 1000 </a:t>
+            </a:r>
+            <a:r>
+              <a:rPr lang="ru-RU" dirty="0" err="1"/>
+              <a:t>несуицидальных</a:t>
+            </a:r>
             <a:r>
               <a:rPr lang="ru-RU" dirty="0"/>
-              <a:t>Для сбора данных используются </a:t>
+              <a:t> из которых были взяты из </a:t>
             </a:r>
             <a:r>
               <a:rPr lang="ru-RU" dirty="0" err="1"/>
-              <a:t>логирующие</a:t>
+              <a:t>датасета</a:t>
             </a:r>
             <a:r>
               <a:rPr lang="ru-RU" dirty="0"/>
-              <a:t> модули, собирающие поступающие от внешних устройств данные. Собираемые данные включают в себя: нажатия на клавиши клавиатуры (наименование нажатой клавиши, временная метка), мыши (координаты, номер нажатой клавиши, временная метка), а также скорость реакции пользователя (значение и временная метка). </a:t>
+              <a:t> обнаружения </a:t>
+            </a:r>
+            <a:r>
+              <a:rPr lang="ru-RU" dirty="0" err="1"/>
+              <a:t>пресуицидальных</a:t>
+            </a:r>
+            <a:r>
+              <a:rPr lang="ru-RU" dirty="0"/>
+              <a:t> сигналов. На слайде представлен результат анализа </a:t>
+            </a:r>
+            <a:r>
+              <a:rPr lang="ru-RU" dirty="0" err="1"/>
+              <a:t>сентимента</a:t>
+            </a:r>
+            <a:r>
+              <a:rPr lang="ru-RU" dirty="0"/>
+              <a:t> для каждого класса, в среднем суицидальные сообщения имеют отрицательную эмоциональную окраску в 30% случаев чаще.</a:t>
             </a:r>
           </a:p>
         </p:txBody>
@@ -1792,13 +1904,6 @@
           <a:bodyPr/>
           <a:lstStyle/>
           <a:p>
-            <a:r>
-              <a:rPr lang="ru-RU" dirty="0"/>
-              <a:t>В суицидальном корпусе получили много занятных слов, причем заметно, что в этих сообщениях ненормативной лексики в разы меньше</a:t>
-            </a:r>
-            <a:endParaRPr lang="en-US" dirty="0"/>
-          </a:p>
-          <a:p>
             <a:pPr marL="0" marR="0" lvl="0" indent="0" algn="l" defTabSz="914400" rtl="0" eaLnBrk="1" fontAlgn="auto" latinLnBrk="0" hangingPunct="1">
               <a:lnSpc>
                 <a:spcPct val="100000"/>
@@ -1817,162 +1922,12 @@
               <a:defRPr/>
             </a:pPr>
             <a:r>
-              <a:rPr lang="en-US" dirty="0">
-                <a:latin typeface="Times New Roman" panose="02020603050405020304" pitchFamily="18" charset="0"/>
-                <a:cs typeface="Times New Roman" panose="02020603050405020304" pitchFamily="18" charset="0"/>
-              </a:rPr>
-              <a:t>“</a:t>
-            </a:r>
-            <a:r>
               <a:rPr lang="ru-RU" dirty="0">
                 <a:latin typeface="Times New Roman" panose="02020603050405020304" pitchFamily="18" charset="0"/>
                 <a:cs typeface="Times New Roman" panose="02020603050405020304" pitchFamily="18" charset="0"/>
               </a:rPr>
-              <a:t>суицид</a:t>
-            </a:r>
-            <a:r>
-              <a:rPr lang="en-US" dirty="0">
-                <a:latin typeface="Times New Roman" panose="02020603050405020304" pitchFamily="18" charset="0"/>
-                <a:cs typeface="Times New Roman" panose="02020603050405020304" pitchFamily="18" charset="0"/>
-              </a:rPr>
-              <a:t>”, “</a:t>
-            </a:r>
-            <a:r>
-              <a:rPr lang="ru-RU" dirty="0">
-                <a:latin typeface="Times New Roman" panose="02020603050405020304" pitchFamily="18" charset="0"/>
-                <a:cs typeface="Times New Roman" panose="02020603050405020304" pitchFamily="18" charset="0"/>
-              </a:rPr>
-              <a:t>страдать</a:t>
-            </a:r>
-            <a:r>
-              <a:rPr lang="en-US" dirty="0">
-                <a:latin typeface="Times New Roman" panose="02020603050405020304" pitchFamily="18" charset="0"/>
-                <a:cs typeface="Times New Roman" panose="02020603050405020304" pitchFamily="18" charset="0"/>
-              </a:rPr>
-              <a:t>”</a:t>
-            </a:r>
-            <a:r>
-              <a:rPr lang="ru-RU" dirty="0">
-                <a:latin typeface="Times New Roman" panose="02020603050405020304" pitchFamily="18" charset="0"/>
-                <a:cs typeface="Times New Roman" panose="02020603050405020304" pitchFamily="18" charset="0"/>
-              </a:rPr>
-              <a:t>, </a:t>
-            </a:r>
-            <a:r>
-              <a:rPr lang="en-US" dirty="0">
-                <a:latin typeface="Times New Roman" panose="02020603050405020304" pitchFamily="18" charset="0"/>
-                <a:cs typeface="Times New Roman" panose="02020603050405020304" pitchFamily="18" charset="0"/>
-              </a:rPr>
-              <a:t>“</a:t>
-            </a:r>
-            <a:r>
-              <a:rPr lang="ru-RU" dirty="0">
-                <a:latin typeface="Times New Roman" panose="02020603050405020304" pitchFamily="18" charset="0"/>
-                <a:cs typeface="Times New Roman" panose="02020603050405020304" pitchFamily="18" charset="0"/>
-              </a:rPr>
-              <a:t>смерть</a:t>
-            </a:r>
-            <a:r>
-              <a:rPr lang="en-US" dirty="0">
-                <a:latin typeface="Times New Roman" panose="02020603050405020304" pitchFamily="18" charset="0"/>
-                <a:cs typeface="Times New Roman" panose="02020603050405020304" pitchFamily="18" charset="0"/>
-              </a:rPr>
-              <a:t>”</a:t>
-            </a:r>
-            <a:r>
-              <a:rPr lang="ru-RU" dirty="0">
-                <a:latin typeface="Times New Roman" panose="02020603050405020304" pitchFamily="18" charset="0"/>
-                <a:cs typeface="Times New Roman" panose="02020603050405020304" pitchFamily="18" charset="0"/>
-              </a:rPr>
-              <a:t>, </a:t>
-            </a:r>
-            <a:r>
-              <a:rPr lang="en-US" dirty="0">
-                <a:latin typeface="Times New Roman" panose="02020603050405020304" pitchFamily="18" charset="0"/>
-                <a:cs typeface="Times New Roman" panose="02020603050405020304" pitchFamily="18" charset="0"/>
-              </a:rPr>
-              <a:t>“</a:t>
-            </a:r>
-            <a:r>
-              <a:rPr lang="ru-RU" dirty="0">
-                <a:latin typeface="Times New Roman" panose="02020603050405020304" pitchFamily="18" charset="0"/>
-                <a:cs typeface="Times New Roman" panose="02020603050405020304" pitchFamily="18" charset="0"/>
-              </a:rPr>
-              <a:t>депрессия</a:t>
-            </a:r>
-            <a:r>
-              <a:rPr lang="en-US" dirty="0">
-                <a:latin typeface="Times New Roman" panose="02020603050405020304" pitchFamily="18" charset="0"/>
-                <a:cs typeface="Times New Roman" panose="02020603050405020304" pitchFamily="18" charset="0"/>
-              </a:rPr>
-              <a:t>”</a:t>
-            </a:r>
-            <a:r>
-              <a:rPr lang="ru-RU" dirty="0">
-                <a:latin typeface="Times New Roman" panose="02020603050405020304" pitchFamily="18" charset="0"/>
-                <a:cs typeface="Times New Roman" panose="02020603050405020304" pitchFamily="18" charset="0"/>
-              </a:rPr>
-              <a:t>, </a:t>
-            </a:r>
-            <a:r>
-              <a:rPr lang="en-US" dirty="0">
-                <a:latin typeface="Times New Roman" panose="02020603050405020304" pitchFamily="18" charset="0"/>
-                <a:cs typeface="Times New Roman" panose="02020603050405020304" pitchFamily="18" charset="0"/>
-              </a:rPr>
-              <a:t>“</a:t>
-            </a:r>
-            <a:r>
-              <a:rPr lang="ru-RU" dirty="0">
-                <a:latin typeface="Times New Roman" panose="02020603050405020304" pitchFamily="18" charset="0"/>
-                <a:cs typeface="Times New Roman" panose="02020603050405020304" pitchFamily="18" charset="0"/>
-              </a:rPr>
-              <a:t>умирать</a:t>
-            </a:r>
-            <a:r>
-              <a:rPr lang="en-US" dirty="0">
-                <a:latin typeface="Times New Roman" panose="02020603050405020304" pitchFamily="18" charset="0"/>
-                <a:cs typeface="Times New Roman" panose="02020603050405020304" pitchFamily="18" charset="0"/>
-              </a:rPr>
-              <a:t>”</a:t>
-            </a:r>
-            <a:r>
-              <a:rPr lang="ru-RU" dirty="0">
-                <a:latin typeface="Times New Roman" panose="02020603050405020304" pitchFamily="18" charset="0"/>
-                <a:cs typeface="Times New Roman" panose="02020603050405020304" pitchFamily="18" charset="0"/>
-              </a:rPr>
-              <a:t>, </a:t>
-            </a:r>
-            <a:r>
-              <a:rPr lang="en-US" dirty="0">
-                <a:latin typeface="Times New Roman" panose="02020603050405020304" pitchFamily="18" charset="0"/>
-                <a:cs typeface="Times New Roman" panose="02020603050405020304" pitchFamily="18" charset="0"/>
-              </a:rPr>
-              <a:t>“</a:t>
-            </a:r>
-            <a:r>
-              <a:rPr lang="ru-RU" dirty="0">
-                <a:latin typeface="Times New Roman" panose="02020603050405020304" pitchFamily="18" charset="0"/>
-                <a:cs typeface="Times New Roman" panose="02020603050405020304" pitchFamily="18" charset="0"/>
-              </a:rPr>
-              <a:t>ад</a:t>
-            </a:r>
-            <a:r>
-              <a:rPr lang="en-US" dirty="0">
-                <a:latin typeface="Times New Roman" panose="02020603050405020304" pitchFamily="18" charset="0"/>
-                <a:cs typeface="Times New Roman" panose="02020603050405020304" pitchFamily="18" charset="0"/>
-              </a:rPr>
-              <a:t>”</a:t>
-            </a:r>
-            <a:r>
-              <a:rPr lang="ru-RU" dirty="0">
-                <a:latin typeface="Times New Roman" panose="02020603050405020304" pitchFamily="18" charset="0"/>
-                <a:cs typeface="Times New Roman" panose="02020603050405020304" pitchFamily="18" charset="0"/>
-              </a:rPr>
-              <a:t>.</a:t>
-            </a:r>
-          </a:p>
-          <a:p>
-            <a:endParaRPr lang="ru-RU" dirty="0"/>
+              <a:t>На слайде представлена визуализация собранных данных класса суицидальных сообщений. Чаще всего в суицидальных сообщениях фигурируют слова «жизнь», «хотеть», «человек» и «мочь», каждое не более 600 раз. Стоит обратить внимание на присутствие слов «суицид», «страдать», «депрессия», «смерть» и «ад».</a:t>
+            </a:r>
           </a:p>
         </p:txBody>
       </p:sp>
@@ -2056,13 +2011,6 @@
           <a:bodyPr/>
           <a:lstStyle/>
           <a:p>
-            <a:r>
-              <a:rPr lang="ru-RU" dirty="0"/>
-              <a:t>В суицидальном корпусе получили много занятных слов, причем заметно, что в этих сообщениях ненормативной лексики в разы меньше</a:t>
-            </a:r>
-            <a:endParaRPr lang="en-US" dirty="0"/>
-          </a:p>
-          <a:p>
             <a:pPr marL="0" marR="0" lvl="0" indent="0" algn="l" defTabSz="914400" rtl="0" eaLnBrk="1" fontAlgn="auto" latinLnBrk="0" hangingPunct="1">
               <a:lnSpc>
                 <a:spcPct val="100000"/>
@@ -2081,162 +2029,54 @@
               <a:defRPr/>
             </a:pPr>
             <a:r>
-              <a:rPr lang="en-US" dirty="0">
-                <a:latin typeface="Times New Roman" panose="02020603050405020304" pitchFamily="18" charset="0"/>
-                <a:cs typeface="Times New Roman" panose="02020603050405020304" pitchFamily="18" charset="0"/>
-              </a:rPr>
-              <a:t>“</a:t>
-            </a:r>
-            <a:r>
               <a:rPr lang="ru-RU" dirty="0">
                 <a:latin typeface="Times New Roman" panose="02020603050405020304" pitchFamily="18" charset="0"/>
                 <a:cs typeface="Times New Roman" panose="02020603050405020304" pitchFamily="18" charset="0"/>
               </a:rPr>
-              <a:t>суицид</a:t>
-            </a:r>
-            <a:r>
-              <a:rPr lang="en-US" dirty="0">
+              <a:t>На слайде представлена визуализация собранных данных класса </a:t>
+            </a:r>
+            <a:r>
+              <a:rPr lang="ru-RU" dirty="0" err="1">
                 <a:latin typeface="Times New Roman" panose="02020603050405020304" pitchFamily="18" charset="0"/>
                 <a:cs typeface="Times New Roman" panose="02020603050405020304" pitchFamily="18" charset="0"/>
               </a:rPr>
-              <a:t>”, “</a:t>
+              <a:t>несуицидальных</a:t>
             </a:r>
             <a:r>
               <a:rPr lang="ru-RU" dirty="0">
                 <a:latin typeface="Times New Roman" panose="02020603050405020304" pitchFamily="18" charset="0"/>
                 <a:cs typeface="Times New Roman" panose="02020603050405020304" pitchFamily="18" charset="0"/>
               </a:rPr>
-              <a:t>страдать</a:t>
-            </a:r>
-            <a:r>
-              <a:rPr lang="en-US" dirty="0">
+              <a:t> сообщений. Чаще всего в таких сообщениях фигурируют слова «хотеть» и «человек». Данный класс более разнообразен, в нем самые </a:t>
+            </a:r>
+            <a:r>
+              <a:rPr lang="ru-RU" dirty="0" err="1">
                 <a:latin typeface="Times New Roman" panose="02020603050405020304" pitchFamily="18" charset="0"/>
                 <a:cs typeface="Times New Roman" panose="02020603050405020304" pitchFamily="18" charset="0"/>
               </a:rPr>
-              <a:t>”</a:t>
+              <a:t>частоупотребимые</a:t>
             </a:r>
             <a:r>
               <a:rPr lang="ru-RU" dirty="0">
                 <a:latin typeface="Times New Roman" panose="02020603050405020304" pitchFamily="18" charset="0"/>
                 <a:cs typeface="Times New Roman" panose="02020603050405020304" pitchFamily="18" charset="0"/>
               </a:rPr>
-              <a:t>, </a:t>
-            </a:r>
-            <a:r>
-              <a:rPr lang="en-US" dirty="0">
+              <a:t> слова встречаются не более 200 раз. Кроме того, заметно наличие </a:t>
+            </a:r>
+            <a:r>
+              <a:rPr lang="ru-RU" dirty="0" err="1">
                 <a:latin typeface="Times New Roman" panose="02020603050405020304" pitchFamily="18" charset="0"/>
                 <a:cs typeface="Times New Roman" panose="02020603050405020304" pitchFamily="18" charset="0"/>
               </a:rPr>
-              <a:t>“</a:t>
+              <a:t>бОльшего</a:t>
             </a:r>
             <a:r>
               <a:rPr lang="ru-RU" dirty="0">
                 <a:latin typeface="Times New Roman" panose="02020603050405020304" pitchFamily="18" charset="0"/>
                 <a:cs typeface="Times New Roman" panose="02020603050405020304" pitchFamily="18" charset="0"/>
               </a:rPr>
-              <a:t>смерть</a:t>
-            </a:r>
-            <a:r>
-              <a:rPr lang="en-US" dirty="0">
-                <a:latin typeface="Times New Roman" panose="02020603050405020304" pitchFamily="18" charset="0"/>
-                <a:cs typeface="Times New Roman" panose="02020603050405020304" pitchFamily="18" charset="0"/>
-              </a:rPr>
-              <a:t>”</a:t>
-            </a:r>
-            <a:r>
-              <a:rPr lang="ru-RU" dirty="0">
-                <a:latin typeface="Times New Roman" panose="02020603050405020304" pitchFamily="18" charset="0"/>
-                <a:cs typeface="Times New Roman" panose="02020603050405020304" pitchFamily="18" charset="0"/>
-              </a:rPr>
-              <a:t>, </a:t>
-            </a:r>
-            <a:r>
-              <a:rPr lang="en-US" dirty="0">
-                <a:latin typeface="Times New Roman" panose="02020603050405020304" pitchFamily="18" charset="0"/>
-                <a:cs typeface="Times New Roman" panose="02020603050405020304" pitchFamily="18" charset="0"/>
-              </a:rPr>
-              <a:t>“</a:t>
-            </a:r>
-            <a:r>
-              <a:rPr lang="ru-RU" dirty="0">
-                <a:latin typeface="Times New Roman" panose="02020603050405020304" pitchFamily="18" charset="0"/>
-                <a:cs typeface="Times New Roman" panose="02020603050405020304" pitchFamily="18" charset="0"/>
-              </a:rPr>
-              <a:t>депрессия</a:t>
-            </a:r>
-            <a:r>
-              <a:rPr lang="en-US" dirty="0">
-                <a:latin typeface="Times New Roman" panose="02020603050405020304" pitchFamily="18" charset="0"/>
-                <a:cs typeface="Times New Roman" panose="02020603050405020304" pitchFamily="18" charset="0"/>
-              </a:rPr>
-              <a:t>”</a:t>
-            </a:r>
-            <a:r>
-              <a:rPr lang="ru-RU" dirty="0">
-                <a:latin typeface="Times New Roman" panose="02020603050405020304" pitchFamily="18" charset="0"/>
-                <a:cs typeface="Times New Roman" panose="02020603050405020304" pitchFamily="18" charset="0"/>
-              </a:rPr>
-              <a:t>, </a:t>
-            </a:r>
-            <a:r>
-              <a:rPr lang="en-US" dirty="0">
-                <a:latin typeface="Times New Roman" panose="02020603050405020304" pitchFamily="18" charset="0"/>
-                <a:cs typeface="Times New Roman" panose="02020603050405020304" pitchFamily="18" charset="0"/>
-              </a:rPr>
-              <a:t>“</a:t>
-            </a:r>
-            <a:r>
-              <a:rPr lang="ru-RU" dirty="0">
-                <a:latin typeface="Times New Roman" panose="02020603050405020304" pitchFamily="18" charset="0"/>
-                <a:cs typeface="Times New Roman" panose="02020603050405020304" pitchFamily="18" charset="0"/>
-              </a:rPr>
-              <a:t>умирать</a:t>
-            </a:r>
-            <a:r>
-              <a:rPr lang="en-US" dirty="0">
-                <a:latin typeface="Times New Roman" panose="02020603050405020304" pitchFamily="18" charset="0"/>
-                <a:cs typeface="Times New Roman" panose="02020603050405020304" pitchFamily="18" charset="0"/>
-              </a:rPr>
-              <a:t>”</a:t>
-            </a:r>
-            <a:r>
-              <a:rPr lang="ru-RU" dirty="0">
-                <a:latin typeface="Times New Roman" panose="02020603050405020304" pitchFamily="18" charset="0"/>
-                <a:cs typeface="Times New Roman" panose="02020603050405020304" pitchFamily="18" charset="0"/>
-              </a:rPr>
-              <a:t>, </a:t>
-            </a:r>
-            <a:r>
-              <a:rPr lang="en-US" dirty="0">
-                <a:latin typeface="Times New Roman" panose="02020603050405020304" pitchFamily="18" charset="0"/>
-                <a:cs typeface="Times New Roman" panose="02020603050405020304" pitchFamily="18" charset="0"/>
-              </a:rPr>
-              <a:t>“</a:t>
-            </a:r>
-            <a:r>
-              <a:rPr lang="ru-RU" dirty="0">
-                <a:latin typeface="Times New Roman" panose="02020603050405020304" pitchFamily="18" charset="0"/>
-                <a:cs typeface="Times New Roman" panose="02020603050405020304" pitchFamily="18" charset="0"/>
-              </a:rPr>
-              <a:t>ад</a:t>
-            </a:r>
-            <a:r>
-              <a:rPr lang="en-US" dirty="0">
-                <a:latin typeface="Times New Roman" panose="02020603050405020304" pitchFamily="18" charset="0"/>
-                <a:cs typeface="Times New Roman" panose="02020603050405020304" pitchFamily="18" charset="0"/>
-              </a:rPr>
-              <a:t>”</a:t>
-            </a:r>
-            <a:r>
-              <a:rPr lang="ru-RU" dirty="0">
-                <a:latin typeface="Times New Roman" panose="02020603050405020304" pitchFamily="18" charset="0"/>
-                <a:cs typeface="Times New Roman" panose="02020603050405020304" pitchFamily="18" charset="0"/>
-              </a:rPr>
-              <a:t>.</a:t>
-            </a:r>
-          </a:p>
-          <a:p>
-            <a:endParaRPr lang="ru-RU" dirty="0"/>
+              <a:t> количества нецензурной брани.</a:t>
+            </a:r>
           </a:p>
         </p:txBody>
       </p:sp>
@@ -2320,15 +2160,9 @@
           <a:bodyPr/>
           <a:lstStyle/>
           <a:p>
-            <a:endParaRPr lang="en-US" dirty="0"/>
-          </a:p>
-          <a:p>
-            <a:endParaRPr lang="en-US" dirty="0"/>
-          </a:p>
-          <a:p>
             <a:r>
               <a:rPr lang="ru-RU" dirty="0"/>
-              <a:t>В системе было определено 5 модулей, представленных на слайде. Было определено, что имеется потребность в хранилище данных, по которым проводится кластеризация для каждого пользователя. Также, в силу большого количества пользователей и прогнозируемой высокой нагрузки на базу данных, было решено реализовать сервер для обработки запросов клиентов.</a:t>
+              <a:t>В системе было определено 4 модуля, все они представлены на слайде. Модуль клиента взаимодействует с модулями анализа и сбора данных, так как от первого он получает данные модели, а от второго – текстовые сообщения для анализа.</a:t>
             </a:r>
           </a:p>
         </p:txBody>
@@ -2516,7 +2350,7 @@
           <a:p>
             <a:fld id="{15988D4F-E58D-4CDE-A3D0-F6AD327AEC56}" type="datetime1">
               <a:rPr lang="ru-RU" smtClean="0"/>
-              <a:t>30.03.2024</a:t>
+              <a:t>08.04.2024</a:t>
             </a:fld>
             <a:endParaRPr lang="ru-RU"/>
           </a:p>
@@ -2714,7 +2548,7 @@
           <a:p>
             <a:fld id="{CE1E2A47-57B7-4CF1-A92E-49D63AEE96D5}" type="datetime1">
               <a:rPr lang="ru-RU" smtClean="0"/>
-              <a:t>30.03.2024</a:t>
+              <a:t>08.04.2024</a:t>
             </a:fld>
             <a:endParaRPr lang="ru-RU"/>
           </a:p>
@@ -2922,7 +2756,7 @@
           <a:p>
             <a:fld id="{CA81ACF7-CEE3-4A9F-B718-A470CCA653C5}" type="datetime1">
               <a:rPr lang="ru-RU" smtClean="0"/>
-              <a:t>30.03.2024</a:t>
+              <a:t>08.04.2024</a:t>
             </a:fld>
             <a:endParaRPr lang="ru-RU"/>
           </a:p>
@@ -3120,7 +2954,7 @@
           <a:p>
             <a:fld id="{5E37AE04-DA44-410C-A175-FF6C781BC876}" type="datetime1">
               <a:rPr lang="ru-RU" smtClean="0"/>
-              <a:t>30.03.2024</a:t>
+              <a:t>08.04.2024</a:t>
             </a:fld>
             <a:endParaRPr lang="ru-RU"/>
           </a:p>
@@ -3395,7 +3229,7 @@
           <a:p>
             <a:fld id="{E32C54E3-AF17-448A-9297-44EF357EABC1}" type="datetime1">
               <a:rPr lang="ru-RU" smtClean="0"/>
-              <a:t>30.03.2024</a:t>
+              <a:t>08.04.2024</a:t>
             </a:fld>
             <a:endParaRPr lang="ru-RU"/>
           </a:p>
@@ -3660,7 +3494,7 @@
           <a:p>
             <a:fld id="{6955E014-4D2F-48F0-99F5-18541DD4F253}" type="datetime1">
               <a:rPr lang="ru-RU" smtClean="0"/>
-              <a:t>30.03.2024</a:t>
+              <a:t>08.04.2024</a:t>
             </a:fld>
             <a:endParaRPr lang="ru-RU"/>
           </a:p>
@@ -4072,7 +3906,7 @@
           <a:p>
             <a:fld id="{E7E8D56A-792C-4904-9EB1-6F8EF41EE765}" type="datetime1">
               <a:rPr lang="ru-RU" smtClean="0"/>
-              <a:t>30.03.2024</a:t>
+              <a:t>08.04.2024</a:t>
             </a:fld>
             <a:endParaRPr lang="ru-RU"/>
           </a:p>
@@ -4213,7 +4047,7 @@
           <a:p>
             <a:fld id="{7065F927-12B6-4A7B-B3A2-7352DF6A122F}" type="datetime1">
               <a:rPr lang="ru-RU" smtClean="0"/>
-              <a:t>30.03.2024</a:t>
+              <a:t>08.04.2024</a:t>
             </a:fld>
             <a:endParaRPr lang="ru-RU"/>
           </a:p>
@@ -4326,7 +4160,7 @@
           <a:p>
             <a:fld id="{AAFF6416-B84E-492F-BBC6-38E032565367}" type="datetime1">
               <a:rPr lang="ru-RU" smtClean="0"/>
-              <a:t>30.03.2024</a:t>
+              <a:t>08.04.2024</a:t>
             </a:fld>
             <a:endParaRPr lang="ru-RU"/>
           </a:p>
@@ -4637,7 +4471,7 @@
           <a:p>
             <a:fld id="{F0BD601D-7324-4D41-B3DA-86B4FCF095DB}" type="datetime1">
               <a:rPr lang="ru-RU" smtClean="0"/>
-              <a:t>30.03.2024</a:t>
+              <a:t>08.04.2024</a:t>
             </a:fld>
             <a:endParaRPr lang="ru-RU"/>
           </a:p>
@@ -4925,7 +4759,7 @@
           <a:p>
             <a:fld id="{91160DCC-CAF3-4180-8270-9561E69073DD}" type="datetime1">
               <a:rPr lang="ru-RU" smtClean="0"/>
-              <a:t>30.03.2024</a:t>
+              <a:t>08.04.2024</a:t>
             </a:fld>
             <a:endParaRPr lang="ru-RU"/>
           </a:p>
@@ -5166,7 +5000,7 @@
           <a:p>
             <a:fld id="{A366973F-C059-4909-8C8C-5ED2D1FD3A9E}" type="datetime1">
               <a:rPr lang="ru-RU" smtClean="0"/>
-              <a:t>30.03.2024</a:t>
+              <a:t>08.04.2024</a:t>
             </a:fld>
             <a:endParaRPr lang="ru-RU"/>
           </a:p>
@@ -6306,7 +6140,7 @@
           <p:nvPr>
             <p:extLst>
               <p:ext uri="{D42A27DB-BD31-4B8C-83A1-F6EECF244321}">
-                <p14:modId xmlns:p14="http://schemas.microsoft.com/office/powerpoint/2010/main" val="2875307846"/>
+                <p14:modId xmlns:p14="http://schemas.microsoft.com/office/powerpoint/2010/main" val="899629017"/>
               </p:ext>
             </p:extLst>
           </p:nvPr>
@@ -6787,7 +6621,19 @@
                           <a:ea typeface="+mn-ea"/>
                           <a:cs typeface="Times New Roman" panose="02020603050405020304" pitchFamily="18" charset="0"/>
                         </a:rPr>
-                        <a:t>0.843</a:t>
+                        <a:t>0.84</a:t>
+                      </a:r>
+                      <a:r>
+                        <a:rPr lang="ru-RU" sz="1800" i="1" kern="1200" dirty="0">
+                          <a:solidFill>
+                            <a:schemeClr val="tx1"/>
+                          </a:solidFill>
+                          <a:effectLst/>
+                          <a:latin typeface="Times New Roman" panose="02020603050405020304" pitchFamily="18" charset="0"/>
+                          <a:ea typeface="+mn-ea"/>
+                          <a:cs typeface="Times New Roman" panose="02020603050405020304" pitchFamily="18" charset="0"/>
+                        </a:rPr>
+                        <a:t>4</a:t>
                       </a:r>
                       <a:endParaRPr lang="en-RU" dirty="0">
                         <a:latin typeface="Times New Roman" panose="02020603050405020304" pitchFamily="18" charset="0"/>
@@ -6848,7 +6694,19 @@
                           <a:ea typeface="+mn-ea"/>
                           <a:cs typeface="Times New Roman" panose="02020603050405020304" pitchFamily="18" charset="0"/>
                         </a:rPr>
-                        <a:t>0.919</a:t>
+                        <a:t>0.91</a:t>
+                      </a:r>
+                      <a:r>
+                        <a:rPr lang="ru-RU" sz="1800" i="1" kern="1200" dirty="0">
+                          <a:solidFill>
+                            <a:schemeClr val="tx1"/>
+                          </a:solidFill>
+                          <a:effectLst/>
+                          <a:latin typeface="Times New Roman" panose="02020603050405020304" pitchFamily="18" charset="0"/>
+                          <a:ea typeface="+mn-ea"/>
+                          <a:cs typeface="Times New Roman" panose="02020603050405020304" pitchFamily="18" charset="0"/>
+                        </a:rPr>
+                        <a:t>6</a:t>
                       </a:r>
                       <a:endParaRPr lang="en-RU" dirty="0">
                         <a:latin typeface="Times New Roman" panose="02020603050405020304" pitchFamily="18" charset="0"/>
@@ -6974,7 +6832,19 @@
                           <a:ea typeface="+mn-ea"/>
                           <a:cs typeface="Times New Roman" panose="02020603050405020304" pitchFamily="18" charset="0"/>
                         </a:rPr>
-                        <a:t>0.862</a:t>
+                        <a:t>0.8</a:t>
+                      </a:r>
+                      <a:r>
+                        <a:rPr lang="ru-RU" sz="1800" i="1" kern="1200" dirty="0">
+                          <a:solidFill>
+                            <a:schemeClr val="tx1"/>
+                          </a:solidFill>
+                          <a:effectLst/>
+                          <a:latin typeface="Times New Roman" panose="02020603050405020304" pitchFamily="18" charset="0"/>
+                          <a:ea typeface="+mn-ea"/>
+                          <a:cs typeface="Times New Roman" panose="02020603050405020304" pitchFamily="18" charset="0"/>
+                        </a:rPr>
+                        <a:t>70</a:t>
                       </a:r>
                       <a:endParaRPr lang="en-RU" dirty="0">
                         <a:latin typeface="Times New Roman" panose="02020603050405020304" pitchFamily="18" charset="0"/>
@@ -7035,7 +6905,19 @@
                           <a:ea typeface="+mn-ea"/>
                           <a:cs typeface="Times New Roman" panose="02020603050405020304" pitchFamily="18" charset="0"/>
                         </a:rPr>
-                        <a:t>0.852</a:t>
+                        <a:t>0.85</a:t>
+                      </a:r>
+                      <a:r>
+                        <a:rPr lang="ru-RU" sz="1800" i="1" kern="1200" dirty="0">
+                          <a:solidFill>
+                            <a:schemeClr val="tx1"/>
+                          </a:solidFill>
+                          <a:effectLst/>
+                          <a:latin typeface="Times New Roman" panose="02020603050405020304" pitchFamily="18" charset="0"/>
+                          <a:ea typeface="+mn-ea"/>
+                          <a:cs typeface="Times New Roman" panose="02020603050405020304" pitchFamily="18" charset="0"/>
+                        </a:rPr>
+                        <a:t>4</a:t>
                       </a:r>
                       <a:endParaRPr lang="en-RU" dirty="0">
                         <a:latin typeface="Times New Roman" panose="02020603050405020304" pitchFamily="18" charset="0"/>
@@ -7269,7 +7151,19 @@
                           <a:ea typeface="+mn-ea"/>
                           <a:cs typeface="Times New Roman" panose="02020603050405020304" pitchFamily="18" charset="0"/>
                         </a:rPr>
-                        <a:t>0.878</a:t>
+                        <a:t>0.8</a:t>
+                      </a:r>
+                      <a:r>
+                        <a:rPr lang="ru-RU" sz="1800" i="1" kern="1200" dirty="0">
+                          <a:solidFill>
+                            <a:schemeClr val="tx1"/>
+                          </a:solidFill>
+                          <a:effectLst/>
+                          <a:latin typeface="Times New Roman" panose="02020603050405020304" pitchFamily="18" charset="0"/>
+                          <a:ea typeface="+mn-ea"/>
+                          <a:cs typeface="Times New Roman" panose="02020603050405020304" pitchFamily="18" charset="0"/>
+                        </a:rPr>
+                        <a:t>85</a:t>
                       </a:r>
                       <a:endParaRPr lang="en-RU" dirty="0">
                         <a:latin typeface="Times New Roman" panose="02020603050405020304" pitchFamily="18" charset="0"/>
@@ -7330,7 +7224,19 @@
                           <a:ea typeface="+mn-ea"/>
                           <a:cs typeface="Times New Roman" panose="02020603050405020304" pitchFamily="18" charset="0"/>
                         </a:rPr>
-                        <a:t>0.875</a:t>
+                        <a:t>0.87</a:t>
+                      </a:r>
+                      <a:r>
+                        <a:rPr lang="ru-RU" sz="1800" i="1" kern="1200" dirty="0">
+                          <a:solidFill>
+                            <a:schemeClr val="tx1"/>
+                          </a:solidFill>
+                          <a:effectLst/>
+                          <a:latin typeface="Times New Roman" panose="02020603050405020304" pitchFamily="18" charset="0"/>
+                          <a:ea typeface="+mn-ea"/>
+                          <a:cs typeface="Times New Roman" panose="02020603050405020304" pitchFamily="18" charset="0"/>
+                        </a:rPr>
+                        <a:t>3</a:t>
                       </a:r>
                       <a:endParaRPr lang="en-RU" dirty="0">
                         <a:latin typeface="Times New Roman" panose="02020603050405020304" pitchFamily="18" charset="0"/>
@@ -7584,7 +7490,19 @@
                           <a:ea typeface="+mn-ea"/>
                           <a:cs typeface="Times New Roman" panose="02020603050405020304" pitchFamily="18" charset="0"/>
                         </a:rPr>
-                        <a:t>0.887</a:t>
+                        <a:t>0.88</a:t>
+                      </a:r>
+                      <a:r>
+                        <a:rPr lang="ru-RU" sz="1800" b="1" i="1" kern="1200" dirty="0">
+                          <a:solidFill>
+                            <a:schemeClr val="tx1"/>
+                          </a:solidFill>
+                          <a:effectLst/>
+                          <a:latin typeface="Times New Roman" panose="02020603050405020304" pitchFamily="18" charset="0"/>
+                          <a:ea typeface="+mn-ea"/>
+                          <a:cs typeface="Times New Roman" panose="02020603050405020304" pitchFamily="18" charset="0"/>
+                        </a:rPr>
+                        <a:t>6</a:t>
                       </a:r>
                       <a:endParaRPr lang="en-RU" dirty="0">
                         <a:latin typeface="Times New Roman" panose="02020603050405020304" pitchFamily="18" charset="0"/>
@@ -7648,7 +7566,19 @@
                           <a:ea typeface="+mn-ea"/>
                           <a:cs typeface="Times New Roman" panose="02020603050405020304" pitchFamily="18" charset="0"/>
                         </a:rPr>
-                        <a:t>0.948</a:t>
+                        <a:t>0.94</a:t>
+                      </a:r>
+                      <a:r>
+                        <a:rPr lang="ru-RU" sz="1800" b="1" i="1" kern="1200" dirty="0">
+                          <a:solidFill>
+                            <a:schemeClr val="tx1"/>
+                          </a:solidFill>
+                          <a:effectLst/>
+                          <a:latin typeface="Times New Roman" panose="02020603050405020304" pitchFamily="18" charset="0"/>
+                          <a:ea typeface="+mn-ea"/>
+                          <a:cs typeface="Times New Roman" panose="02020603050405020304" pitchFamily="18" charset="0"/>
+                        </a:rPr>
+                        <a:t>9</a:t>
                       </a:r>
                       <a:endParaRPr lang="en-RU" dirty="0">
                         <a:latin typeface="Times New Roman" panose="02020603050405020304" pitchFamily="18" charset="0"/>
@@ -8191,7 +8121,19 @@
                           <a:ea typeface="+mn-ea"/>
                           <a:cs typeface="Times New Roman" panose="02020603050405020304" pitchFamily="18" charset="0"/>
                         </a:rPr>
-                        <a:t>0.925</a:t>
+                        <a:t>0.92</a:t>
+                      </a:r>
+                      <a:r>
+                        <a:rPr lang="ru-RU" sz="1800" i="1" kern="1200" dirty="0">
+                          <a:solidFill>
+                            <a:schemeClr val="tx1"/>
+                          </a:solidFill>
+                          <a:effectLst/>
+                          <a:latin typeface="Times New Roman" panose="02020603050405020304" pitchFamily="18" charset="0"/>
+                          <a:ea typeface="+mn-ea"/>
+                          <a:cs typeface="Times New Roman" panose="02020603050405020304" pitchFamily="18" charset="0"/>
+                        </a:rPr>
+                        <a:t>4</a:t>
                       </a:r>
                       <a:endParaRPr lang="en-RU" dirty="0">
                         <a:latin typeface="Times New Roman" panose="02020603050405020304" pitchFamily="18" charset="0"/>
@@ -9915,12 +9857,191 @@
           <a:chExt cx="0" cy="0"/>
         </a:xfrm>
       </p:grpSpPr>
+      <p:sp>
+        <p:nvSpPr>
+          <p:cNvPr id="2" name="Заголовок 1">
+            <a:extLst>
+              <a:ext uri="{FF2B5EF4-FFF2-40B4-BE49-F238E27FC236}">
+                <a16:creationId xmlns:a16="http://schemas.microsoft.com/office/drawing/2014/main" id="{A8A78197-F0E5-482A-9DF3-DA7661662131}"/>
+              </a:ext>
+            </a:extLst>
+          </p:cNvPr>
+          <p:cNvSpPr>
+            <a:spLocks noGrp="1"/>
+          </p:cNvSpPr>
+          <p:nvPr>
+            <p:ph type="title"/>
+          </p:nvPr>
+        </p:nvSpPr>
+        <p:spPr>
+          <a:xfrm>
+            <a:off x="838200" y="0"/>
+            <a:ext cx="10515600" cy="1325563"/>
+          </a:xfrm>
+        </p:spPr>
+        <p:txBody>
+          <a:bodyPr>
+            <a:normAutofit/>
+          </a:bodyPr>
+          <a:lstStyle/>
+          <a:p>
+            <a:pPr algn="ctr"/>
+            <a:r>
+              <a:rPr lang="ru-RU" dirty="0">
+                <a:latin typeface="Times New Roman" panose="02020603050405020304" pitchFamily="18" charset="0"/>
+                <a:cs typeface="Times New Roman" panose="02020603050405020304" pitchFamily="18" charset="0"/>
+              </a:rPr>
+              <a:t>Случайный лес</a:t>
+            </a:r>
+            <a:r>
+              <a:rPr lang="en-US" dirty="0">
+                <a:latin typeface="Times New Roman" panose="02020603050405020304" pitchFamily="18" charset="0"/>
+                <a:cs typeface="Times New Roman" panose="02020603050405020304" pitchFamily="18" charset="0"/>
+              </a:rPr>
+              <a:t>, BERT</a:t>
+            </a:r>
+            <a:endParaRPr lang="ru-RU" dirty="0">
+              <a:latin typeface="Times New Roman" panose="02020603050405020304" pitchFamily="18" charset="0"/>
+              <a:cs typeface="Times New Roman" panose="02020603050405020304" pitchFamily="18" charset="0"/>
+            </a:endParaRPr>
+          </a:p>
+        </p:txBody>
+      </p:sp>
+      <p:sp>
+        <p:nvSpPr>
+          <p:cNvPr id="3" name="Номер слайда 2">
+            <a:extLst>
+              <a:ext uri="{FF2B5EF4-FFF2-40B4-BE49-F238E27FC236}">
+                <a16:creationId xmlns:a16="http://schemas.microsoft.com/office/drawing/2014/main" id="{18D02FDB-6FC5-443A-AD14-3C8B3AC22A63}"/>
+              </a:ext>
+            </a:extLst>
+          </p:cNvPr>
+          <p:cNvSpPr>
+            <a:spLocks noGrp="1"/>
+          </p:cNvSpPr>
+          <p:nvPr>
+            <p:ph type="sldNum" sz="quarter" idx="12"/>
+          </p:nvPr>
+        </p:nvSpPr>
+        <p:spPr/>
+        <p:txBody>
+          <a:bodyPr/>
+          <a:lstStyle/>
+          <a:p>
+            <a:fld id="{5AEE0CB1-1A0F-4E9F-8383-D0A68518B020}" type="slidenum">
+              <a:rPr lang="ru-RU" smtClean="0"/>
+              <a:t>12</a:t>
+            </a:fld>
+            <a:endParaRPr lang="ru-RU"/>
+          </a:p>
+        </p:txBody>
+      </p:sp>
+      <p:sp>
+        <p:nvSpPr>
+          <p:cNvPr id="19" name="TextBox 18">
+            <a:extLst>
+              <a:ext uri="{FF2B5EF4-FFF2-40B4-BE49-F238E27FC236}">
+                <a16:creationId xmlns:a16="http://schemas.microsoft.com/office/drawing/2014/main" id="{621280E4-687C-0843-AFCD-4C688D0068FA}"/>
+              </a:ext>
+            </a:extLst>
+          </p:cNvPr>
+          <p:cNvSpPr txBox="1"/>
+          <p:nvPr/>
+        </p:nvSpPr>
+        <p:spPr>
+          <a:xfrm>
+            <a:off x="9811271" y="3102292"/>
+            <a:ext cx="2380729" cy="1477328"/>
+          </a:xfrm>
+          <a:prstGeom prst="rect">
+            <a:avLst/>
+          </a:prstGeom>
+          <a:noFill/>
+        </p:spPr>
+        <p:txBody>
+          <a:bodyPr wrap="square">
+            <a:spAutoFit/>
+          </a:bodyPr>
+          <a:lstStyle/>
+          <a:p>
+            <a:r>
+              <a:rPr lang="ru-RU" dirty="0">
+                <a:latin typeface="Times New Roman" panose="02020603050405020304" pitchFamily="18" charset="0"/>
+                <a:cs typeface="Times New Roman" panose="02020603050405020304" pitchFamily="18" charset="0"/>
+              </a:rPr>
+              <a:t>Точность: 0.888</a:t>
+            </a:r>
+          </a:p>
+          <a:p>
+            <a:r>
+              <a:rPr lang="en-US" dirty="0">
+                <a:latin typeface="Times New Roman" panose="02020603050405020304" pitchFamily="18" charset="0"/>
+                <a:cs typeface="Times New Roman" panose="02020603050405020304" pitchFamily="18" charset="0"/>
+              </a:rPr>
+              <a:t>F1-</a:t>
+            </a:r>
+            <a:r>
+              <a:rPr lang="ru-RU" dirty="0">
+                <a:latin typeface="Times New Roman" panose="02020603050405020304" pitchFamily="18" charset="0"/>
+                <a:cs typeface="Times New Roman" panose="02020603050405020304" pitchFamily="18" charset="0"/>
+              </a:rPr>
+              <a:t>мера: </a:t>
+            </a:r>
+            <a:r>
+              <a:rPr lang="en-US" dirty="0">
+                <a:latin typeface="Times New Roman" panose="02020603050405020304" pitchFamily="18" charset="0"/>
+                <a:cs typeface="Times New Roman" panose="02020603050405020304" pitchFamily="18" charset="0"/>
+              </a:rPr>
+              <a:t>0.88</a:t>
+            </a:r>
+            <a:r>
+              <a:rPr lang="ru-RU" dirty="0">
+                <a:latin typeface="Times New Roman" panose="02020603050405020304" pitchFamily="18" charset="0"/>
+                <a:cs typeface="Times New Roman" panose="02020603050405020304" pitchFamily="18" charset="0"/>
+              </a:rPr>
+              <a:t>6</a:t>
+            </a:r>
+            <a:endParaRPr lang="en-US" dirty="0">
+              <a:latin typeface="Times New Roman" panose="02020603050405020304" pitchFamily="18" charset="0"/>
+              <a:cs typeface="Times New Roman" panose="02020603050405020304" pitchFamily="18" charset="0"/>
+            </a:endParaRPr>
+          </a:p>
+          <a:p>
+            <a:r>
+              <a:rPr lang="en-US" dirty="0">
+                <a:latin typeface="Times New Roman" panose="02020603050405020304" pitchFamily="18" charset="0"/>
+                <a:cs typeface="Times New Roman" panose="02020603050405020304" pitchFamily="18" charset="0"/>
+              </a:rPr>
+              <a:t>ROC-AUC: </a:t>
+            </a:r>
+            <a:r>
+              <a:rPr lang="ru-RU" dirty="0">
+                <a:latin typeface="Times New Roman" panose="02020603050405020304" pitchFamily="18" charset="0"/>
+                <a:cs typeface="Times New Roman" panose="02020603050405020304" pitchFamily="18" charset="0"/>
+              </a:rPr>
+              <a:t>0.949</a:t>
+            </a:r>
+          </a:p>
+          <a:p>
+            <a:endParaRPr lang="ru-RU" dirty="0">
+              <a:latin typeface="Times New Roman" panose="02020603050405020304" pitchFamily="18" charset="0"/>
+              <a:cs typeface="Times New Roman" panose="02020603050405020304" pitchFamily="18" charset="0"/>
+            </a:endParaRPr>
+          </a:p>
+          <a:p>
+            <a:endParaRPr lang="en-RU" dirty="0">
+              <a:latin typeface="Times New Roman" panose="02020603050405020304" pitchFamily="18" charset="0"/>
+              <a:cs typeface="Times New Roman" panose="02020603050405020304" pitchFamily="18" charset="0"/>
+            </a:endParaRPr>
+          </a:p>
+        </p:txBody>
+      </p:sp>
       <p:pic>
         <p:nvPicPr>
-          <p:cNvPr id="21" name="Picture 20">
+          <p:cNvPr id="5" name="Picture 4">
             <a:extLst>
               <a:ext uri="{FF2B5EF4-FFF2-40B4-BE49-F238E27FC236}">
-                <a16:creationId xmlns:a16="http://schemas.microsoft.com/office/drawing/2014/main" id="{817FB5AF-FDD6-9D48-95FC-FFE776BED982}"/>
+                <a16:creationId xmlns:a16="http://schemas.microsoft.com/office/drawing/2014/main" id="{52604AC7-43BB-4241-89EF-8F54C93B74CE}"/>
               </a:ext>
             </a:extLst>
           </p:cNvPr>
@@ -9943,99 +10064,20 @@
         </p:blipFill>
         <p:spPr>
           <a:xfrm>
-            <a:off x="5695703" y="411957"/>
-            <a:ext cx="3657600" cy="6858000"/>
+            <a:off x="152401" y="914401"/>
+            <a:ext cx="5943599" cy="5943599"/>
           </a:xfrm>
           <a:prstGeom prst="rect">
             <a:avLst/>
           </a:prstGeom>
         </p:spPr>
       </p:pic>
-      <p:sp>
-        <p:nvSpPr>
-          <p:cNvPr id="2" name="Заголовок 1">
+      <p:pic>
+        <p:nvPicPr>
+          <p:cNvPr id="7" name="Picture 6">
             <a:extLst>
               <a:ext uri="{FF2B5EF4-FFF2-40B4-BE49-F238E27FC236}">
-                <a16:creationId xmlns:a16="http://schemas.microsoft.com/office/drawing/2014/main" id="{A8A78197-F0E5-482A-9DF3-DA7661662131}"/>
-              </a:ext>
-            </a:extLst>
-          </p:cNvPr>
-          <p:cNvSpPr>
-            <a:spLocks noGrp="1"/>
-          </p:cNvSpPr>
-          <p:nvPr>
-            <p:ph type="title"/>
-          </p:nvPr>
-        </p:nvSpPr>
-        <p:spPr>
-          <a:xfrm>
-            <a:off x="838200" y="0"/>
-            <a:ext cx="10515600" cy="1325563"/>
-          </a:xfrm>
-        </p:spPr>
-        <p:txBody>
-          <a:bodyPr>
-            <a:normAutofit/>
-          </a:bodyPr>
-          <a:lstStyle/>
-          <a:p>
-            <a:pPr algn="ctr"/>
-            <a:r>
-              <a:rPr lang="ru-RU" dirty="0">
-                <a:latin typeface="Times New Roman" panose="02020603050405020304" pitchFamily="18" charset="0"/>
-                <a:cs typeface="Times New Roman" panose="02020603050405020304" pitchFamily="18" charset="0"/>
-              </a:rPr>
-              <a:t>Случайный лес</a:t>
-            </a:r>
-            <a:r>
-              <a:rPr lang="en-US" dirty="0">
-                <a:latin typeface="Times New Roman" panose="02020603050405020304" pitchFamily="18" charset="0"/>
-                <a:cs typeface="Times New Roman" panose="02020603050405020304" pitchFamily="18" charset="0"/>
-              </a:rPr>
-              <a:t>, BERT</a:t>
-            </a:r>
-            <a:endParaRPr lang="ru-RU" dirty="0">
-              <a:latin typeface="Times New Roman" panose="02020603050405020304" pitchFamily="18" charset="0"/>
-              <a:cs typeface="Times New Roman" panose="02020603050405020304" pitchFamily="18" charset="0"/>
-            </a:endParaRPr>
-          </a:p>
-        </p:txBody>
-      </p:sp>
-      <p:sp>
-        <p:nvSpPr>
-          <p:cNvPr id="3" name="Номер слайда 2">
-            <a:extLst>
-              <a:ext uri="{FF2B5EF4-FFF2-40B4-BE49-F238E27FC236}">
-                <a16:creationId xmlns:a16="http://schemas.microsoft.com/office/drawing/2014/main" id="{18D02FDB-6FC5-443A-AD14-3C8B3AC22A63}"/>
-              </a:ext>
-            </a:extLst>
-          </p:cNvPr>
-          <p:cNvSpPr>
-            <a:spLocks noGrp="1"/>
-          </p:cNvSpPr>
-          <p:nvPr>
-            <p:ph type="sldNum" sz="quarter" idx="12"/>
-          </p:nvPr>
-        </p:nvSpPr>
-        <p:spPr/>
-        <p:txBody>
-          <a:bodyPr/>
-          <a:lstStyle/>
-          <a:p>
-            <a:fld id="{5AEE0CB1-1A0F-4E9F-8383-D0A68518B020}" type="slidenum">
-              <a:rPr lang="ru-RU" smtClean="0"/>
-              <a:t>12</a:t>
-            </a:fld>
-            <a:endParaRPr lang="ru-RU"/>
-          </a:p>
-        </p:txBody>
-      </p:sp>
-      <p:pic>
-        <p:nvPicPr>
-          <p:cNvPr id="13" name="Picture 12">
-            <a:extLst>
-              <a:ext uri="{FF2B5EF4-FFF2-40B4-BE49-F238E27FC236}">
-                <a16:creationId xmlns:a16="http://schemas.microsoft.com/office/drawing/2014/main" id="{9861E690-65F1-4845-83A1-D6B9B092A346}"/>
+                <a16:creationId xmlns:a16="http://schemas.microsoft.com/office/drawing/2014/main" id="{3E0DDFC5-5EF4-0842-AF46-CFC0458EB6DA}"/>
               </a:ext>
             </a:extLst>
           </p:cNvPr>
@@ -10058,103 +10100,14 @@
         </p:blipFill>
         <p:spPr>
           <a:xfrm>
-            <a:off x="148782" y="1203850"/>
-            <a:ext cx="5088954" cy="5088954"/>
+            <a:off x="6096000" y="914400"/>
+            <a:ext cx="3657600" cy="5943599"/>
           </a:xfrm>
           <a:prstGeom prst="rect">
             <a:avLst/>
           </a:prstGeom>
         </p:spPr>
       </p:pic>
-      <p:sp>
-        <p:nvSpPr>
-          <p:cNvPr id="19" name="TextBox 18">
-            <a:extLst>
-              <a:ext uri="{FF2B5EF4-FFF2-40B4-BE49-F238E27FC236}">
-                <a16:creationId xmlns:a16="http://schemas.microsoft.com/office/drawing/2014/main" id="{621280E4-687C-0843-AFCD-4C688D0068FA}"/>
-              </a:ext>
-            </a:extLst>
-          </p:cNvPr>
-          <p:cNvSpPr txBox="1"/>
-          <p:nvPr/>
-        </p:nvSpPr>
-        <p:spPr>
-          <a:xfrm>
-            <a:off x="9811271" y="3102292"/>
-            <a:ext cx="3085058" cy="1477328"/>
-          </a:xfrm>
-          <a:prstGeom prst="rect">
-            <a:avLst/>
-          </a:prstGeom>
-          <a:noFill/>
-        </p:spPr>
-        <p:txBody>
-          <a:bodyPr wrap="square">
-            <a:spAutoFit/>
-          </a:bodyPr>
-          <a:lstStyle/>
-          <a:p>
-            <a:r>
-              <a:rPr lang="ru-RU" dirty="0">
-                <a:latin typeface="Times New Roman" panose="02020603050405020304" pitchFamily="18" charset="0"/>
-                <a:cs typeface="Times New Roman" panose="02020603050405020304" pitchFamily="18" charset="0"/>
-              </a:rPr>
-              <a:t>Точность: 0.888</a:t>
-            </a:r>
-          </a:p>
-          <a:p>
-            <a:r>
-              <a:rPr lang="en-US" dirty="0">
-                <a:latin typeface="Times New Roman" panose="02020603050405020304" pitchFamily="18" charset="0"/>
-                <a:cs typeface="Times New Roman" panose="02020603050405020304" pitchFamily="18" charset="0"/>
-              </a:rPr>
-              <a:t>F1-</a:t>
-            </a:r>
-            <a:r>
-              <a:rPr lang="ru-RU" dirty="0">
-                <a:latin typeface="Times New Roman" panose="02020603050405020304" pitchFamily="18" charset="0"/>
-                <a:cs typeface="Times New Roman" panose="02020603050405020304" pitchFamily="18" charset="0"/>
-              </a:rPr>
-              <a:t>мера: </a:t>
-            </a:r>
-            <a:r>
-              <a:rPr lang="en-US" dirty="0">
-                <a:latin typeface="Times New Roman" panose="02020603050405020304" pitchFamily="18" charset="0"/>
-                <a:cs typeface="Times New Roman" panose="02020603050405020304" pitchFamily="18" charset="0"/>
-              </a:rPr>
-              <a:t>0.887</a:t>
-            </a:r>
-          </a:p>
-          <a:p>
-            <a:r>
-              <a:rPr lang="en-US" dirty="0">
-                <a:latin typeface="Times New Roman" panose="02020603050405020304" pitchFamily="18" charset="0"/>
-                <a:cs typeface="Times New Roman" panose="02020603050405020304" pitchFamily="18" charset="0"/>
-              </a:rPr>
-              <a:t>ROC-AUC: </a:t>
-            </a:r>
-            <a:r>
-              <a:rPr lang="ru-RU" dirty="0">
-                <a:latin typeface="Times New Roman" panose="02020603050405020304" pitchFamily="18" charset="0"/>
-                <a:cs typeface="Times New Roman" panose="02020603050405020304" pitchFamily="18" charset="0"/>
-              </a:rPr>
-              <a:t>0.948</a:t>
-            </a:r>
-          </a:p>
-          <a:p>
-            <a:endParaRPr lang="ru-RU" dirty="0">
-              <a:latin typeface="Times New Roman" panose="02020603050405020304" pitchFamily="18" charset="0"/>
-              <a:cs typeface="Times New Roman" panose="02020603050405020304" pitchFamily="18" charset="0"/>
-            </a:endParaRPr>
-          </a:p>
-          <a:p>
-            <a:endParaRPr lang="en-RU" dirty="0">
-              <a:latin typeface="Times New Roman" panose="02020603050405020304" pitchFamily="18" charset="0"/>
-              <a:cs typeface="Times New Roman" panose="02020603050405020304" pitchFamily="18" charset="0"/>
-            </a:endParaRPr>
-          </a:p>
-        </p:txBody>
-      </p:sp>
     </p:spTree>
     <p:extLst>
       <p:ext uri="{BB962C8B-B14F-4D97-AF65-F5344CB8AC3E}">
@@ -10187,10 +10140,10 @@
       </p:grpSpPr>
       <p:pic>
         <p:nvPicPr>
-          <p:cNvPr id="5" name="Picture 4">
+          <p:cNvPr id="9" name="Picture 8">
             <a:extLst>
               <a:ext uri="{FF2B5EF4-FFF2-40B4-BE49-F238E27FC236}">
-                <a16:creationId xmlns:a16="http://schemas.microsoft.com/office/drawing/2014/main" id="{2654DB51-072F-C048-B74E-4048258EACEE}"/>
+                <a16:creationId xmlns:a16="http://schemas.microsoft.com/office/drawing/2014/main" id="{A6C12900-1039-F54D-9B4C-63383BE985F5}"/>
               </a:ext>
             </a:extLst>
           </p:cNvPr>
@@ -10213,84 +10166,20 @@
         </p:blipFill>
         <p:spPr>
           <a:xfrm>
-            <a:off x="5695703" y="411957"/>
-            <a:ext cx="3657600" cy="6858000"/>
+            <a:off x="6096000" y="914400"/>
+            <a:ext cx="3657600" cy="5943600"/>
           </a:xfrm>
           <a:prstGeom prst="rect">
             <a:avLst/>
           </a:prstGeom>
         </p:spPr>
       </p:pic>
-      <p:sp>
-        <p:nvSpPr>
-          <p:cNvPr id="2" name="Заголовок 1">
+      <p:pic>
+        <p:nvPicPr>
+          <p:cNvPr id="6" name="Picture 5">
             <a:extLst>
               <a:ext uri="{FF2B5EF4-FFF2-40B4-BE49-F238E27FC236}">
-                <a16:creationId xmlns:a16="http://schemas.microsoft.com/office/drawing/2014/main" id="{A8A78197-F0E5-482A-9DF3-DA7661662131}"/>
-              </a:ext>
-            </a:extLst>
-          </p:cNvPr>
-          <p:cNvSpPr>
-            <a:spLocks noGrp="1"/>
-          </p:cNvSpPr>
-          <p:nvPr>
-            <p:ph type="title"/>
-          </p:nvPr>
-        </p:nvSpPr>
-        <p:spPr>
-          <a:xfrm>
-            <a:off x="838200" y="0"/>
-            <a:ext cx="10515600" cy="1325563"/>
-          </a:xfrm>
-        </p:spPr>
-        <p:txBody>
-          <a:bodyPr>
-            <a:normAutofit/>
-          </a:bodyPr>
-          <a:lstStyle/>
-          <a:p>
-            <a:pPr algn="ctr"/>
-            <a:r>
-              <a:rPr lang="ru-RU" dirty="0">
-                <a:latin typeface="Times New Roman" panose="02020603050405020304" pitchFamily="18" charset="0"/>
-                <a:cs typeface="Times New Roman" panose="02020603050405020304" pitchFamily="18" charset="0"/>
-              </a:rPr>
-              <a:t>Случайный лес</a:t>
-            </a:r>
-            <a:r>
-              <a:rPr lang="en-US" dirty="0">
-                <a:latin typeface="Times New Roman" panose="02020603050405020304" pitchFamily="18" charset="0"/>
-                <a:cs typeface="Times New Roman" panose="02020603050405020304" pitchFamily="18" charset="0"/>
-              </a:rPr>
-              <a:t>, ”</a:t>
-            </a:r>
-            <a:r>
-              <a:rPr lang="ru-RU" dirty="0">
-                <a:latin typeface="Times New Roman" panose="02020603050405020304" pitchFamily="18" charset="0"/>
-                <a:cs typeface="Times New Roman" panose="02020603050405020304" pitchFamily="18" charset="0"/>
-              </a:rPr>
-              <a:t>мешок слов</a:t>
-            </a:r>
-            <a:r>
-              <a:rPr lang="en-US" dirty="0">
-                <a:latin typeface="Times New Roman" panose="02020603050405020304" pitchFamily="18" charset="0"/>
-                <a:cs typeface="Times New Roman" panose="02020603050405020304" pitchFamily="18" charset="0"/>
-              </a:rPr>
-              <a:t>”</a:t>
-            </a:r>
-            <a:endParaRPr lang="ru-RU" dirty="0">
-              <a:latin typeface="Times New Roman" panose="02020603050405020304" pitchFamily="18" charset="0"/>
-              <a:cs typeface="Times New Roman" panose="02020603050405020304" pitchFamily="18" charset="0"/>
-            </a:endParaRPr>
-          </a:p>
-        </p:txBody>
-      </p:sp>
-      <p:pic>
-        <p:nvPicPr>
-          <p:cNvPr id="7" name="Picture 6">
-            <a:extLst>
-              <a:ext uri="{FF2B5EF4-FFF2-40B4-BE49-F238E27FC236}">
-                <a16:creationId xmlns:a16="http://schemas.microsoft.com/office/drawing/2014/main" id="{01A6F95A-B0F9-D84C-9E19-A1E002B56D90}"/>
+                <a16:creationId xmlns:a16="http://schemas.microsoft.com/office/drawing/2014/main" id="{07E194AB-F4F5-DB4E-9713-8B5018A13057}"/>
               </a:ext>
             </a:extLst>
           </p:cNvPr>
@@ -10313,14 +10202,67 @@
         </p:blipFill>
         <p:spPr>
           <a:xfrm>
-            <a:off x="148782" y="1203850"/>
-            <a:ext cx="5088954" cy="5088954"/>
+            <a:off x="152401" y="914401"/>
+            <a:ext cx="5943599" cy="5943599"/>
           </a:xfrm>
           <a:prstGeom prst="rect">
             <a:avLst/>
           </a:prstGeom>
         </p:spPr>
       </p:pic>
+      <p:sp>
+        <p:nvSpPr>
+          <p:cNvPr id="2" name="Заголовок 1">
+            <a:extLst>
+              <a:ext uri="{FF2B5EF4-FFF2-40B4-BE49-F238E27FC236}">
+                <a16:creationId xmlns:a16="http://schemas.microsoft.com/office/drawing/2014/main" id="{A8A78197-F0E5-482A-9DF3-DA7661662131}"/>
+              </a:ext>
+            </a:extLst>
+          </p:cNvPr>
+          <p:cNvSpPr>
+            <a:spLocks noGrp="1"/>
+          </p:cNvSpPr>
+          <p:nvPr>
+            <p:ph type="title"/>
+          </p:nvPr>
+        </p:nvSpPr>
+        <p:spPr>
+          <a:xfrm>
+            <a:off x="838200" y="0"/>
+            <a:ext cx="10515600" cy="1325563"/>
+          </a:xfrm>
+        </p:spPr>
+        <p:txBody>
+          <a:bodyPr>
+            <a:normAutofit/>
+          </a:bodyPr>
+          <a:lstStyle/>
+          <a:p>
+            <a:pPr algn="ctr"/>
+            <a:r>
+              <a:rPr lang="ru-RU" dirty="0">
+                <a:latin typeface="Times New Roman" panose="02020603050405020304" pitchFamily="18" charset="0"/>
+                <a:cs typeface="Times New Roman" panose="02020603050405020304" pitchFamily="18" charset="0"/>
+              </a:rPr>
+              <a:t>Случайный лес</a:t>
+            </a:r>
+            <a:r>
+              <a:rPr lang="en-US" dirty="0">
+                <a:latin typeface="Times New Roman" panose="02020603050405020304" pitchFamily="18" charset="0"/>
+                <a:cs typeface="Times New Roman" panose="02020603050405020304" pitchFamily="18" charset="0"/>
+              </a:rPr>
+              <a:t>, </a:t>
+            </a:r>
+            <a:r>
+              <a:rPr lang="ru-RU" dirty="0">
+                <a:latin typeface="Times New Roman" panose="02020603050405020304" pitchFamily="18" charset="0"/>
+                <a:cs typeface="Times New Roman" panose="02020603050405020304" pitchFamily="18" charset="0"/>
+              </a:rPr>
+              <a:t>«мешок слов»</a:t>
+            </a:r>
+          </a:p>
+        </p:txBody>
+      </p:sp>
       <p:sp>
         <p:nvSpPr>
           <p:cNvPr id="3" name="Номер слайда 2">
@@ -10365,7 +10307,7 @@
         <p:spPr>
           <a:xfrm>
             <a:off x="9811271" y="3102292"/>
-            <a:ext cx="3085058" cy="1477328"/>
+            <a:ext cx="2380729" cy="1477328"/>
           </a:xfrm>
           <a:prstGeom prst="rect">
             <a:avLst/>
@@ -10383,7 +10325,7 @@
                 <a:latin typeface="Times New Roman" panose="02020603050405020304" pitchFamily="18" charset="0"/>
                 <a:cs typeface="Times New Roman" panose="02020603050405020304" pitchFamily="18" charset="0"/>
               </a:rPr>
-              <a:t>Точность: 0.878</a:t>
+              <a:t>Точность: 0.885</a:t>
             </a:r>
           </a:p>
           <a:p>
@@ -10413,7 +10355,7 @@
                 <a:latin typeface="Times New Roman" panose="02020603050405020304" pitchFamily="18" charset="0"/>
                 <a:cs typeface="Times New Roman" panose="02020603050405020304" pitchFamily="18" charset="0"/>
               </a:rPr>
-              <a:t>75</a:t>
+              <a:t>73</a:t>
             </a:r>
             <a:endParaRPr lang="en-US" dirty="0">
               <a:latin typeface="Times New Roman" panose="02020603050405020304" pitchFamily="18" charset="0"/>
@@ -10453,7 +10395,7 @@
     </p:spTree>
     <p:extLst>
       <p:ext uri="{BB962C8B-B14F-4D97-AF65-F5344CB8AC3E}">
-        <p14:creationId xmlns:p14="http://schemas.microsoft.com/office/powerpoint/2010/main" val="227645577"/>
+        <p14:creationId xmlns:p14="http://schemas.microsoft.com/office/powerpoint/2010/main" val="1199033637"/>
       </p:ext>
     </p:extLst>
   </p:cSld>
@@ -10482,10 +10424,10 @@
       </p:grpSpPr>
       <p:pic>
         <p:nvPicPr>
-          <p:cNvPr id="8" name="Picture 7">
+          <p:cNvPr id="6" name="Picture 5">
             <a:extLst>
               <a:ext uri="{FF2B5EF4-FFF2-40B4-BE49-F238E27FC236}">
-                <a16:creationId xmlns:a16="http://schemas.microsoft.com/office/drawing/2014/main" id="{1BA8E0EC-4A14-E34D-8D65-44000B6316FF}"/>
+                <a16:creationId xmlns:a16="http://schemas.microsoft.com/office/drawing/2014/main" id="{9F1FEEA0-9548-8C40-B2BD-C0D3ED9F1E2D}"/>
               </a:ext>
             </a:extLst>
           </p:cNvPr>
@@ -10508,8 +10450,8 @@
         </p:blipFill>
         <p:spPr>
           <a:xfrm>
-            <a:off x="5695703" y="411957"/>
-            <a:ext cx="3657600" cy="6858000"/>
+            <a:off x="152401" y="914400"/>
+            <a:ext cx="5943600" cy="5943600"/>
           </a:xfrm>
           <a:prstGeom prst="rect">
             <a:avLst/>
@@ -10550,14 +10492,14 @@
                 <a:latin typeface="Times New Roman" panose="02020603050405020304" pitchFamily="18" charset="0"/>
                 <a:cs typeface="Times New Roman" panose="02020603050405020304" pitchFamily="18" charset="0"/>
               </a:rPr>
-              <a:t>Логистическая регрессия, </a:t>
+              <a:t>Логистическая регрессия</a:t>
             </a:r>
             <a:r>
               <a:rPr lang="en-US" dirty="0">
                 <a:latin typeface="Times New Roman" panose="02020603050405020304" pitchFamily="18" charset="0"/>
                 <a:cs typeface="Times New Roman" panose="02020603050405020304" pitchFamily="18" charset="0"/>
               </a:rPr>
-              <a:t>BERT</a:t>
+              <a:t>, BERT</a:t>
             </a:r>
             <a:endParaRPr lang="ru-RU" dirty="0">
               <a:latin typeface="Times New Roman" panose="02020603050405020304" pitchFamily="18" charset="0"/>
@@ -10595,12 +10537,112 @@
           </a:p>
         </p:txBody>
       </p:sp>
+      <p:sp>
+        <p:nvSpPr>
+          <p:cNvPr id="19" name="TextBox 18">
+            <a:extLst>
+              <a:ext uri="{FF2B5EF4-FFF2-40B4-BE49-F238E27FC236}">
+                <a16:creationId xmlns:a16="http://schemas.microsoft.com/office/drawing/2014/main" id="{621280E4-687C-0843-AFCD-4C688D0068FA}"/>
+              </a:ext>
+            </a:extLst>
+          </p:cNvPr>
+          <p:cNvSpPr txBox="1"/>
+          <p:nvPr/>
+        </p:nvSpPr>
+        <p:spPr>
+          <a:xfrm>
+            <a:off x="9811271" y="3102292"/>
+            <a:ext cx="2380729" cy="1477328"/>
+          </a:xfrm>
+          <a:prstGeom prst="rect">
+            <a:avLst/>
+          </a:prstGeom>
+          <a:noFill/>
+        </p:spPr>
+        <p:txBody>
+          <a:bodyPr wrap="square">
+            <a:spAutoFit/>
+          </a:bodyPr>
+          <a:lstStyle/>
+          <a:p>
+            <a:r>
+              <a:rPr lang="ru-RU" dirty="0">
+                <a:latin typeface="Times New Roman" panose="02020603050405020304" pitchFamily="18" charset="0"/>
+                <a:cs typeface="Times New Roman" panose="02020603050405020304" pitchFamily="18" charset="0"/>
+              </a:rPr>
+              <a:t>Точность: 0.874</a:t>
+            </a:r>
+          </a:p>
+          <a:p>
+            <a:r>
+              <a:rPr lang="en-US" dirty="0">
+                <a:latin typeface="Times New Roman" panose="02020603050405020304" pitchFamily="18" charset="0"/>
+                <a:cs typeface="Times New Roman" panose="02020603050405020304" pitchFamily="18" charset="0"/>
+              </a:rPr>
+              <a:t>F1-</a:t>
+            </a:r>
+            <a:r>
+              <a:rPr lang="ru-RU" dirty="0">
+                <a:latin typeface="Times New Roman" panose="02020603050405020304" pitchFamily="18" charset="0"/>
+                <a:cs typeface="Times New Roman" panose="02020603050405020304" pitchFamily="18" charset="0"/>
+              </a:rPr>
+              <a:t>мера: </a:t>
+            </a:r>
+            <a:r>
+              <a:rPr lang="en-US" dirty="0">
+                <a:latin typeface="Times New Roman" panose="02020603050405020304" pitchFamily="18" charset="0"/>
+                <a:cs typeface="Times New Roman" panose="02020603050405020304" pitchFamily="18" charset="0"/>
+              </a:rPr>
+              <a:t>0.8</a:t>
+            </a:r>
+            <a:r>
+              <a:rPr lang="ru-RU" dirty="0">
+                <a:latin typeface="Times New Roman" panose="02020603050405020304" pitchFamily="18" charset="0"/>
+                <a:cs typeface="Times New Roman" panose="02020603050405020304" pitchFamily="18" charset="0"/>
+              </a:rPr>
+              <a:t>69</a:t>
+            </a:r>
+            <a:endParaRPr lang="en-US" dirty="0">
+              <a:latin typeface="Times New Roman" panose="02020603050405020304" pitchFamily="18" charset="0"/>
+              <a:cs typeface="Times New Roman" panose="02020603050405020304" pitchFamily="18" charset="0"/>
+            </a:endParaRPr>
+          </a:p>
+          <a:p>
+            <a:r>
+              <a:rPr lang="en-US" dirty="0">
+                <a:latin typeface="Times New Roman" panose="02020603050405020304" pitchFamily="18" charset="0"/>
+                <a:cs typeface="Times New Roman" panose="02020603050405020304" pitchFamily="18" charset="0"/>
+              </a:rPr>
+              <a:t>ROC-AUC: </a:t>
+            </a:r>
+            <a:r>
+              <a:rPr lang="ru-RU" dirty="0">
+                <a:latin typeface="Times New Roman" panose="02020603050405020304" pitchFamily="18" charset="0"/>
+                <a:cs typeface="Times New Roman" panose="02020603050405020304" pitchFamily="18" charset="0"/>
+              </a:rPr>
+              <a:t>0.942</a:t>
+            </a:r>
+          </a:p>
+          <a:p>
+            <a:endParaRPr lang="ru-RU" dirty="0">
+              <a:latin typeface="Times New Roman" panose="02020603050405020304" pitchFamily="18" charset="0"/>
+              <a:cs typeface="Times New Roman" panose="02020603050405020304" pitchFamily="18" charset="0"/>
+            </a:endParaRPr>
+          </a:p>
+          <a:p>
+            <a:endParaRPr lang="en-RU" dirty="0">
+              <a:latin typeface="Times New Roman" panose="02020603050405020304" pitchFamily="18" charset="0"/>
+              <a:cs typeface="Times New Roman" panose="02020603050405020304" pitchFamily="18" charset="0"/>
+            </a:endParaRPr>
+          </a:p>
+        </p:txBody>
+      </p:sp>
       <p:pic>
         <p:nvPicPr>
-          <p:cNvPr id="13" name="Picture 12">
+          <p:cNvPr id="9" name="Picture 8">
             <a:extLst>
               <a:ext uri="{FF2B5EF4-FFF2-40B4-BE49-F238E27FC236}">
-                <a16:creationId xmlns:a16="http://schemas.microsoft.com/office/drawing/2014/main" id="{9861E690-65F1-4845-83A1-D6B9B092A346}"/>
+                <a16:creationId xmlns:a16="http://schemas.microsoft.com/office/drawing/2014/main" id="{4892142A-AD66-5843-B981-239305D6CC55}"/>
               </a:ext>
             </a:extLst>
           </p:cNvPr>
@@ -10623,155 +10665,8 @@
         </p:blipFill>
         <p:spPr>
           <a:xfrm>
-            <a:off x="148782" y="1203850"/>
-            <a:ext cx="5088954" cy="5088954"/>
-          </a:xfrm>
-          <a:prstGeom prst="rect">
-            <a:avLst/>
-          </a:prstGeom>
-        </p:spPr>
-      </p:pic>
-      <p:sp>
-        <p:nvSpPr>
-          <p:cNvPr id="19" name="TextBox 18">
-            <a:extLst>
-              <a:ext uri="{FF2B5EF4-FFF2-40B4-BE49-F238E27FC236}">
-                <a16:creationId xmlns:a16="http://schemas.microsoft.com/office/drawing/2014/main" id="{621280E4-687C-0843-AFCD-4C688D0068FA}"/>
-              </a:ext>
-            </a:extLst>
-          </p:cNvPr>
-          <p:cNvSpPr txBox="1"/>
-          <p:nvPr/>
-        </p:nvSpPr>
-        <p:spPr>
-          <a:xfrm>
-            <a:off x="9811271" y="3102292"/>
-            <a:ext cx="3085058" cy="1477328"/>
-          </a:xfrm>
-          <a:prstGeom prst="rect">
-            <a:avLst/>
-          </a:prstGeom>
-          <a:noFill/>
-        </p:spPr>
-        <p:txBody>
-          <a:bodyPr wrap="square">
-            <a:spAutoFit/>
-          </a:bodyPr>
-          <a:lstStyle/>
-          <a:p>
-            <a:r>
-              <a:rPr lang="ru-RU" dirty="0">
-                <a:latin typeface="Times New Roman" panose="02020603050405020304" pitchFamily="18" charset="0"/>
-                <a:cs typeface="Times New Roman" panose="02020603050405020304" pitchFamily="18" charset="0"/>
-              </a:rPr>
-              <a:t>Точность: 0.87</a:t>
-            </a:r>
-            <a:r>
-              <a:rPr lang="en-US" dirty="0">
-                <a:latin typeface="Times New Roman" panose="02020603050405020304" pitchFamily="18" charset="0"/>
-                <a:cs typeface="Times New Roman" panose="02020603050405020304" pitchFamily="18" charset="0"/>
-              </a:rPr>
-              <a:t>4</a:t>
-            </a:r>
-            <a:endParaRPr lang="ru-RU" dirty="0">
-              <a:latin typeface="Times New Roman" panose="02020603050405020304" pitchFamily="18" charset="0"/>
-              <a:cs typeface="Times New Roman" panose="02020603050405020304" pitchFamily="18" charset="0"/>
-            </a:endParaRPr>
-          </a:p>
-          <a:p>
-            <a:r>
-              <a:rPr lang="en-US" dirty="0">
-                <a:latin typeface="Times New Roman" panose="02020603050405020304" pitchFamily="18" charset="0"/>
-                <a:cs typeface="Times New Roman" panose="02020603050405020304" pitchFamily="18" charset="0"/>
-              </a:rPr>
-              <a:t>F1-</a:t>
-            </a:r>
-            <a:r>
-              <a:rPr lang="ru-RU" dirty="0">
-                <a:latin typeface="Times New Roman" panose="02020603050405020304" pitchFamily="18" charset="0"/>
-                <a:cs typeface="Times New Roman" panose="02020603050405020304" pitchFamily="18" charset="0"/>
-              </a:rPr>
-              <a:t>мера: </a:t>
-            </a:r>
-            <a:r>
-              <a:rPr lang="en-US" dirty="0">
-                <a:latin typeface="Times New Roman" panose="02020603050405020304" pitchFamily="18" charset="0"/>
-                <a:cs typeface="Times New Roman" panose="02020603050405020304" pitchFamily="18" charset="0"/>
-              </a:rPr>
-              <a:t>0.869</a:t>
-            </a:r>
-          </a:p>
-          <a:p>
-            <a:r>
-              <a:rPr lang="en-US" dirty="0">
-                <a:latin typeface="Times New Roman" panose="02020603050405020304" pitchFamily="18" charset="0"/>
-                <a:cs typeface="Times New Roman" panose="02020603050405020304" pitchFamily="18" charset="0"/>
-              </a:rPr>
-              <a:t>ROC-AUC: </a:t>
-            </a:r>
-            <a:r>
-              <a:rPr lang="ru-RU" dirty="0">
-                <a:latin typeface="Times New Roman" panose="02020603050405020304" pitchFamily="18" charset="0"/>
-                <a:cs typeface="Times New Roman" panose="02020603050405020304" pitchFamily="18" charset="0"/>
-              </a:rPr>
-              <a:t>0.94</a:t>
-            </a:r>
-            <a:r>
-              <a:rPr lang="en-US" dirty="0">
-                <a:latin typeface="Times New Roman" panose="02020603050405020304" pitchFamily="18" charset="0"/>
-                <a:cs typeface="Times New Roman" panose="02020603050405020304" pitchFamily="18" charset="0"/>
-              </a:rPr>
-              <a:t>2</a:t>
-            </a:r>
-            <a:endParaRPr lang="ru-RU" dirty="0">
-              <a:latin typeface="Times New Roman" panose="02020603050405020304" pitchFamily="18" charset="0"/>
-              <a:cs typeface="Times New Roman" panose="02020603050405020304" pitchFamily="18" charset="0"/>
-            </a:endParaRPr>
-          </a:p>
-          <a:p>
-            <a:endParaRPr lang="ru-RU" dirty="0">
-              <a:latin typeface="Times New Roman" panose="02020603050405020304" pitchFamily="18" charset="0"/>
-              <a:cs typeface="Times New Roman" panose="02020603050405020304" pitchFamily="18" charset="0"/>
-            </a:endParaRPr>
-          </a:p>
-          <a:p>
-            <a:endParaRPr lang="en-RU" dirty="0">
-              <a:latin typeface="Times New Roman" panose="02020603050405020304" pitchFamily="18" charset="0"/>
-              <a:cs typeface="Times New Roman" panose="02020603050405020304" pitchFamily="18" charset="0"/>
-            </a:endParaRPr>
-          </a:p>
-        </p:txBody>
-      </p:sp>
-      <p:pic>
-        <p:nvPicPr>
-          <p:cNvPr id="6" name="Picture 5">
-            <a:extLst>
-              <a:ext uri="{FF2B5EF4-FFF2-40B4-BE49-F238E27FC236}">
-                <a16:creationId xmlns:a16="http://schemas.microsoft.com/office/drawing/2014/main" id="{D851ECEE-69C4-3A47-94BB-7272171FBCF3}"/>
-              </a:ext>
-            </a:extLst>
-          </p:cNvPr>
-          <p:cNvPicPr>
-            <a:picLocks noChangeAspect="1"/>
-          </p:cNvPicPr>
-          <p:nvPr/>
-        </p:nvPicPr>
-        <p:blipFill>
-          <a:blip r:embed="rId5">
-            <a:extLst>
-              <a:ext uri="{28A0092B-C50C-407E-A947-70E740481C1C}">
-                <a14:useLocalDpi xmlns:a14="http://schemas.microsoft.com/office/drawing/2010/main" val="0"/>
-              </a:ext>
-            </a:extLst>
-          </a:blip>
-          <a:stretch>
-            <a:fillRect/>
-          </a:stretch>
-        </p:blipFill>
-        <p:spPr>
-          <a:xfrm>
-            <a:off x="148782" y="1203850"/>
-            <a:ext cx="5088954" cy="5088954"/>
+            <a:off x="6095999" y="914398"/>
+            <a:ext cx="3657600" cy="5943601"/>
           </a:xfrm>
           <a:prstGeom prst="rect">
             <a:avLst/>
@@ -10781,7 +10676,7 @@
     </p:spTree>
     <p:extLst>
       <p:ext uri="{BB962C8B-B14F-4D97-AF65-F5344CB8AC3E}">
-        <p14:creationId xmlns:p14="http://schemas.microsoft.com/office/powerpoint/2010/main" val="329436306"/>
+        <p14:creationId xmlns:p14="http://schemas.microsoft.com/office/powerpoint/2010/main" val="1599961224"/>
       </p:ext>
     </p:extLst>
   </p:cSld>
@@ -11178,7 +11073,7 @@
                 <a:latin typeface="Times New Roman" panose="02020603050405020304" pitchFamily="18" charset="0"/>
                 <a:cs typeface="Times New Roman" panose="02020603050405020304" pitchFamily="18" charset="0"/>
               </a:rPr>
-              <a:t>Исследование эффективности использования ансамблевого метода в решении задачи</a:t>
+              <a:t>Исследование эффективности использования ансамблевого подхода в решении задачи</a:t>
             </a:r>
             <a:r>
               <a:rPr lang="en-US" dirty="0">
@@ -11859,7 +11754,7 @@
         </p:spPr>
         <p:txBody>
           <a:bodyPr>
-            <a:normAutofit fontScale="90000"/>
+            <a:normAutofit/>
           </a:bodyPr>
           <a:lstStyle/>
           <a:p>
@@ -11869,7 +11764,21 @@
                 <a:latin typeface="Times New Roman" panose="02020603050405020304" pitchFamily="18" charset="0"/>
                 <a:cs typeface="Times New Roman" panose="02020603050405020304" pitchFamily="18" charset="0"/>
               </a:rPr>
-              <a:t>Форматы описания признаков и методов их обработки</a:t>
+              <a:t>Форматы описания</a:t>
+            </a:r>
+            <a:r>
+              <a:rPr lang="en-US" dirty="0">
+                <a:latin typeface="Times New Roman" panose="02020603050405020304" pitchFamily="18" charset="0"/>
+                <a:cs typeface="Times New Roman" panose="02020603050405020304" pitchFamily="18" charset="0"/>
+              </a:rPr>
+              <a:t> </a:t>
+            </a:r>
+            <a:r>
+              <a:rPr lang="ru-RU" dirty="0">
+                <a:latin typeface="Times New Roman" panose="02020603050405020304" pitchFamily="18" charset="0"/>
+                <a:cs typeface="Times New Roman" panose="02020603050405020304" pitchFamily="18" charset="0"/>
+              </a:rPr>
+              <a:t>признаков</a:t>
             </a:r>
           </a:p>
         </p:txBody>
@@ -11924,14 +11833,14 @@
             <p:ph idx="1"/>
             <p:extLst>
               <p:ext uri="{D42A27DB-BD31-4B8C-83A1-F6EECF244321}">
-                <p14:modId xmlns:p14="http://schemas.microsoft.com/office/powerpoint/2010/main" val="3887372095"/>
+                <p14:modId xmlns:p14="http://schemas.microsoft.com/office/powerpoint/2010/main" val="190877500"/>
               </p:ext>
             </p:extLst>
           </p:nvPr>
         </p:nvGraphicFramePr>
         <p:xfrm>
-          <a:off x="838200" y="1066800"/>
-          <a:ext cx="10515597" cy="5740003"/>
+          <a:off x="838199" y="1066800"/>
+          <a:ext cx="10515597" cy="5643544"/>
         </p:xfrm>
         <a:graphic>
           <a:graphicData uri="http://schemas.openxmlformats.org/drawingml/2006/table">
@@ -11940,36 +11849,29 @@
                 <a:tableStyleId>{2D5ABB26-0587-4C30-8999-92F81FD0307C}</a:tableStyleId>
               </a:tblPr>
               <a:tblGrid>
-                <a:gridCol w="2010747">
+                <a:gridCol w="2768601">
                   <a:extLst>
                     <a:ext uri="{9D8B030D-6E8A-4147-A177-3AD203B41FA5}">
                       <a16:colId xmlns:a16="http://schemas.microsoft.com/office/drawing/2014/main" val="3164739790"/>
                     </a:ext>
                   </a:extLst>
                 </a:gridCol>
-                <a:gridCol w="3520748">
+                <a:gridCol w="7746996">
                   <a:extLst>
                     <a:ext uri="{9D8B030D-6E8A-4147-A177-3AD203B41FA5}">
                       <a16:colId xmlns:a16="http://schemas.microsoft.com/office/drawing/2014/main" val="2015357634"/>
                     </a:ext>
                   </a:extLst>
                 </a:gridCol>
-                <a:gridCol w="4984102">
-                  <a:extLst>
-                    <a:ext uri="{9D8B030D-6E8A-4147-A177-3AD203B41FA5}">
-                      <a16:colId xmlns:a16="http://schemas.microsoft.com/office/drawing/2014/main" val="3139237516"/>
-                    </a:ext>
-                  </a:extLst>
-                </a:gridCol>
               </a:tblGrid>
-              <a:tr h="287897">
+              <a:tr h="336957">
                 <a:tc>
                   <a:txBody>
                     <a:bodyPr/>
                     <a:lstStyle/>
                     <a:p>
                       <a:r>
-                        <a:rPr lang="ru-RU" sz="1400" dirty="0">
+                        <a:rPr lang="ru-RU" sz="1800" dirty="0">
                           <a:solidFill>
                             <a:sysClr val="windowText" lastClr="000000"/>
                           </a:solidFill>
@@ -11978,7 +11880,7 @@
                         </a:rPr>
                         <a:t>Признаки</a:t>
                       </a:r>
-                      <a:endParaRPr lang="en-RU" sz="1400" dirty="0">
+                      <a:endParaRPr lang="en-RU" sz="1800" dirty="0">
                         <a:solidFill>
                           <a:sysClr val="windowText" lastClr="000000"/>
                         </a:solidFill>
@@ -11988,7 +11890,7 @@
                     </a:p>
                   </a:txBody>
                   <a:tcPr>
-                    <a:lnL w="28575" cap="flat" cmpd="sng" algn="ctr">
+                    <a:lnL w="38100" cap="flat" cmpd="sng" algn="ctr">
                       <a:solidFill>
                         <a:schemeClr val="tx1"/>
                       </a:solidFill>
@@ -11997,7 +11899,7 @@
                       <a:headEnd type="none" w="med" len="med"/>
                       <a:tailEnd type="none" w="med" len="med"/>
                     </a:lnL>
-                    <a:lnR w="28575" cap="flat" cmpd="sng" algn="ctr">
+                    <a:lnR w="12700" cap="flat" cmpd="sng" algn="ctr">
                       <a:solidFill>
                         <a:schemeClr val="tx1"/>
                       </a:solidFill>
@@ -12006,7 +11908,7 @@
                       <a:headEnd type="none" w="med" len="med"/>
                       <a:tailEnd type="none" w="med" len="med"/>
                     </a:lnR>
-                    <a:lnT w="28575" cap="flat" cmpd="sng" algn="ctr">
+                    <a:lnT w="38100" cap="flat" cmpd="sng" algn="ctr">
                       <a:solidFill>
                         <a:schemeClr val="tx1"/>
                       </a:solidFill>
@@ -12015,7 +11917,7 @@
                       <a:headEnd type="none" w="med" len="med"/>
                       <a:tailEnd type="none" w="med" len="med"/>
                     </a:lnT>
-                    <a:lnB w="28575" cap="flat" cmpd="sng" algn="ctr">
+                    <a:lnB w="38100" cap="flat" cmpd="sng" algn="ctr">
                       <a:solidFill>
                         <a:schemeClr val="tx1"/>
                       </a:solidFill>
@@ -12040,7 +11942,7 @@
                     <a:lstStyle/>
                     <a:p>
                       <a:r>
-                        <a:rPr lang="ru-RU" sz="1400" dirty="0">
+                        <a:rPr lang="ru-RU" sz="1800" dirty="0">
                           <a:solidFill>
                             <a:sysClr val="windowText" lastClr="000000"/>
                           </a:solidFill>
@@ -12049,7 +11951,7 @@
                         </a:rPr>
                         <a:t>Данные</a:t>
                       </a:r>
-                      <a:endParaRPr lang="en-RU" sz="1400" dirty="0">
+                      <a:endParaRPr lang="en-RU" sz="1800" dirty="0">
                         <a:solidFill>
                           <a:sysClr val="windowText" lastClr="000000"/>
                         </a:solidFill>
@@ -12059,7 +11961,7 @@
                     </a:p>
                   </a:txBody>
                   <a:tcPr>
-                    <a:lnL w="28575" cap="flat" cmpd="sng" algn="ctr">
+                    <a:lnL w="12700" cap="flat" cmpd="sng" algn="ctr">
                       <a:solidFill>
                         <a:schemeClr val="tx1"/>
                       </a:solidFill>
@@ -12068,7 +11970,7 @@
                       <a:headEnd type="none" w="med" len="med"/>
                       <a:tailEnd type="none" w="med" len="med"/>
                     </a:lnL>
-                    <a:lnR w="28575" cap="flat" cmpd="sng" algn="ctr">
+                    <a:lnR w="38100" cap="flat" cmpd="sng" algn="ctr">
                       <a:solidFill>
                         <a:schemeClr val="tx1"/>
                       </a:solidFill>
@@ -12077,7 +11979,7 @@
                       <a:headEnd type="none" w="med" len="med"/>
                       <a:tailEnd type="none" w="med" len="med"/>
                     </a:lnR>
-                    <a:lnT w="28575" cap="flat" cmpd="sng" algn="ctr">
+                    <a:lnT w="38100" cap="flat" cmpd="sng" algn="ctr">
                       <a:solidFill>
                         <a:schemeClr val="tx1"/>
                       </a:solidFill>
@@ -12086,7 +11988,85 @@
                       <a:headEnd type="none" w="med" len="med"/>
                       <a:tailEnd type="none" w="med" len="med"/>
                     </a:lnT>
-                    <a:lnB w="28575" cap="flat" cmpd="sng" algn="ctr">
+                    <a:lnB w="38100" cap="flat" cmpd="sng" algn="ctr">
+                      <a:solidFill>
+                        <a:schemeClr val="tx1"/>
+                      </a:solidFill>
+                      <a:prstDash val="solid"/>
+                      <a:round/>
+                      <a:headEnd type="none" w="med" len="med"/>
+                      <a:tailEnd type="none" w="med" len="med"/>
+                    </a:lnB>
+                    <a:lnTlToBr w="12700" cmpd="sng">
+                      <a:noFill/>
+                      <a:prstDash val="solid"/>
+                    </a:lnTlToBr>
+                    <a:lnBlToTr w="12700" cmpd="sng">
+                      <a:noFill/>
+                      <a:prstDash val="solid"/>
+                    </a:lnBlToTr>
+                  </a:tcPr>
+                </a:tc>
+                <a:extLst>
+                  <a:ext uri="{0D108BD9-81ED-4DB2-BD59-A6C34878D82A}">
+                    <a16:rowId xmlns:a16="http://schemas.microsoft.com/office/drawing/2014/main" val="2479000487"/>
+                  </a:ext>
+                </a:extLst>
+              </a:tr>
+              <a:tr h="336957">
+                <a:tc rowSpan="3">
+                  <a:txBody>
+                    <a:bodyPr/>
+                    <a:lstStyle/>
+                    <a:p>
+                      <a:r>
+                        <a:rPr lang="ru-RU" sz="1800" dirty="0">
+                          <a:solidFill>
+                            <a:sysClr val="windowText" lastClr="000000"/>
+                          </a:solidFill>
+                          <a:latin typeface="Times New Roman" panose="02020603050405020304" pitchFamily="18" charset="0"/>
+                          <a:cs typeface="Times New Roman" panose="02020603050405020304" pitchFamily="18" charset="0"/>
+                        </a:rPr>
+                        <a:t>Аудиальные</a:t>
+                      </a:r>
+                      <a:endParaRPr lang="en-RU" sz="1800" dirty="0">
+                        <a:solidFill>
+                          <a:sysClr val="windowText" lastClr="000000"/>
+                        </a:solidFill>
+                        <a:latin typeface="Times New Roman" panose="02020603050405020304" pitchFamily="18" charset="0"/>
+                        <a:cs typeface="Times New Roman" panose="02020603050405020304" pitchFamily="18" charset="0"/>
+                      </a:endParaRPr>
+                    </a:p>
+                  </a:txBody>
+                  <a:tcPr>
+                    <a:lnL w="38100" cap="flat" cmpd="sng" algn="ctr">
+                      <a:solidFill>
+                        <a:schemeClr val="tx1"/>
+                      </a:solidFill>
+                      <a:prstDash val="solid"/>
+                      <a:round/>
+                      <a:headEnd type="none" w="med" len="med"/>
+                      <a:tailEnd type="none" w="med" len="med"/>
+                    </a:lnL>
+                    <a:lnR w="12700" cap="flat" cmpd="sng" algn="ctr">
+                      <a:solidFill>
+                        <a:schemeClr val="tx1"/>
+                      </a:solidFill>
+                      <a:prstDash val="solid"/>
+                      <a:round/>
+                      <a:headEnd type="none" w="med" len="med"/>
+                      <a:tailEnd type="none" w="med" len="med"/>
+                    </a:lnR>
+                    <a:lnT w="38100" cap="flat" cmpd="sng" algn="ctr">
+                      <a:solidFill>
+                        <a:schemeClr val="tx1"/>
+                      </a:solidFill>
+                      <a:prstDash val="solid"/>
+                      <a:round/>
+                      <a:headEnd type="none" w="med" len="med"/>
+                      <a:tailEnd type="none" w="med" len="med"/>
+                    </a:lnT>
+                    <a:lnB w="38100" cap="flat" cmpd="sng" algn="ctr">
                       <a:solidFill>
                         <a:schemeClr val="tx1"/>
                       </a:solidFill>
@@ -12111,16 +12091,16 @@
                     <a:lstStyle/>
                     <a:p>
                       <a:r>
-                        <a:rPr lang="ru-RU" sz="1400" dirty="0">
+                        <a:rPr lang="ru-RU" sz="1800" dirty="0">
                           <a:solidFill>
                             <a:sysClr val="windowText" lastClr="000000"/>
                           </a:solidFill>
                           <a:latin typeface="Times New Roman" panose="02020603050405020304" pitchFamily="18" charset="0"/>
                           <a:cs typeface="Times New Roman" panose="02020603050405020304" pitchFamily="18" charset="0"/>
                         </a:rPr>
-                        <a:t>Методы обработки</a:t>
+                        <a:t>аудиофайл</a:t>
                       </a:r>
-                      <a:endParaRPr lang="en-RU" sz="1400" dirty="0">
+                      <a:endParaRPr lang="en-RU" sz="1800" dirty="0">
                         <a:solidFill>
                           <a:sysClr val="windowText" lastClr="000000"/>
                         </a:solidFill>
@@ -12130,7 +12110,7 @@
                     </a:p>
                   </a:txBody>
                   <a:tcPr>
-                    <a:lnL w="28575" cap="flat" cmpd="sng" algn="ctr">
+                    <a:lnL w="12700" cap="flat" cmpd="sng" algn="ctr">
                       <a:solidFill>
                         <a:schemeClr val="tx1"/>
                       </a:solidFill>
@@ -12139,7 +12119,7 @@
                       <a:headEnd type="none" w="med" len="med"/>
                       <a:tailEnd type="none" w="med" len="med"/>
                     </a:lnL>
-                    <a:lnR w="28575" cap="flat" cmpd="sng" algn="ctr">
+                    <a:lnR w="38100" cap="flat" cmpd="sng" algn="ctr">
                       <a:solidFill>
                         <a:schemeClr val="tx1"/>
                       </a:solidFill>
@@ -12148,227 +12128,7 @@
                       <a:headEnd type="none" w="med" len="med"/>
                       <a:tailEnd type="none" w="med" len="med"/>
                     </a:lnR>
-                    <a:lnT w="28575" cap="flat" cmpd="sng" algn="ctr">
-                      <a:solidFill>
-                        <a:schemeClr val="tx1"/>
-                      </a:solidFill>
-                      <a:prstDash val="solid"/>
-                      <a:round/>
-                      <a:headEnd type="none" w="med" len="med"/>
-                      <a:tailEnd type="none" w="med" len="med"/>
-                    </a:lnT>
-                    <a:lnB w="28575" cap="flat" cmpd="sng" algn="ctr">
-                      <a:solidFill>
-                        <a:schemeClr val="tx1"/>
-                      </a:solidFill>
-                      <a:prstDash val="solid"/>
-                      <a:round/>
-                      <a:headEnd type="none" w="med" len="med"/>
-                      <a:tailEnd type="none" w="med" len="med"/>
-                    </a:lnB>
-                    <a:lnTlToBr w="12700" cmpd="sng">
-                      <a:noFill/>
-                      <a:prstDash val="solid"/>
-                    </a:lnTlToBr>
-                    <a:lnBlToTr w="12700" cmpd="sng">
-                      <a:noFill/>
-                      <a:prstDash val="solid"/>
-                    </a:lnBlToTr>
-                  </a:tcPr>
-                </a:tc>
-                <a:extLst>
-                  <a:ext uri="{0D108BD9-81ED-4DB2-BD59-A6C34878D82A}">
-                    <a16:rowId xmlns:a16="http://schemas.microsoft.com/office/drawing/2014/main" val="2479000487"/>
-                  </a:ext>
-                </a:extLst>
-              </a:tr>
-              <a:tr h="429563">
-                <a:tc rowSpan="3">
-                  <a:txBody>
-                    <a:bodyPr/>
-                    <a:lstStyle/>
-                    <a:p>
-                      <a:r>
-                        <a:rPr lang="ru-RU" sz="1400" dirty="0">
-                          <a:solidFill>
-                            <a:sysClr val="windowText" lastClr="000000"/>
-                          </a:solidFill>
-                          <a:latin typeface="Times New Roman" panose="02020603050405020304" pitchFamily="18" charset="0"/>
-                          <a:cs typeface="Times New Roman" panose="02020603050405020304" pitchFamily="18" charset="0"/>
-                        </a:rPr>
-                        <a:t>Аудиальные</a:t>
-                      </a:r>
-                      <a:endParaRPr lang="en-RU" sz="1400" dirty="0">
-                        <a:solidFill>
-                          <a:sysClr val="windowText" lastClr="000000"/>
-                        </a:solidFill>
-                        <a:latin typeface="Times New Roman" panose="02020603050405020304" pitchFamily="18" charset="0"/>
-                        <a:cs typeface="Times New Roman" panose="02020603050405020304" pitchFamily="18" charset="0"/>
-                      </a:endParaRPr>
-                    </a:p>
-                  </a:txBody>
-                  <a:tcPr>
-                    <a:lnL w="28575" cap="flat" cmpd="sng" algn="ctr">
-                      <a:solidFill>
-                        <a:schemeClr val="tx1"/>
-                      </a:solidFill>
-                      <a:prstDash val="solid"/>
-                      <a:round/>
-                      <a:headEnd type="none" w="med" len="med"/>
-                      <a:tailEnd type="none" w="med" len="med"/>
-                    </a:lnL>
-                    <a:lnR w="28575" cap="flat" cmpd="sng" algn="ctr">
-                      <a:solidFill>
-                        <a:schemeClr val="tx1"/>
-                      </a:solidFill>
-                      <a:prstDash val="solid"/>
-                      <a:round/>
-                      <a:headEnd type="none" w="med" len="med"/>
-                      <a:tailEnd type="none" w="med" len="med"/>
-                    </a:lnR>
-                    <a:lnT w="28575" cap="flat" cmpd="sng" algn="ctr">
-                      <a:solidFill>
-                        <a:schemeClr val="tx1"/>
-                      </a:solidFill>
-                      <a:prstDash val="solid"/>
-                      <a:round/>
-                      <a:headEnd type="none" w="med" len="med"/>
-                      <a:tailEnd type="none" w="med" len="med"/>
-                    </a:lnT>
-                    <a:lnB w="28575" cap="flat" cmpd="sng" algn="ctr">
-                      <a:solidFill>
-                        <a:schemeClr val="tx1"/>
-                      </a:solidFill>
-                      <a:prstDash val="solid"/>
-                      <a:round/>
-                      <a:headEnd type="none" w="med" len="med"/>
-                      <a:tailEnd type="none" w="med" len="med"/>
-                    </a:lnB>
-                    <a:lnTlToBr w="12700" cmpd="sng">
-                      <a:noFill/>
-                      <a:prstDash val="solid"/>
-                    </a:lnTlToBr>
-                    <a:lnBlToTr w="12700" cmpd="sng">
-                      <a:noFill/>
-                      <a:prstDash val="solid"/>
-                    </a:lnBlToTr>
-                  </a:tcPr>
-                </a:tc>
-                <a:tc>
-                  <a:txBody>
-                    <a:bodyPr/>
-                    <a:lstStyle/>
-                    <a:p>
-                      <a:r>
-                        <a:rPr lang="ru-RU" sz="1200" dirty="0">
-                          <a:solidFill>
-                            <a:sysClr val="windowText" lastClr="000000"/>
-                          </a:solidFill>
-                          <a:latin typeface="Times New Roman" panose="02020603050405020304" pitchFamily="18" charset="0"/>
-                          <a:cs typeface="Times New Roman" panose="02020603050405020304" pitchFamily="18" charset="0"/>
-                        </a:rPr>
-                        <a:t>аудиофайл</a:t>
-                      </a:r>
-                      <a:endParaRPr lang="en-RU" sz="1200" dirty="0">
-                        <a:solidFill>
-                          <a:sysClr val="windowText" lastClr="000000"/>
-                        </a:solidFill>
-                        <a:latin typeface="Times New Roman" panose="02020603050405020304" pitchFamily="18" charset="0"/>
-                        <a:cs typeface="Times New Roman" panose="02020603050405020304" pitchFamily="18" charset="0"/>
-                      </a:endParaRPr>
-                    </a:p>
-                  </a:txBody>
-                  <a:tcPr>
-                    <a:lnL w="28575" cap="flat" cmpd="sng" algn="ctr">
-                      <a:solidFill>
-                        <a:schemeClr val="tx1"/>
-                      </a:solidFill>
-                      <a:prstDash val="solid"/>
-                      <a:round/>
-                      <a:headEnd type="none" w="med" len="med"/>
-                      <a:tailEnd type="none" w="med" len="med"/>
-                    </a:lnL>
-                    <a:lnR w="28575" cap="flat" cmpd="sng" algn="ctr">
-                      <a:solidFill>
-                        <a:schemeClr val="tx1"/>
-                      </a:solidFill>
-                      <a:prstDash val="solid"/>
-                      <a:round/>
-                      <a:headEnd type="none" w="med" len="med"/>
-                      <a:tailEnd type="none" w="med" len="med"/>
-                    </a:lnR>
-                    <a:lnT w="28575" cap="flat" cmpd="sng" algn="ctr">
-                      <a:solidFill>
-                        <a:schemeClr val="tx1"/>
-                      </a:solidFill>
-                      <a:prstDash val="solid"/>
-                      <a:round/>
-                      <a:headEnd type="none" w="med" len="med"/>
-                      <a:tailEnd type="none" w="med" len="med"/>
-                    </a:lnT>
-                    <a:lnB w="12700" cap="flat" cmpd="sng" algn="ctr">
-                      <a:solidFill>
-                        <a:schemeClr val="tx1"/>
-                      </a:solidFill>
-                      <a:prstDash val="solid"/>
-                      <a:round/>
-                      <a:headEnd type="none" w="med" len="med"/>
-                      <a:tailEnd type="none" w="med" len="med"/>
-                    </a:lnB>
-                    <a:lnTlToBr w="12700" cmpd="sng">
-                      <a:noFill/>
-                      <a:prstDash val="solid"/>
-                    </a:lnTlToBr>
-                    <a:lnBlToTr w="12700" cmpd="sng">
-                      <a:noFill/>
-                      <a:prstDash val="solid"/>
-                    </a:lnBlToTr>
-                  </a:tcPr>
-                </a:tc>
-                <a:tc>
-                  <a:txBody>
-                    <a:bodyPr/>
-                    <a:lstStyle/>
-                    <a:p>
-                      <a:r>
-                        <a:rPr lang="ru-RU" sz="1200" dirty="0">
-                          <a:solidFill>
-                            <a:sysClr val="windowText" lastClr="000000"/>
-                          </a:solidFill>
-                          <a:latin typeface="Times New Roman" panose="02020603050405020304" pitchFamily="18" charset="0"/>
-                          <a:cs typeface="Times New Roman" panose="02020603050405020304" pitchFamily="18" charset="0"/>
-                        </a:rPr>
-                        <a:t>распознавание речи, обработка и анализ текстовых сообщений, анализ характеристик голоса</a:t>
-                      </a:r>
-                      <a:endParaRPr lang="en-RU" sz="1200" dirty="0">
-                        <a:solidFill>
-                          <a:sysClr val="windowText" lastClr="000000"/>
-                        </a:solidFill>
-                        <a:latin typeface="Times New Roman" panose="02020603050405020304" pitchFamily="18" charset="0"/>
-                        <a:cs typeface="Times New Roman" panose="02020603050405020304" pitchFamily="18" charset="0"/>
-                      </a:endParaRPr>
-                    </a:p>
-                  </a:txBody>
-                  <a:tcPr>
-                    <a:lnL w="28575" cap="flat" cmpd="sng" algn="ctr">
-                      <a:solidFill>
-                        <a:schemeClr val="tx1"/>
-                      </a:solidFill>
-                      <a:prstDash val="solid"/>
-                      <a:round/>
-                      <a:headEnd type="none" w="med" len="med"/>
-                      <a:tailEnd type="none" w="med" len="med"/>
-                    </a:lnL>
-                    <a:lnR w="28575" cap="flat" cmpd="sng" algn="ctr">
-                      <a:solidFill>
-                        <a:schemeClr val="tx1"/>
-                      </a:solidFill>
-                      <a:prstDash val="solid"/>
-                      <a:round/>
-                      <a:headEnd type="none" w="med" len="med"/>
-                      <a:tailEnd type="none" w="med" len="med"/>
-                    </a:lnR>
-                    <a:lnT w="28575" cap="flat" cmpd="sng" algn="ctr">
+                    <a:lnT w="38100" cap="flat" cmpd="sng" algn="ctr">
                       <a:solidFill>
                         <a:schemeClr val="tx1"/>
                       </a:solidFill>
@@ -12402,7 +12162,7 @@
                   </a:ext>
                 </a:extLst>
               </a:tr>
-              <a:tr h="286375">
+              <a:tr h="336957">
                 <a:tc vMerge="1">
                   <a:txBody>
                     <a:bodyPr/>
@@ -12419,7 +12179,7 @@
                     <a:lstStyle/>
                     <a:p>
                       <a:r>
-                        <a:rPr lang="ru-RU" sz="1200" dirty="0">
+                        <a:rPr lang="ru-RU" sz="1800" dirty="0">
                           <a:solidFill>
                             <a:sysClr val="windowText" lastClr="000000"/>
                           </a:solidFill>
@@ -12428,7 +12188,7 @@
                         </a:rPr>
                         <a:t>текстовая расшифровка речи</a:t>
                       </a:r>
-                      <a:endParaRPr lang="en-RU" sz="1200" dirty="0">
+                      <a:endParaRPr lang="en-RU" sz="1800" dirty="0">
                         <a:solidFill>
                           <a:sysClr val="windowText" lastClr="000000"/>
                         </a:solidFill>
@@ -12438,7 +12198,7 @@
                     </a:p>
                   </a:txBody>
                   <a:tcPr>
-                    <a:lnL w="28575" cap="flat" cmpd="sng" algn="ctr">
+                    <a:lnL w="12700" cap="flat" cmpd="sng" algn="ctr">
                       <a:solidFill>
                         <a:schemeClr val="tx1"/>
                       </a:solidFill>
@@ -12447,78 +12207,7 @@
                       <a:headEnd type="none" w="med" len="med"/>
                       <a:tailEnd type="none" w="med" len="med"/>
                     </a:lnL>
-                    <a:lnR w="28575" cap="flat" cmpd="sng" algn="ctr">
-                      <a:solidFill>
-                        <a:schemeClr val="tx1"/>
-                      </a:solidFill>
-                      <a:prstDash val="solid"/>
-                      <a:round/>
-                      <a:headEnd type="none" w="med" len="med"/>
-                      <a:tailEnd type="none" w="med" len="med"/>
-                    </a:lnR>
-                    <a:lnT w="12700" cap="flat" cmpd="sng" algn="ctr">
-                      <a:solidFill>
-                        <a:schemeClr val="tx1"/>
-                      </a:solidFill>
-                      <a:prstDash val="solid"/>
-                      <a:round/>
-                      <a:headEnd type="none" w="med" len="med"/>
-                      <a:tailEnd type="none" w="med" len="med"/>
-                    </a:lnT>
-                    <a:lnB w="12700" cap="flat" cmpd="sng" algn="ctr">
-                      <a:solidFill>
-                        <a:schemeClr val="tx1"/>
-                      </a:solidFill>
-                      <a:prstDash val="solid"/>
-                      <a:round/>
-                      <a:headEnd type="none" w="med" len="med"/>
-                      <a:tailEnd type="none" w="med" len="med"/>
-                    </a:lnB>
-                    <a:lnTlToBr w="12700" cmpd="sng">
-                      <a:noFill/>
-                      <a:prstDash val="solid"/>
-                    </a:lnTlToBr>
-                    <a:lnBlToTr w="12700" cmpd="sng">
-                      <a:noFill/>
-                      <a:prstDash val="solid"/>
-                    </a:lnBlToTr>
-                  </a:tcPr>
-                </a:tc>
-                <a:tc>
-                  <a:txBody>
-                    <a:bodyPr/>
-                    <a:lstStyle/>
-                    <a:p>
-                      <a:r>
-                        <a:rPr lang="ru-RU" sz="1200" dirty="0">
-                          <a:solidFill>
-                            <a:sysClr val="windowText" lastClr="000000"/>
-                          </a:solidFill>
-                          <a:latin typeface="Times New Roman" panose="02020603050405020304" pitchFamily="18" charset="0"/>
-                          <a:cs typeface="Times New Roman" panose="02020603050405020304" pitchFamily="18" charset="0"/>
-                        </a:rPr>
-                        <a:t>обработка и анализ текстовых сообщений</a:t>
-                      </a:r>
-                      <a:endParaRPr lang="en-RU" sz="1200" dirty="0">
-                        <a:solidFill>
-                          <a:sysClr val="windowText" lastClr="000000"/>
-                        </a:solidFill>
-                        <a:latin typeface="Times New Roman" panose="02020603050405020304" pitchFamily="18" charset="0"/>
-                        <a:cs typeface="Times New Roman" panose="02020603050405020304" pitchFamily="18" charset="0"/>
-                      </a:endParaRPr>
-                    </a:p>
-                  </a:txBody>
-                  <a:tcPr>
-                    <a:lnL w="28575" cap="flat" cmpd="sng" algn="ctr">
-                      <a:solidFill>
-                        <a:schemeClr val="tx1"/>
-                      </a:solidFill>
-                      <a:prstDash val="solid"/>
-                      <a:round/>
-                      <a:headEnd type="none" w="med" len="med"/>
-                      <a:tailEnd type="none" w="med" len="med"/>
-                    </a:lnL>
-                    <a:lnR w="28575" cap="flat" cmpd="sng" algn="ctr">
+                    <a:lnR w="38100" cap="flat" cmpd="sng" algn="ctr">
                       <a:solidFill>
                         <a:schemeClr val="tx1"/>
                       </a:solidFill>
@@ -12561,7 +12250,7 @@
                   </a:ext>
                 </a:extLst>
               </a:tr>
-              <a:tr h="486838">
+              <a:tr h="380566">
                 <a:tc vMerge="1">
                   <a:txBody>
                     <a:bodyPr/>
@@ -12578,7 +12267,7 @@
                     <a:lstStyle/>
                     <a:p>
                       <a:r>
-                        <a:rPr lang="ru-RU" sz="1200" dirty="0">
+                        <a:rPr lang="ru-RU" sz="1800" dirty="0">
                           <a:solidFill>
                             <a:sysClr val="windowText" lastClr="000000"/>
                           </a:solidFill>
@@ -12588,7 +12277,7 @@
                         <a:t>эмоциональная карта, аудиофайл</a:t>
                       </a:r>
                       <a:r>
-                        <a:rPr lang="en-US" sz="1200" dirty="0">
+                        <a:rPr lang="en-US" sz="1800" dirty="0">
                           <a:solidFill>
                             <a:sysClr val="windowText" lastClr="000000"/>
                           </a:solidFill>
@@ -12598,7 +12287,7 @@
                         <a:t> / </a:t>
                       </a:r>
                       <a:r>
-                        <a:rPr lang="ru-RU" sz="1200" dirty="0">
+                        <a:rPr lang="ru-RU" sz="1800" dirty="0">
                           <a:solidFill>
                             <a:sysClr val="windowText" lastClr="000000"/>
                           </a:solidFill>
@@ -12607,7 +12296,7 @@
                         </a:rPr>
                         <a:t>текстовая расшифровка</a:t>
                       </a:r>
-                      <a:endParaRPr lang="en-RU" sz="1200" dirty="0">
+                      <a:endParaRPr lang="en-RU" sz="1800" dirty="0">
                         <a:solidFill>
                           <a:sysClr val="windowText" lastClr="000000"/>
                         </a:solidFill>
@@ -12617,7 +12306,7 @@
                     </a:p>
                   </a:txBody>
                   <a:tcPr>
-                    <a:lnL w="28575" cap="flat" cmpd="sng" algn="ctr">
+                    <a:lnL w="12700" cap="flat" cmpd="sng" algn="ctr">
                       <a:solidFill>
                         <a:schemeClr val="tx1"/>
                       </a:solidFill>
@@ -12626,7 +12315,7 @@
                       <a:headEnd type="none" w="med" len="med"/>
                       <a:tailEnd type="none" w="med" len="med"/>
                     </a:lnL>
-                    <a:lnR w="28575" cap="flat" cmpd="sng" algn="ctr">
+                    <a:lnR w="38100" cap="flat" cmpd="sng" algn="ctr">
                       <a:solidFill>
                         <a:schemeClr val="tx1"/>
                       </a:solidFill>
@@ -12644,7 +12333,85 @@
                       <a:headEnd type="none" w="med" len="med"/>
                       <a:tailEnd type="none" w="med" len="med"/>
                     </a:lnT>
-                    <a:lnB w="28575" cap="flat" cmpd="sng" algn="ctr">
+                    <a:lnB w="38100" cap="flat" cmpd="sng" algn="ctr">
+                      <a:solidFill>
+                        <a:schemeClr val="tx1"/>
+                      </a:solidFill>
+                      <a:prstDash val="solid"/>
+                      <a:round/>
+                      <a:headEnd type="none" w="med" len="med"/>
+                      <a:tailEnd type="none" w="med" len="med"/>
+                    </a:lnB>
+                    <a:lnTlToBr w="12700" cmpd="sng">
+                      <a:noFill/>
+                      <a:prstDash val="solid"/>
+                    </a:lnTlToBr>
+                    <a:lnBlToTr w="12700" cmpd="sng">
+                      <a:noFill/>
+                      <a:prstDash val="solid"/>
+                    </a:lnBlToTr>
+                  </a:tcPr>
+                </a:tc>
+                <a:extLst>
+                  <a:ext uri="{0D108BD9-81ED-4DB2-BD59-A6C34878D82A}">
+                    <a16:rowId xmlns:a16="http://schemas.microsoft.com/office/drawing/2014/main" val="2120864189"/>
+                  </a:ext>
+                </a:extLst>
+              </a:tr>
+              <a:tr h="336957">
+                <a:tc rowSpan="2">
+                  <a:txBody>
+                    <a:bodyPr/>
+                    <a:lstStyle/>
+                    <a:p>
+                      <a:r>
+                        <a:rPr lang="ru-RU" sz="1800" dirty="0">
+                          <a:solidFill>
+                            <a:sysClr val="windowText" lastClr="000000"/>
+                          </a:solidFill>
+                          <a:latin typeface="Times New Roman" panose="02020603050405020304" pitchFamily="18" charset="0"/>
+                          <a:cs typeface="Times New Roman" panose="02020603050405020304" pitchFamily="18" charset="0"/>
+                        </a:rPr>
+                        <a:t>Текстовые</a:t>
+                      </a:r>
+                      <a:endParaRPr lang="en-RU" sz="1800" dirty="0">
+                        <a:solidFill>
+                          <a:sysClr val="windowText" lastClr="000000"/>
+                        </a:solidFill>
+                        <a:latin typeface="Times New Roman" panose="02020603050405020304" pitchFamily="18" charset="0"/>
+                        <a:cs typeface="Times New Roman" panose="02020603050405020304" pitchFamily="18" charset="0"/>
+                      </a:endParaRPr>
+                    </a:p>
+                  </a:txBody>
+                  <a:tcPr>
+                    <a:lnL w="38100" cap="flat" cmpd="sng" algn="ctr">
+                      <a:solidFill>
+                        <a:schemeClr val="tx1"/>
+                      </a:solidFill>
+                      <a:prstDash val="solid"/>
+                      <a:round/>
+                      <a:headEnd type="none" w="med" len="med"/>
+                      <a:tailEnd type="none" w="med" len="med"/>
+                    </a:lnL>
+                    <a:lnR w="12700" cap="flat" cmpd="sng" algn="ctr">
+                      <a:solidFill>
+                        <a:schemeClr val="tx1"/>
+                      </a:solidFill>
+                      <a:prstDash val="solid"/>
+                      <a:round/>
+                      <a:headEnd type="none" w="med" len="med"/>
+                      <a:tailEnd type="none" w="med" len="med"/>
+                    </a:lnR>
+                    <a:lnT w="38100" cap="flat" cmpd="sng" algn="ctr">
+                      <a:solidFill>
+                        <a:schemeClr val="tx1"/>
+                      </a:solidFill>
+                      <a:prstDash val="solid"/>
+                      <a:round/>
+                      <a:headEnd type="none" w="med" len="med"/>
+                      <a:tailEnd type="none" w="med" len="med"/>
+                    </a:lnT>
+                    <a:lnB w="38100" cap="flat" cmpd="sng" algn="ctr">
                       <a:solidFill>
                         <a:schemeClr val="tx1"/>
                       </a:solidFill>
@@ -12669,16 +12436,16 @@
                     <a:lstStyle/>
                     <a:p>
                       <a:r>
-                        <a:rPr lang="ru-RU" sz="1200" dirty="0">
+                        <a:rPr lang="ru-RU" sz="1800" dirty="0">
                           <a:solidFill>
                             <a:sysClr val="windowText" lastClr="000000"/>
                           </a:solidFill>
                           <a:latin typeface="Times New Roman" panose="02020603050405020304" pitchFamily="18" charset="0"/>
                           <a:cs typeface="Times New Roman" panose="02020603050405020304" pitchFamily="18" charset="0"/>
                         </a:rPr>
-                        <a:t>сопоставление эмоциональной карты смысловой нагрузке речи</a:t>
+                        <a:t>текстовое сообщение</a:t>
                       </a:r>
-                      <a:endParaRPr lang="en-RU" sz="1200" dirty="0">
+                      <a:endParaRPr lang="en-RU" sz="1800" dirty="0">
                         <a:solidFill>
                           <a:sysClr val="windowText" lastClr="000000"/>
                         </a:solidFill>
@@ -12688,7 +12455,7 @@
                     </a:p>
                   </a:txBody>
                   <a:tcPr>
-                    <a:lnL w="28575" cap="flat" cmpd="sng" algn="ctr">
+                    <a:lnL w="12700" cap="flat" cmpd="sng" algn="ctr">
                       <a:solidFill>
                         <a:schemeClr val="tx1"/>
                       </a:solidFill>
@@ -12697,7 +12464,7 @@
                       <a:headEnd type="none" w="med" len="med"/>
                       <a:tailEnd type="none" w="med" len="med"/>
                     </a:lnL>
-                    <a:lnR w="28575" cap="flat" cmpd="sng" algn="ctr">
+                    <a:lnR w="38100" cap="flat" cmpd="sng" algn="ctr">
                       <a:solidFill>
                         <a:schemeClr val="tx1"/>
                       </a:solidFill>
@@ -12706,227 +12473,7 @@
                       <a:headEnd type="none" w="med" len="med"/>
                       <a:tailEnd type="none" w="med" len="med"/>
                     </a:lnR>
-                    <a:lnT w="12700" cap="flat" cmpd="sng" algn="ctr">
-                      <a:solidFill>
-                        <a:schemeClr val="tx1"/>
-                      </a:solidFill>
-                      <a:prstDash val="solid"/>
-                      <a:round/>
-                      <a:headEnd type="none" w="med" len="med"/>
-                      <a:tailEnd type="none" w="med" len="med"/>
-                    </a:lnT>
-                    <a:lnB w="28575" cap="flat" cmpd="sng" algn="ctr">
-                      <a:solidFill>
-                        <a:schemeClr val="tx1"/>
-                      </a:solidFill>
-                      <a:prstDash val="solid"/>
-                      <a:round/>
-                      <a:headEnd type="none" w="med" len="med"/>
-                      <a:tailEnd type="none" w="med" len="med"/>
-                    </a:lnB>
-                    <a:lnTlToBr w="12700" cmpd="sng">
-                      <a:noFill/>
-                      <a:prstDash val="solid"/>
-                    </a:lnTlToBr>
-                    <a:lnBlToTr w="12700" cmpd="sng">
-                      <a:noFill/>
-                      <a:prstDash val="solid"/>
-                    </a:lnBlToTr>
-                  </a:tcPr>
-                </a:tc>
-                <a:extLst>
-                  <a:ext uri="{0D108BD9-81ED-4DB2-BD59-A6C34878D82A}">
-                    <a16:rowId xmlns:a16="http://schemas.microsoft.com/office/drawing/2014/main" val="2120864189"/>
-                  </a:ext>
-                </a:extLst>
-              </a:tr>
-              <a:tr h="429563">
-                <a:tc rowSpan="2">
-                  <a:txBody>
-                    <a:bodyPr/>
-                    <a:lstStyle/>
-                    <a:p>
-                      <a:r>
-                        <a:rPr lang="ru-RU" sz="1400" dirty="0">
-                          <a:solidFill>
-                            <a:sysClr val="windowText" lastClr="000000"/>
-                          </a:solidFill>
-                          <a:latin typeface="Times New Roman" panose="02020603050405020304" pitchFamily="18" charset="0"/>
-                          <a:cs typeface="Times New Roman" panose="02020603050405020304" pitchFamily="18" charset="0"/>
-                        </a:rPr>
-                        <a:t>Текстовые</a:t>
-                      </a:r>
-                      <a:endParaRPr lang="en-RU" sz="1400" dirty="0">
-                        <a:solidFill>
-                          <a:sysClr val="windowText" lastClr="000000"/>
-                        </a:solidFill>
-                        <a:latin typeface="Times New Roman" panose="02020603050405020304" pitchFamily="18" charset="0"/>
-                        <a:cs typeface="Times New Roman" panose="02020603050405020304" pitchFamily="18" charset="0"/>
-                      </a:endParaRPr>
-                    </a:p>
-                  </a:txBody>
-                  <a:tcPr>
-                    <a:lnL w="28575" cap="flat" cmpd="sng" algn="ctr">
-                      <a:solidFill>
-                        <a:schemeClr val="tx1"/>
-                      </a:solidFill>
-                      <a:prstDash val="solid"/>
-                      <a:round/>
-                      <a:headEnd type="none" w="med" len="med"/>
-                      <a:tailEnd type="none" w="med" len="med"/>
-                    </a:lnL>
-                    <a:lnR w="28575" cap="flat" cmpd="sng" algn="ctr">
-                      <a:solidFill>
-                        <a:schemeClr val="tx1"/>
-                      </a:solidFill>
-                      <a:prstDash val="solid"/>
-                      <a:round/>
-                      <a:headEnd type="none" w="med" len="med"/>
-                      <a:tailEnd type="none" w="med" len="med"/>
-                    </a:lnR>
-                    <a:lnT w="28575" cap="flat" cmpd="sng" algn="ctr">
-                      <a:solidFill>
-                        <a:schemeClr val="tx1"/>
-                      </a:solidFill>
-                      <a:prstDash val="solid"/>
-                      <a:round/>
-                      <a:headEnd type="none" w="med" len="med"/>
-                      <a:tailEnd type="none" w="med" len="med"/>
-                    </a:lnT>
-                    <a:lnB w="28575" cap="flat" cmpd="sng" algn="ctr">
-                      <a:solidFill>
-                        <a:schemeClr val="tx1"/>
-                      </a:solidFill>
-                      <a:prstDash val="solid"/>
-                      <a:round/>
-                      <a:headEnd type="none" w="med" len="med"/>
-                      <a:tailEnd type="none" w="med" len="med"/>
-                    </a:lnB>
-                    <a:lnTlToBr w="12700" cmpd="sng">
-                      <a:noFill/>
-                      <a:prstDash val="solid"/>
-                    </a:lnTlToBr>
-                    <a:lnBlToTr w="12700" cmpd="sng">
-                      <a:noFill/>
-                      <a:prstDash val="solid"/>
-                    </a:lnBlToTr>
-                  </a:tcPr>
-                </a:tc>
-                <a:tc>
-                  <a:txBody>
-                    <a:bodyPr/>
-                    <a:lstStyle/>
-                    <a:p>
-                      <a:r>
-                        <a:rPr lang="ru-RU" sz="1200" dirty="0">
-                          <a:solidFill>
-                            <a:sysClr val="windowText" lastClr="000000"/>
-                          </a:solidFill>
-                          <a:latin typeface="Times New Roman" panose="02020603050405020304" pitchFamily="18" charset="0"/>
-                          <a:cs typeface="Times New Roman" panose="02020603050405020304" pitchFamily="18" charset="0"/>
-                        </a:rPr>
-                        <a:t>текстовое сообщение</a:t>
-                      </a:r>
-                      <a:endParaRPr lang="en-RU" sz="1200" dirty="0">
-                        <a:solidFill>
-                          <a:sysClr val="windowText" lastClr="000000"/>
-                        </a:solidFill>
-                        <a:latin typeface="Times New Roman" panose="02020603050405020304" pitchFamily="18" charset="0"/>
-                        <a:cs typeface="Times New Roman" panose="02020603050405020304" pitchFamily="18" charset="0"/>
-                      </a:endParaRPr>
-                    </a:p>
-                  </a:txBody>
-                  <a:tcPr>
-                    <a:lnL w="28575" cap="flat" cmpd="sng" algn="ctr">
-                      <a:solidFill>
-                        <a:schemeClr val="tx1"/>
-                      </a:solidFill>
-                      <a:prstDash val="solid"/>
-                      <a:round/>
-                      <a:headEnd type="none" w="med" len="med"/>
-                      <a:tailEnd type="none" w="med" len="med"/>
-                    </a:lnL>
-                    <a:lnR w="28575" cap="flat" cmpd="sng" algn="ctr">
-                      <a:solidFill>
-                        <a:schemeClr val="tx1"/>
-                      </a:solidFill>
-                      <a:prstDash val="solid"/>
-                      <a:round/>
-                      <a:headEnd type="none" w="med" len="med"/>
-                      <a:tailEnd type="none" w="med" len="med"/>
-                    </a:lnR>
-                    <a:lnT w="28575" cap="flat" cmpd="sng" algn="ctr">
-                      <a:solidFill>
-                        <a:schemeClr val="tx1"/>
-                      </a:solidFill>
-                      <a:prstDash val="solid"/>
-                      <a:round/>
-                      <a:headEnd type="none" w="med" len="med"/>
-                      <a:tailEnd type="none" w="med" len="med"/>
-                    </a:lnT>
-                    <a:lnB w="12700" cap="flat" cmpd="sng" algn="ctr">
-                      <a:solidFill>
-                        <a:schemeClr val="tx1"/>
-                      </a:solidFill>
-                      <a:prstDash val="solid"/>
-                      <a:round/>
-                      <a:headEnd type="none" w="med" len="med"/>
-                      <a:tailEnd type="none" w="med" len="med"/>
-                    </a:lnB>
-                    <a:lnTlToBr w="12700" cmpd="sng">
-                      <a:noFill/>
-                      <a:prstDash val="solid"/>
-                    </a:lnTlToBr>
-                    <a:lnBlToTr w="12700" cmpd="sng">
-                      <a:noFill/>
-                      <a:prstDash val="solid"/>
-                    </a:lnBlToTr>
-                  </a:tcPr>
-                </a:tc>
-                <a:tc>
-                  <a:txBody>
-                    <a:bodyPr/>
-                    <a:lstStyle/>
-                    <a:p>
-                      <a:r>
-                        <a:rPr lang="ru-RU" sz="1200" dirty="0">
-                          <a:solidFill>
-                            <a:sysClr val="windowText" lastClr="000000"/>
-                          </a:solidFill>
-                          <a:latin typeface="Times New Roman" panose="02020603050405020304" pitchFamily="18" charset="0"/>
-                          <a:cs typeface="Times New Roman" panose="02020603050405020304" pitchFamily="18" charset="0"/>
-                        </a:rPr>
-                        <a:t>обработка и анализ текстовых сообщений с использованием методов машинного обучения</a:t>
-                      </a:r>
-                      <a:endParaRPr lang="en-RU" sz="1200" dirty="0">
-                        <a:solidFill>
-                          <a:sysClr val="windowText" lastClr="000000"/>
-                        </a:solidFill>
-                        <a:latin typeface="Times New Roman" panose="02020603050405020304" pitchFamily="18" charset="0"/>
-                        <a:cs typeface="Times New Roman" panose="02020603050405020304" pitchFamily="18" charset="0"/>
-                      </a:endParaRPr>
-                    </a:p>
-                  </a:txBody>
-                  <a:tcPr>
-                    <a:lnL w="28575" cap="flat" cmpd="sng" algn="ctr">
-                      <a:solidFill>
-                        <a:schemeClr val="tx1"/>
-                      </a:solidFill>
-                      <a:prstDash val="solid"/>
-                      <a:round/>
-                      <a:headEnd type="none" w="med" len="med"/>
-                      <a:tailEnd type="none" w="med" len="med"/>
-                    </a:lnL>
-                    <a:lnR w="28575" cap="flat" cmpd="sng" algn="ctr">
-                      <a:solidFill>
-                        <a:schemeClr val="tx1"/>
-                      </a:solidFill>
-                      <a:prstDash val="solid"/>
-                      <a:round/>
-                      <a:headEnd type="none" w="med" len="med"/>
-                      <a:tailEnd type="none" w="med" len="med"/>
-                    </a:lnR>
-                    <a:lnT w="28575" cap="flat" cmpd="sng" algn="ctr">
+                    <a:lnT w="38100" cap="flat" cmpd="sng" algn="ctr">
                       <a:solidFill>
                         <a:schemeClr val="tx1"/>
                       </a:solidFill>
@@ -12960,7 +12507,7 @@
                   </a:ext>
                 </a:extLst>
               </a:tr>
-              <a:tr h="429563">
+              <a:tr h="336957">
                 <a:tc vMerge="1">
                   <a:txBody>
                     <a:bodyPr/>
@@ -12977,7 +12524,7 @@
                     <a:lstStyle/>
                     <a:p>
                       <a:r>
-                        <a:rPr lang="ru-RU" sz="1200" dirty="0">
+                        <a:rPr lang="ru-RU" sz="1800" dirty="0">
                           <a:solidFill>
                             <a:sysClr val="windowText" lastClr="000000"/>
                           </a:solidFill>
@@ -12986,7 +12533,7 @@
                         </a:rPr>
                         <a:t>текстовое сообщение, эмоциональная карта</a:t>
                       </a:r>
-                      <a:endParaRPr lang="en-RU" sz="1200" dirty="0">
+                      <a:endParaRPr lang="en-RU" sz="1800" dirty="0">
                         <a:solidFill>
                           <a:sysClr val="windowText" lastClr="000000"/>
                         </a:solidFill>
@@ -12996,7 +12543,7 @@
                     </a:p>
                   </a:txBody>
                   <a:tcPr>
-                    <a:lnL w="28575" cap="flat" cmpd="sng" algn="ctr">
+                    <a:lnL w="12700" cap="flat" cmpd="sng" algn="ctr">
                       <a:solidFill>
                         <a:schemeClr val="tx1"/>
                       </a:solidFill>
@@ -13005,7 +12552,7 @@
                       <a:headEnd type="none" w="med" len="med"/>
                       <a:tailEnd type="none" w="med" len="med"/>
                     </a:lnL>
-                    <a:lnR w="28575" cap="flat" cmpd="sng" algn="ctr">
+                    <a:lnR w="38100" cap="flat" cmpd="sng" algn="ctr">
                       <a:solidFill>
                         <a:schemeClr val="tx1"/>
                       </a:solidFill>
@@ -13023,7 +12570,85 @@
                       <a:headEnd type="none" w="med" len="med"/>
                       <a:tailEnd type="none" w="med" len="med"/>
                     </a:lnT>
-                    <a:lnB w="28575" cap="flat" cmpd="sng" algn="ctr">
+                    <a:lnB w="38100" cap="flat" cmpd="sng" algn="ctr">
+                      <a:solidFill>
+                        <a:schemeClr val="tx1"/>
+                      </a:solidFill>
+                      <a:prstDash val="solid"/>
+                      <a:round/>
+                      <a:headEnd type="none" w="med" len="med"/>
+                      <a:tailEnd type="none" w="med" len="med"/>
+                    </a:lnB>
+                    <a:lnTlToBr w="12700" cmpd="sng">
+                      <a:noFill/>
+                      <a:prstDash val="solid"/>
+                    </a:lnTlToBr>
+                    <a:lnBlToTr w="12700" cmpd="sng">
+                      <a:noFill/>
+                      <a:prstDash val="solid"/>
+                    </a:lnBlToTr>
+                  </a:tcPr>
+                </a:tc>
+                <a:extLst>
+                  <a:ext uri="{0D108BD9-81ED-4DB2-BD59-A6C34878D82A}">
+                    <a16:rowId xmlns:a16="http://schemas.microsoft.com/office/drawing/2014/main" val="20809996"/>
+                  </a:ext>
+                </a:extLst>
+              </a:tr>
+              <a:tr h="336957">
+                <a:tc rowSpan="2">
+                  <a:txBody>
+                    <a:bodyPr/>
+                    <a:lstStyle/>
+                    <a:p>
+                      <a:r>
+                        <a:rPr lang="ru-RU" sz="1800" dirty="0">
+                          <a:solidFill>
+                            <a:sysClr val="windowText" lastClr="000000"/>
+                          </a:solidFill>
+                          <a:latin typeface="Times New Roman" panose="02020603050405020304" pitchFamily="18" charset="0"/>
+                          <a:cs typeface="Times New Roman" panose="02020603050405020304" pitchFamily="18" charset="0"/>
+                        </a:rPr>
+                        <a:t>Пространственно-временные</a:t>
+                      </a:r>
+                      <a:endParaRPr lang="en-RU" sz="1800" dirty="0">
+                        <a:solidFill>
+                          <a:sysClr val="windowText" lastClr="000000"/>
+                        </a:solidFill>
+                        <a:latin typeface="Times New Roman" panose="02020603050405020304" pitchFamily="18" charset="0"/>
+                        <a:cs typeface="Times New Roman" panose="02020603050405020304" pitchFamily="18" charset="0"/>
+                      </a:endParaRPr>
+                    </a:p>
+                  </a:txBody>
+                  <a:tcPr>
+                    <a:lnL w="38100" cap="flat" cmpd="sng" algn="ctr">
+                      <a:solidFill>
+                        <a:schemeClr val="tx1"/>
+                      </a:solidFill>
+                      <a:prstDash val="solid"/>
+                      <a:round/>
+                      <a:headEnd type="none" w="med" len="med"/>
+                      <a:tailEnd type="none" w="med" len="med"/>
+                    </a:lnL>
+                    <a:lnR w="12700" cap="flat" cmpd="sng" algn="ctr">
+                      <a:solidFill>
+                        <a:schemeClr val="tx1"/>
+                      </a:solidFill>
+                      <a:prstDash val="solid"/>
+                      <a:round/>
+                      <a:headEnd type="none" w="med" len="med"/>
+                      <a:tailEnd type="none" w="med" len="med"/>
+                    </a:lnR>
+                    <a:lnT w="38100" cap="flat" cmpd="sng" algn="ctr">
+                      <a:solidFill>
+                        <a:schemeClr val="tx1"/>
+                      </a:solidFill>
+                      <a:prstDash val="solid"/>
+                      <a:round/>
+                      <a:headEnd type="none" w="med" len="med"/>
+                      <a:tailEnd type="none" w="med" len="med"/>
+                    </a:lnT>
+                    <a:lnB w="38100" cap="flat" cmpd="sng" algn="ctr">
                       <a:solidFill>
                         <a:schemeClr val="tx1"/>
                       </a:solidFill>
@@ -13048,16 +12673,16 @@
                     <a:lstStyle/>
                     <a:p>
                       <a:r>
-                        <a:rPr lang="ru-RU" sz="1200" dirty="0">
+                        <a:rPr lang="ru-RU" sz="1800" dirty="0">
                           <a:solidFill>
                             <a:sysClr val="windowText" lastClr="000000"/>
                           </a:solidFill>
                           <a:latin typeface="Times New Roman" panose="02020603050405020304" pitchFamily="18" charset="0"/>
                           <a:cs typeface="Times New Roman" panose="02020603050405020304" pitchFamily="18" charset="0"/>
                         </a:rPr>
-                        <a:t>оптимизация модели машинного обучения с использованием эмоциональной карты</a:t>
+                        <a:t>дата написания сообщения</a:t>
                       </a:r>
-                      <a:endParaRPr lang="en-RU" sz="1200" dirty="0">
+                      <a:endParaRPr lang="en-RU" sz="1800" dirty="0">
                         <a:solidFill>
                           <a:sysClr val="windowText" lastClr="000000"/>
                         </a:solidFill>
@@ -13067,7 +12692,7 @@
                     </a:p>
                   </a:txBody>
                   <a:tcPr>
-                    <a:lnL w="28575" cap="flat" cmpd="sng" algn="ctr">
+                    <a:lnL w="12700" cap="flat" cmpd="sng" algn="ctr">
                       <a:solidFill>
                         <a:schemeClr val="tx1"/>
                       </a:solidFill>
@@ -13076,7 +12701,7 @@
                       <a:headEnd type="none" w="med" len="med"/>
                       <a:tailEnd type="none" w="med" len="med"/>
                     </a:lnL>
-                    <a:lnR w="28575" cap="flat" cmpd="sng" algn="ctr">
+                    <a:lnR w="38100" cap="flat" cmpd="sng" algn="ctr">
                       <a:solidFill>
                         <a:schemeClr val="tx1"/>
                       </a:solidFill>
@@ -13085,227 +12710,7 @@
                       <a:headEnd type="none" w="med" len="med"/>
                       <a:tailEnd type="none" w="med" len="med"/>
                     </a:lnR>
-                    <a:lnT w="12700" cap="flat" cmpd="sng" algn="ctr">
-                      <a:solidFill>
-                        <a:schemeClr val="tx1"/>
-                      </a:solidFill>
-                      <a:prstDash val="solid"/>
-                      <a:round/>
-                      <a:headEnd type="none" w="med" len="med"/>
-                      <a:tailEnd type="none" w="med" len="med"/>
-                    </a:lnT>
-                    <a:lnB w="28575" cap="flat" cmpd="sng" algn="ctr">
-                      <a:solidFill>
-                        <a:schemeClr val="tx1"/>
-                      </a:solidFill>
-                      <a:prstDash val="solid"/>
-                      <a:round/>
-                      <a:headEnd type="none" w="med" len="med"/>
-                      <a:tailEnd type="none" w="med" len="med"/>
-                    </a:lnB>
-                    <a:lnTlToBr w="12700" cmpd="sng">
-                      <a:noFill/>
-                      <a:prstDash val="solid"/>
-                    </a:lnTlToBr>
-                    <a:lnBlToTr w="12700" cmpd="sng">
-                      <a:noFill/>
-                      <a:prstDash val="solid"/>
-                    </a:lnBlToTr>
-                  </a:tcPr>
-                </a:tc>
-                <a:extLst>
-                  <a:ext uri="{0D108BD9-81ED-4DB2-BD59-A6C34878D82A}">
-                    <a16:rowId xmlns:a16="http://schemas.microsoft.com/office/drawing/2014/main" val="20809996"/>
-                  </a:ext>
-                </a:extLst>
-              </a:tr>
-              <a:tr h="286452">
-                <a:tc rowSpan="2">
-                  <a:txBody>
-                    <a:bodyPr/>
-                    <a:lstStyle/>
-                    <a:p>
-                      <a:r>
-                        <a:rPr lang="ru-RU" sz="1400" dirty="0">
-                          <a:solidFill>
-                            <a:sysClr val="windowText" lastClr="000000"/>
-                          </a:solidFill>
-                          <a:latin typeface="Times New Roman" panose="02020603050405020304" pitchFamily="18" charset="0"/>
-                          <a:cs typeface="Times New Roman" panose="02020603050405020304" pitchFamily="18" charset="0"/>
-                        </a:rPr>
-                        <a:t>Пространственно-временные</a:t>
-                      </a:r>
-                      <a:endParaRPr lang="en-RU" sz="1400" dirty="0">
-                        <a:solidFill>
-                          <a:sysClr val="windowText" lastClr="000000"/>
-                        </a:solidFill>
-                        <a:latin typeface="Times New Roman" panose="02020603050405020304" pitchFamily="18" charset="0"/>
-                        <a:cs typeface="Times New Roman" panose="02020603050405020304" pitchFamily="18" charset="0"/>
-                      </a:endParaRPr>
-                    </a:p>
-                  </a:txBody>
-                  <a:tcPr>
-                    <a:lnL w="28575" cap="flat" cmpd="sng" algn="ctr">
-                      <a:solidFill>
-                        <a:schemeClr val="tx1"/>
-                      </a:solidFill>
-                      <a:prstDash val="solid"/>
-                      <a:round/>
-                      <a:headEnd type="none" w="med" len="med"/>
-                      <a:tailEnd type="none" w="med" len="med"/>
-                    </a:lnL>
-                    <a:lnR w="28575" cap="flat" cmpd="sng" algn="ctr">
-                      <a:solidFill>
-                        <a:schemeClr val="tx1"/>
-                      </a:solidFill>
-                      <a:prstDash val="solid"/>
-                      <a:round/>
-                      <a:headEnd type="none" w="med" len="med"/>
-                      <a:tailEnd type="none" w="med" len="med"/>
-                    </a:lnR>
-                    <a:lnT w="28575" cap="flat" cmpd="sng" algn="ctr">
-                      <a:solidFill>
-                        <a:schemeClr val="tx1"/>
-                      </a:solidFill>
-                      <a:prstDash val="solid"/>
-                      <a:round/>
-                      <a:headEnd type="none" w="med" len="med"/>
-                      <a:tailEnd type="none" w="med" len="med"/>
-                    </a:lnT>
-                    <a:lnB w="28575" cap="flat" cmpd="sng" algn="ctr">
-                      <a:solidFill>
-                        <a:schemeClr val="tx1"/>
-                      </a:solidFill>
-                      <a:prstDash val="solid"/>
-                      <a:round/>
-                      <a:headEnd type="none" w="med" len="med"/>
-                      <a:tailEnd type="none" w="med" len="med"/>
-                    </a:lnB>
-                    <a:lnTlToBr w="12700" cmpd="sng">
-                      <a:noFill/>
-                      <a:prstDash val="solid"/>
-                    </a:lnTlToBr>
-                    <a:lnBlToTr w="12700" cmpd="sng">
-                      <a:noFill/>
-                      <a:prstDash val="solid"/>
-                    </a:lnBlToTr>
-                  </a:tcPr>
-                </a:tc>
-                <a:tc>
-                  <a:txBody>
-                    <a:bodyPr/>
-                    <a:lstStyle/>
-                    <a:p>
-                      <a:r>
-                        <a:rPr lang="ru-RU" sz="1200" dirty="0">
-                          <a:solidFill>
-                            <a:sysClr val="windowText" lastClr="000000"/>
-                          </a:solidFill>
-                          <a:latin typeface="Times New Roman" panose="02020603050405020304" pitchFamily="18" charset="0"/>
-                          <a:cs typeface="Times New Roman" panose="02020603050405020304" pitchFamily="18" charset="0"/>
-                        </a:rPr>
-                        <a:t>дата написания сообщения</a:t>
-                      </a:r>
-                      <a:endParaRPr lang="en-RU" sz="1200" dirty="0">
-                        <a:solidFill>
-                          <a:sysClr val="windowText" lastClr="000000"/>
-                        </a:solidFill>
-                        <a:latin typeface="Times New Roman" panose="02020603050405020304" pitchFamily="18" charset="0"/>
-                        <a:cs typeface="Times New Roman" panose="02020603050405020304" pitchFamily="18" charset="0"/>
-                      </a:endParaRPr>
-                    </a:p>
-                  </a:txBody>
-                  <a:tcPr>
-                    <a:lnL w="28575" cap="flat" cmpd="sng" algn="ctr">
-                      <a:solidFill>
-                        <a:schemeClr val="tx1"/>
-                      </a:solidFill>
-                      <a:prstDash val="solid"/>
-                      <a:round/>
-                      <a:headEnd type="none" w="med" len="med"/>
-                      <a:tailEnd type="none" w="med" len="med"/>
-                    </a:lnL>
-                    <a:lnR w="28575" cap="flat" cmpd="sng" algn="ctr">
-                      <a:solidFill>
-                        <a:schemeClr val="tx1"/>
-                      </a:solidFill>
-                      <a:prstDash val="solid"/>
-                      <a:round/>
-                      <a:headEnd type="none" w="med" len="med"/>
-                      <a:tailEnd type="none" w="med" len="med"/>
-                    </a:lnR>
-                    <a:lnT w="28575" cap="flat" cmpd="sng" algn="ctr">
-                      <a:solidFill>
-                        <a:schemeClr val="tx1"/>
-                      </a:solidFill>
-                      <a:prstDash val="solid"/>
-                      <a:round/>
-                      <a:headEnd type="none" w="med" len="med"/>
-                      <a:tailEnd type="none" w="med" len="med"/>
-                    </a:lnT>
-                    <a:lnB w="12700" cap="flat" cmpd="sng" algn="ctr">
-                      <a:solidFill>
-                        <a:schemeClr val="tx1"/>
-                      </a:solidFill>
-                      <a:prstDash val="solid"/>
-                      <a:round/>
-                      <a:headEnd type="none" w="med" len="med"/>
-                      <a:tailEnd type="none" w="med" len="med"/>
-                    </a:lnB>
-                    <a:lnTlToBr w="12700" cmpd="sng">
-                      <a:noFill/>
-                      <a:prstDash val="solid"/>
-                    </a:lnTlToBr>
-                    <a:lnBlToTr w="12700" cmpd="sng">
-                      <a:noFill/>
-                      <a:prstDash val="solid"/>
-                    </a:lnBlToTr>
-                  </a:tcPr>
-                </a:tc>
-                <a:tc>
-                  <a:txBody>
-                    <a:bodyPr/>
-                    <a:lstStyle/>
-                    <a:p>
-                      <a:r>
-                        <a:rPr lang="ru-RU" sz="1200" dirty="0">
-                          <a:solidFill>
-                            <a:sysClr val="windowText" lastClr="000000"/>
-                          </a:solidFill>
-                          <a:latin typeface="Times New Roman" panose="02020603050405020304" pitchFamily="18" charset="0"/>
-                          <a:cs typeface="Times New Roman" panose="02020603050405020304" pitchFamily="18" charset="0"/>
-                        </a:rPr>
-                        <a:t>соотнесение дат действий пользователя сезонности депрессии</a:t>
-                      </a:r>
-                      <a:endParaRPr lang="en-RU" sz="1200" dirty="0">
-                        <a:solidFill>
-                          <a:sysClr val="windowText" lastClr="000000"/>
-                        </a:solidFill>
-                        <a:latin typeface="Times New Roman" panose="02020603050405020304" pitchFamily="18" charset="0"/>
-                        <a:cs typeface="Times New Roman" panose="02020603050405020304" pitchFamily="18" charset="0"/>
-                      </a:endParaRPr>
-                    </a:p>
-                  </a:txBody>
-                  <a:tcPr>
-                    <a:lnL w="28575" cap="flat" cmpd="sng" algn="ctr">
-                      <a:solidFill>
-                        <a:schemeClr val="tx1"/>
-                      </a:solidFill>
-                      <a:prstDash val="solid"/>
-                      <a:round/>
-                      <a:headEnd type="none" w="med" len="med"/>
-                      <a:tailEnd type="none" w="med" len="med"/>
-                    </a:lnL>
-                    <a:lnR w="28575" cap="flat" cmpd="sng" algn="ctr">
-                      <a:solidFill>
-                        <a:schemeClr val="tx1"/>
-                      </a:solidFill>
-                      <a:prstDash val="solid"/>
-                      <a:round/>
-                      <a:headEnd type="none" w="med" len="med"/>
-                      <a:tailEnd type="none" w="med" len="med"/>
-                    </a:lnR>
-                    <a:lnT w="28575" cap="flat" cmpd="sng" algn="ctr">
+                    <a:lnT w="38100" cap="flat" cmpd="sng" algn="ctr">
                       <a:solidFill>
                         <a:schemeClr val="tx1"/>
                       </a:solidFill>
@@ -13339,7 +12744,7 @@
                   </a:ext>
                 </a:extLst>
               </a:tr>
-              <a:tr h="429563">
+              <a:tr h="357397">
                 <a:tc vMerge="1">
                   <a:txBody>
                     <a:bodyPr/>
@@ -13356,7 +12761,7 @@
                     <a:lstStyle/>
                     <a:p>
                       <a:r>
-                        <a:rPr lang="ru-RU" sz="1200" dirty="0">
+                        <a:rPr lang="ru-RU" sz="1800" dirty="0">
                           <a:solidFill>
                             <a:sysClr val="windowText" lastClr="000000"/>
                           </a:solidFill>
@@ -13365,7 +12770,7 @@
                         </a:rPr>
                         <a:t>место дислокации автора, дата написания сообщения</a:t>
                       </a:r>
-                      <a:endParaRPr lang="en-RU" sz="1200" dirty="0">
+                      <a:endParaRPr lang="en-RU" sz="1800" dirty="0">
                         <a:solidFill>
                           <a:sysClr val="windowText" lastClr="000000"/>
                         </a:solidFill>
@@ -13375,7 +12780,7 @@
                     </a:p>
                   </a:txBody>
                   <a:tcPr>
-                    <a:lnL w="28575" cap="flat" cmpd="sng" algn="ctr">
+                    <a:lnL w="12700" cap="flat" cmpd="sng" algn="ctr">
                       <a:solidFill>
                         <a:schemeClr val="tx1"/>
                       </a:solidFill>
@@ -13384,7 +12789,7 @@
                       <a:headEnd type="none" w="med" len="med"/>
                       <a:tailEnd type="none" w="med" len="med"/>
                     </a:lnL>
-                    <a:lnR w="28575" cap="flat" cmpd="sng" algn="ctr">
+                    <a:lnR w="38100" cap="flat" cmpd="sng" algn="ctr">
                       <a:solidFill>
                         <a:schemeClr val="tx1"/>
                       </a:solidFill>
@@ -13402,7 +12807,85 @@
                       <a:headEnd type="none" w="med" len="med"/>
                       <a:tailEnd type="none" w="med" len="med"/>
                     </a:lnT>
-                    <a:lnB w="28575" cap="flat" cmpd="sng" algn="ctr">
+                    <a:lnB w="38100" cap="flat" cmpd="sng" algn="ctr">
+                      <a:solidFill>
+                        <a:schemeClr val="tx1"/>
+                      </a:solidFill>
+                      <a:prstDash val="solid"/>
+                      <a:round/>
+                      <a:headEnd type="none" w="med" len="med"/>
+                      <a:tailEnd type="none" w="med" len="med"/>
+                    </a:lnB>
+                    <a:lnTlToBr w="12700" cmpd="sng">
+                      <a:noFill/>
+                      <a:prstDash val="solid"/>
+                    </a:lnTlToBr>
+                    <a:lnBlToTr w="12700" cmpd="sng">
+                      <a:noFill/>
+                      <a:prstDash val="solid"/>
+                    </a:lnBlToTr>
+                  </a:tcPr>
+                </a:tc>
+                <a:extLst>
+                  <a:ext uri="{0D108BD9-81ED-4DB2-BD59-A6C34878D82A}">
+                    <a16:rowId xmlns:a16="http://schemas.microsoft.com/office/drawing/2014/main" val="500741009"/>
+                  </a:ext>
+                </a:extLst>
+              </a:tr>
+              <a:tr h="336957">
+                <a:tc rowSpan="2">
+                  <a:txBody>
+                    <a:bodyPr/>
+                    <a:lstStyle/>
+                    <a:p>
+                      <a:r>
+                        <a:rPr lang="ru-RU" sz="1800" dirty="0">
+                          <a:solidFill>
+                            <a:sysClr val="windowText" lastClr="000000"/>
+                          </a:solidFill>
+                          <a:latin typeface="Times New Roman" panose="02020603050405020304" pitchFamily="18" charset="0"/>
+                          <a:cs typeface="Times New Roman" panose="02020603050405020304" pitchFamily="18" charset="0"/>
+                        </a:rPr>
+                        <a:t>Визуальные</a:t>
+                      </a:r>
+                      <a:endParaRPr lang="en-RU" sz="1800" dirty="0">
+                        <a:solidFill>
+                          <a:sysClr val="windowText" lastClr="000000"/>
+                        </a:solidFill>
+                        <a:latin typeface="Times New Roman" panose="02020603050405020304" pitchFamily="18" charset="0"/>
+                        <a:cs typeface="Times New Roman" panose="02020603050405020304" pitchFamily="18" charset="0"/>
+                      </a:endParaRPr>
+                    </a:p>
+                  </a:txBody>
+                  <a:tcPr>
+                    <a:lnL w="38100" cap="flat" cmpd="sng" algn="ctr">
+                      <a:solidFill>
+                        <a:schemeClr val="tx1"/>
+                      </a:solidFill>
+                      <a:prstDash val="solid"/>
+                      <a:round/>
+                      <a:headEnd type="none" w="med" len="med"/>
+                      <a:tailEnd type="none" w="med" len="med"/>
+                    </a:lnL>
+                    <a:lnR w="12700" cap="flat" cmpd="sng" algn="ctr">
+                      <a:solidFill>
+                        <a:schemeClr val="tx1"/>
+                      </a:solidFill>
+                      <a:prstDash val="solid"/>
+                      <a:round/>
+                      <a:headEnd type="none" w="med" len="med"/>
+                      <a:tailEnd type="none" w="med" len="med"/>
+                    </a:lnR>
+                    <a:lnT w="38100" cap="flat" cmpd="sng" algn="ctr">
+                      <a:solidFill>
+                        <a:schemeClr val="tx1"/>
+                      </a:solidFill>
+                      <a:prstDash val="solid"/>
+                      <a:round/>
+                      <a:headEnd type="none" w="med" len="med"/>
+                      <a:tailEnd type="none" w="med" len="med"/>
+                    </a:lnT>
+                    <a:lnB w="38100" cap="flat" cmpd="sng" algn="ctr">
                       <a:solidFill>
                         <a:schemeClr val="tx1"/>
                       </a:solidFill>
@@ -13427,16 +12910,16 @@
                     <a:lstStyle/>
                     <a:p>
                       <a:r>
-                        <a:rPr lang="ru-RU" sz="1200" dirty="0">
+                        <a:rPr lang="ru-RU" sz="1800" dirty="0">
                           <a:solidFill>
                             <a:sysClr val="windowText" lastClr="000000"/>
                           </a:solidFill>
                           <a:latin typeface="Times New Roman" panose="02020603050405020304" pitchFamily="18" charset="0"/>
                           <a:cs typeface="Times New Roman" panose="02020603050405020304" pitchFamily="18" charset="0"/>
                         </a:rPr>
-                        <a:t>соотнесение контекста происходящего в регионе пользователя его действиям</a:t>
+                        <a:t>видеоряд действий пользователя</a:t>
                       </a:r>
-                      <a:endParaRPr lang="en-RU" sz="1200" dirty="0">
+                      <a:endParaRPr lang="en-RU" sz="1800" dirty="0">
                         <a:solidFill>
                           <a:sysClr val="windowText" lastClr="000000"/>
                         </a:solidFill>
@@ -13446,7 +12929,7 @@
                     </a:p>
                   </a:txBody>
                   <a:tcPr>
-                    <a:lnL w="28575" cap="flat" cmpd="sng" algn="ctr">
+                    <a:lnL w="12700" cap="flat" cmpd="sng" algn="ctr">
                       <a:solidFill>
                         <a:schemeClr val="tx1"/>
                       </a:solidFill>
@@ -13455,7 +12938,7 @@
                       <a:headEnd type="none" w="med" len="med"/>
                       <a:tailEnd type="none" w="med" len="med"/>
                     </a:lnL>
-                    <a:lnR w="28575" cap="flat" cmpd="sng" algn="ctr">
+                    <a:lnR w="38100" cap="flat" cmpd="sng" algn="ctr">
                       <a:solidFill>
                         <a:schemeClr val="tx1"/>
                       </a:solidFill>
@@ -13464,227 +12947,7 @@
                       <a:headEnd type="none" w="med" len="med"/>
                       <a:tailEnd type="none" w="med" len="med"/>
                     </a:lnR>
-                    <a:lnT w="12700" cap="flat" cmpd="sng" algn="ctr">
-                      <a:solidFill>
-                        <a:schemeClr val="tx1"/>
-                      </a:solidFill>
-                      <a:prstDash val="solid"/>
-                      <a:round/>
-                      <a:headEnd type="none" w="med" len="med"/>
-                      <a:tailEnd type="none" w="med" len="med"/>
-                    </a:lnT>
-                    <a:lnB w="28575" cap="flat" cmpd="sng" algn="ctr">
-                      <a:solidFill>
-                        <a:schemeClr val="tx1"/>
-                      </a:solidFill>
-                      <a:prstDash val="solid"/>
-                      <a:round/>
-                      <a:headEnd type="none" w="med" len="med"/>
-                      <a:tailEnd type="none" w="med" len="med"/>
-                    </a:lnB>
-                    <a:lnTlToBr w="12700" cmpd="sng">
-                      <a:noFill/>
-                      <a:prstDash val="solid"/>
-                    </a:lnTlToBr>
-                    <a:lnBlToTr w="12700" cmpd="sng">
-                      <a:noFill/>
-                      <a:prstDash val="solid"/>
-                    </a:lnBlToTr>
-                  </a:tcPr>
-                </a:tc>
-                <a:extLst>
-                  <a:ext uri="{0D108BD9-81ED-4DB2-BD59-A6C34878D82A}">
-                    <a16:rowId xmlns:a16="http://schemas.microsoft.com/office/drawing/2014/main" val="500741009"/>
-                  </a:ext>
-                </a:extLst>
-              </a:tr>
-              <a:tr h="286375">
-                <a:tc rowSpan="2">
-                  <a:txBody>
-                    <a:bodyPr/>
-                    <a:lstStyle/>
-                    <a:p>
-                      <a:r>
-                        <a:rPr lang="ru-RU" sz="1400" dirty="0">
-                          <a:solidFill>
-                            <a:sysClr val="windowText" lastClr="000000"/>
-                          </a:solidFill>
-                          <a:latin typeface="Times New Roman" panose="02020603050405020304" pitchFamily="18" charset="0"/>
-                          <a:cs typeface="Times New Roman" panose="02020603050405020304" pitchFamily="18" charset="0"/>
-                        </a:rPr>
-                        <a:t>Визуальные</a:t>
-                      </a:r>
-                      <a:endParaRPr lang="en-RU" sz="1400" dirty="0">
-                        <a:solidFill>
-                          <a:sysClr val="windowText" lastClr="000000"/>
-                        </a:solidFill>
-                        <a:latin typeface="Times New Roman" panose="02020603050405020304" pitchFamily="18" charset="0"/>
-                        <a:cs typeface="Times New Roman" panose="02020603050405020304" pitchFamily="18" charset="0"/>
-                      </a:endParaRPr>
-                    </a:p>
-                  </a:txBody>
-                  <a:tcPr>
-                    <a:lnL w="28575" cap="flat" cmpd="sng" algn="ctr">
-                      <a:solidFill>
-                        <a:schemeClr val="tx1"/>
-                      </a:solidFill>
-                      <a:prstDash val="solid"/>
-                      <a:round/>
-                      <a:headEnd type="none" w="med" len="med"/>
-                      <a:tailEnd type="none" w="med" len="med"/>
-                    </a:lnL>
-                    <a:lnR w="28575" cap="flat" cmpd="sng" algn="ctr">
-                      <a:solidFill>
-                        <a:schemeClr val="tx1"/>
-                      </a:solidFill>
-                      <a:prstDash val="solid"/>
-                      <a:round/>
-                      <a:headEnd type="none" w="med" len="med"/>
-                      <a:tailEnd type="none" w="med" len="med"/>
-                    </a:lnR>
-                    <a:lnT w="28575" cap="flat" cmpd="sng" algn="ctr">
-                      <a:solidFill>
-                        <a:schemeClr val="tx1"/>
-                      </a:solidFill>
-                      <a:prstDash val="solid"/>
-                      <a:round/>
-                      <a:headEnd type="none" w="med" len="med"/>
-                      <a:tailEnd type="none" w="med" len="med"/>
-                    </a:lnT>
-                    <a:lnB w="28575" cap="flat" cmpd="sng" algn="ctr">
-                      <a:solidFill>
-                        <a:schemeClr val="tx1"/>
-                      </a:solidFill>
-                      <a:prstDash val="solid"/>
-                      <a:round/>
-                      <a:headEnd type="none" w="med" len="med"/>
-                      <a:tailEnd type="none" w="med" len="med"/>
-                    </a:lnB>
-                    <a:lnTlToBr w="12700" cmpd="sng">
-                      <a:noFill/>
-                      <a:prstDash val="solid"/>
-                    </a:lnTlToBr>
-                    <a:lnBlToTr w="12700" cmpd="sng">
-                      <a:noFill/>
-                      <a:prstDash val="solid"/>
-                    </a:lnBlToTr>
-                  </a:tcPr>
-                </a:tc>
-                <a:tc>
-                  <a:txBody>
-                    <a:bodyPr/>
-                    <a:lstStyle/>
-                    <a:p>
-                      <a:r>
-                        <a:rPr lang="ru-RU" sz="1200" dirty="0">
-                          <a:solidFill>
-                            <a:sysClr val="windowText" lastClr="000000"/>
-                          </a:solidFill>
-                          <a:latin typeface="Times New Roman" panose="02020603050405020304" pitchFamily="18" charset="0"/>
-                          <a:cs typeface="Times New Roman" panose="02020603050405020304" pitchFamily="18" charset="0"/>
-                        </a:rPr>
-                        <a:t>видеоряд действий пользователя</a:t>
-                      </a:r>
-                      <a:endParaRPr lang="en-RU" sz="1200" dirty="0">
-                        <a:solidFill>
-                          <a:sysClr val="windowText" lastClr="000000"/>
-                        </a:solidFill>
-                        <a:latin typeface="Times New Roman" panose="02020603050405020304" pitchFamily="18" charset="0"/>
-                        <a:cs typeface="Times New Roman" panose="02020603050405020304" pitchFamily="18" charset="0"/>
-                      </a:endParaRPr>
-                    </a:p>
-                  </a:txBody>
-                  <a:tcPr>
-                    <a:lnL w="28575" cap="flat" cmpd="sng" algn="ctr">
-                      <a:solidFill>
-                        <a:schemeClr val="tx1"/>
-                      </a:solidFill>
-                      <a:prstDash val="solid"/>
-                      <a:round/>
-                      <a:headEnd type="none" w="med" len="med"/>
-                      <a:tailEnd type="none" w="med" len="med"/>
-                    </a:lnL>
-                    <a:lnR w="28575" cap="flat" cmpd="sng" algn="ctr">
-                      <a:solidFill>
-                        <a:schemeClr val="tx1"/>
-                      </a:solidFill>
-                      <a:prstDash val="solid"/>
-                      <a:round/>
-                      <a:headEnd type="none" w="med" len="med"/>
-                      <a:tailEnd type="none" w="med" len="med"/>
-                    </a:lnR>
-                    <a:lnT w="28575" cap="flat" cmpd="sng" algn="ctr">
-                      <a:solidFill>
-                        <a:schemeClr val="tx1"/>
-                      </a:solidFill>
-                      <a:prstDash val="solid"/>
-                      <a:round/>
-                      <a:headEnd type="none" w="med" len="med"/>
-                      <a:tailEnd type="none" w="med" len="med"/>
-                    </a:lnT>
-                    <a:lnB w="12700" cap="flat" cmpd="sng" algn="ctr">
-                      <a:solidFill>
-                        <a:schemeClr val="tx1"/>
-                      </a:solidFill>
-                      <a:prstDash val="solid"/>
-                      <a:round/>
-                      <a:headEnd type="none" w="med" len="med"/>
-                      <a:tailEnd type="none" w="med" len="med"/>
-                    </a:lnB>
-                    <a:lnTlToBr w="12700" cmpd="sng">
-                      <a:noFill/>
-                      <a:prstDash val="solid"/>
-                    </a:lnTlToBr>
-                    <a:lnBlToTr w="12700" cmpd="sng">
-                      <a:noFill/>
-                      <a:prstDash val="solid"/>
-                    </a:lnBlToTr>
-                  </a:tcPr>
-                </a:tc>
-                <a:tc>
-                  <a:txBody>
-                    <a:bodyPr/>
-                    <a:lstStyle/>
-                    <a:p>
-                      <a:r>
-                        <a:rPr lang="ru-RU" sz="1200" dirty="0">
-                          <a:solidFill>
-                            <a:sysClr val="windowText" lastClr="000000"/>
-                          </a:solidFill>
-                          <a:latin typeface="Times New Roman" panose="02020603050405020304" pitchFamily="18" charset="0"/>
-                          <a:cs typeface="Times New Roman" panose="02020603050405020304" pitchFamily="18" charset="0"/>
-                        </a:rPr>
-                        <a:t>распознавание эмоций</a:t>
-                      </a:r>
-                      <a:endParaRPr lang="en-RU" sz="1200" dirty="0">
-                        <a:solidFill>
-                          <a:sysClr val="windowText" lastClr="000000"/>
-                        </a:solidFill>
-                        <a:latin typeface="Times New Roman" panose="02020603050405020304" pitchFamily="18" charset="0"/>
-                        <a:cs typeface="Times New Roman" panose="02020603050405020304" pitchFamily="18" charset="0"/>
-                      </a:endParaRPr>
-                    </a:p>
-                  </a:txBody>
-                  <a:tcPr>
-                    <a:lnL w="28575" cap="flat" cmpd="sng" algn="ctr">
-                      <a:solidFill>
-                        <a:schemeClr val="tx1"/>
-                      </a:solidFill>
-                      <a:prstDash val="solid"/>
-                      <a:round/>
-                      <a:headEnd type="none" w="med" len="med"/>
-                      <a:tailEnd type="none" w="med" len="med"/>
-                    </a:lnL>
-                    <a:lnR w="28575" cap="flat" cmpd="sng" algn="ctr">
-                      <a:solidFill>
-                        <a:schemeClr val="tx1"/>
-                      </a:solidFill>
-                      <a:prstDash val="solid"/>
-                      <a:round/>
-                      <a:headEnd type="none" w="med" len="med"/>
-                      <a:tailEnd type="none" w="med" len="med"/>
-                    </a:lnR>
-                    <a:lnT w="28575" cap="flat" cmpd="sng" algn="ctr">
+                    <a:lnT w="38100" cap="flat" cmpd="sng" algn="ctr">
                       <a:solidFill>
                         <a:schemeClr val="tx1"/>
                       </a:solidFill>
@@ -13718,7 +12981,7 @@
                   </a:ext>
                 </a:extLst>
               </a:tr>
-              <a:tr h="486838">
+              <a:tr h="508098">
                 <a:tc vMerge="1">
                   <a:txBody>
                     <a:bodyPr/>
@@ -13735,7 +12998,7 @@
                     <a:lstStyle/>
                     <a:p>
                       <a:r>
-                        <a:rPr lang="ru-RU" sz="1200" dirty="0">
+                        <a:rPr lang="ru-RU" sz="1800" dirty="0">
                           <a:solidFill>
                             <a:sysClr val="windowText" lastClr="000000"/>
                           </a:solidFill>
@@ -13744,7 +13007,7 @@
                         </a:rPr>
                         <a:t>видеоряд действий пользователя, мониторинг контекста происходящего</a:t>
                       </a:r>
-                      <a:endParaRPr lang="en-RU" sz="1200" dirty="0">
+                      <a:endParaRPr lang="en-RU" sz="1800" dirty="0">
                         <a:solidFill>
                           <a:sysClr val="windowText" lastClr="000000"/>
                         </a:solidFill>
@@ -13754,7 +13017,7 @@
                     </a:p>
                   </a:txBody>
                   <a:tcPr>
-                    <a:lnL w="28575" cap="flat" cmpd="sng" algn="ctr">
+                    <a:lnL w="12700" cap="flat" cmpd="sng" algn="ctr">
                       <a:solidFill>
                         <a:schemeClr val="tx1"/>
                       </a:solidFill>
@@ -13763,7 +13026,7 @@
                       <a:headEnd type="none" w="med" len="med"/>
                       <a:tailEnd type="none" w="med" len="med"/>
                     </a:lnL>
-                    <a:lnR w="28575" cap="flat" cmpd="sng" algn="ctr">
+                    <a:lnR w="38100" cap="flat" cmpd="sng" algn="ctr">
                       <a:solidFill>
                         <a:schemeClr val="tx1"/>
                       </a:solidFill>
@@ -13781,7 +13044,85 @@
                       <a:headEnd type="none" w="med" len="med"/>
                       <a:tailEnd type="none" w="med" len="med"/>
                     </a:lnT>
-                    <a:lnB w="28575" cap="flat" cmpd="sng" algn="ctr">
+                    <a:lnB w="38100" cap="flat" cmpd="sng" algn="ctr">
+                      <a:solidFill>
+                        <a:schemeClr val="tx1"/>
+                      </a:solidFill>
+                      <a:prstDash val="solid"/>
+                      <a:round/>
+                      <a:headEnd type="none" w="med" len="med"/>
+                      <a:tailEnd type="none" w="med" len="med"/>
+                    </a:lnB>
+                    <a:lnTlToBr w="12700" cmpd="sng">
+                      <a:noFill/>
+                      <a:prstDash val="solid"/>
+                    </a:lnTlToBr>
+                    <a:lnBlToTr w="12700" cmpd="sng">
+                      <a:noFill/>
+                      <a:prstDash val="solid"/>
+                    </a:lnBlToTr>
+                  </a:tcPr>
+                </a:tc>
+                <a:extLst>
+                  <a:ext uri="{0D108BD9-81ED-4DB2-BD59-A6C34878D82A}">
+                    <a16:rowId xmlns:a16="http://schemas.microsoft.com/office/drawing/2014/main" val="3561533762"/>
+                  </a:ext>
+                </a:extLst>
+              </a:tr>
+              <a:tr h="336957">
+                <a:tc rowSpan="3">
+                  <a:txBody>
+                    <a:bodyPr/>
+                    <a:lstStyle/>
+                    <a:p>
+                      <a:r>
+                        <a:rPr lang="ru-RU" sz="1800" dirty="0">
+                          <a:solidFill>
+                            <a:sysClr val="windowText" lastClr="000000"/>
+                          </a:solidFill>
+                          <a:latin typeface="Times New Roman" panose="02020603050405020304" pitchFamily="18" charset="0"/>
+                          <a:cs typeface="Times New Roman" panose="02020603050405020304" pitchFamily="18" charset="0"/>
+                        </a:rPr>
+                        <a:t>Физиологические</a:t>
+                      </a:r>
+                      <a:endParaRPr lang="en-RU" sz="1800" dirty="0">
+                        <a:solidFill>
+                          <a:sysClr val="windowText" lastClr="000000"/>
+                        </a:solidFill>
+                        <a:latin typeface="Times New Roman" panose="02020603050405020304" pitchFamily="18" charset="0"/>
+                        <a:cs typeface="Times New Roman" panose="02020603050405020304" pitchFamily="18" charset="0"/>
+                      </a:endParaRPr>
+                    </a:p>
+                  </a:txBody>
+                  <a:tcPr>
+                    <a:lnL w="38100" cap="flat" cmpd="sng" algn="ctr">
+                      <a:solidFill>
+                        <a:schemeClr val="tx1"/>
+                      </a:solidFill>
+                      <a:prstDash val="solid"/>
+                      <a:round/>
+                      <a:headEnd type="none" w="med" len="med"/>
+                      <a:tailEnd type="none" w="med" len="med"/>
+                    </a:lnL>
+                    <a:lnR w="12700" cap="flat" cmpd="sng" algn="ctr">
+                      <a:solidFill>
+                        <a:schemeClr val="tx1"/>
+                      </a:solidFill>
+                      <a:prstDash val="solid"/>
+                      <a:round/>
+                      <a:headEnd type="none" w="med" len="med"/>
+                      <a:tailEnd type="none" w="med" len="med"/>
+                    </a:lnR>
+                    <a:lnT w="38100" cap="flat" cmpd="sng" algn="ctr">
+                      <a:solidFill>
+                        <a:schemeClr val="tx1"/>
+                      </a:solidFill>
+                      <a:prstDash val="solid"/>
+                      <a:round/>
+                      <a:headEnd type="none" w="med" len="med"/>
+                      <a:tailEnd type="none" w="med" len="med"/>
+                    </a:lnT>
+                    <a:lnB w="38100" cap="flat" cmpd="sng" algn="ctr">
                       <a:solidFill>
                         <a:schemeClr val="tx1"/>
                       </a:solidFill>
@@ -13806,16 +13147,16 @@
                     <a:lstStyle/>
                     <a:p>
                       <a:r>
-                        <a:rPr lang="ru-RU" sz="1200" dirty="0">
+                        <a:rPr lang="ru-RU" sz="1800" dirty="0">
                           <a:solidFill>
                             <a:sysClr val="windowText" lastClr="000000"/>
                           </a:solidFill>
                           <a:latin typeface="Times New Roman" panose="02020603050405020304" pitchFamily="18" charset="0"/>
                           <a:cs typeface="Times New Roman" panose="02020603050405020304" pitchFamily="18" charset="0"/>
                         </a:rPr>
-                        <a:t>анализ реакций индивидуума на внешние раздражители и жизненные ситуации</a:t>
+                        <a:t>данные мониторинга уровня стресса</a:t>
                       </a:r>
-                      <a:endParaRPr lang="en-RU" sz="1200" dirty="0">
+                      <a:endParaRPr lang="en-RU" sz="1800" dirty="0">
                         <a:solidFill>
                           <a:sysClr val="windowText" lastClr="000000"/>
                         </a:solidFill>
@@ -13825,7 +13166,7 @@
                     </a:p>
                   </a:txBody>
                   <a:tcPr>
-                    <a:lnL w="28575" cap="flat" cmpd="sng" algn="ctr">
+                    <a:lnL w="12700" cap="flat" cmpd="sng" algn="ctr">
                       <a:solidFill>
                         <a:schemeClr val="tx1"/>
                       </a:solidFill>
@@ -13834,7 +13175,7 @@
                       <a:headEnd type="none" w="med" len="med"/>
                       <a:tailEnd type="none" w="med" len="med"/>
                     </a:lnL>
-                    <a:lnR w="28575" cap="flat" cmpd="sng" algn="ctr">
+                    <a:lnR w="38100" cap="flat" cmpd="sng" algn="ctr">
                       <a:solidFill>
                         <a:schemeClr val="tx1"/>
                       </a:solidFill>
@@ -13843,156 +13184,7 @@
                       <a:headEnd type="none" w="med" len="med"/>
                       <a:tailEnd type="none" w="med" len="med"/>
                     </a:lnR>
-                    <a:lnT w="12700" cap="flat" cmpd="sng" algn="ctr">
-                      <a:solidFill>
-                        <a:schemeClr val="tx1"/>
-                      </a:solidFill>
-                      <a:prstDash val="solid"/>
-                      <a:round/>
-                      <a:headEnd type="none" w="med" len="med"/>
-                      <a:tailEnd type="none" w="med" len="med"/>
-                    </a:lnT>
-                    <a:lnB w="28575" cap="flat" cmpd="sng" algn="ctr">
-                      <a:solidFill>
-                        <a:schemeClr val="tx1"/>
-                      </a:solidFill>
-                      <a:prstDash val="solid"/>
-                      <a:round/>
-                      <a:headEnd type="none" w="med" len="med"/>
-                      <a:tailEnd type="none" w="med" len="med"/>
-                    </a:lnB>
-                    <a:lnTlToBr w="12700" cmpd="sng">
-                      <a:noFill/>
-                      <a:prstDash val="solid"/>
-                    </a:lnTlToBr>
-                    <a:lnBlToTr w="12700" cmpd="sng">
-                      <a:noFill/>
-                      <a:prstDash val="solid"/>
-                    </a:lnBlToTr>
-                  </a:tcPr>
-                </a:tc>
-                <a:extLst>
-                  <a:ext uri="{0D108BD9-81ED-4DB2-BD59-A6C34878D82A}">
-                    <a16:rowId xmlns:a16="http://schemas.microsoft.com/office/drawing/2014/main" val="3561533762"/>
-                  </a:ext>
-                </a:extLst>
-              </a:tr>
-              <a:tr h="286375">
-                <a:tc rowSpan="3">
-                  <a:txBody>
-                    <a:bodyPr/>
-                    <a:lstStyle/>
-                    <a:p>
-                      <a:r>
-                        <a:rPr lang="ru-RU" sz="1400" dirty="0">
-                          <a:solidFill>
-                            <a:sysClr val="windowText" lastClr="000000"/>
-                          </a:solidFill>
-                          <a:latin typeface="Times New Roman" panose="02020603050405020304" pitchFamily="18" charset="0"/>
-                          <a:cs typeface="Times New Roman" panose="02020603050405020304" pitchFamily="18" charset="0"/>
-                        </a:rPr>
-                        <a:t>Физиологические</a:t>
-                      </a:r>
-                      <a:endParaRPr lang="en-RU" sz="1400" dirty="0">
-                        <a:solidFill>
-                          <a:sysClr val="windowText" lastClr="000000"/>
-                        </a:solidFill>
-                        <a:latin typeface="Times New Roman" panose="02020603050405020304" pitchFamily="18" charset="0"/>
-                        <a:cs typeface="Times New Roman" panose="02020603050405020304" pitchFamily="18" charset="0"/>
-                      </a:endParaRPr>
-                    </a:p>
-                  </a:txBody>
-                  <a:tcPr>
-                    <a:lnL w="28575" cap="flat" cmpd="sng" algn="ctr">
-                      <a:solidFill>
-                        <a:schemeClr val="tx1"/>
-                      </a:solidFill>
-                      <a:prstDash val="solid"/>
-                      <a:round/>
-                      <a:headEnd type="none" w="med" len="med"/>
-                      <a:tailEnd type="none" w="med" len="med"/>
-                    </a:lnL>
-                    <a:lnR w="28575" cap="flat" cmpd="sng" algn="ctr">
-                      <a:solidFill>
-                        <a:schemeClr val="tx1"/>
-                      </a:solidFill>
-                      <a:prstDash val="solid"/>
-                      <a:round/>
-                      <a:headEnd type="none" w="med" len="med"/>
-                      <a:tailEnd type="none" w="med" len="med"/>
-                    </a:lnR>
-                    <a:lnT w="28575" cap="flat" cmpd="sng" algn="ctr">
-                      <a:solidFill>
-                        <a:schemeClr val="tx1"/>
-                      </a:solidFill>
-                      <a:prstDash val="solid"/>
-                      <a:round/>
-                      <a:headEnd type="none" w="med" len="med"/>
-                      <a:tailEnd type="none" w="med" len="med"/>
-                    </a:lnT>
-                    <a:lnB w="28575" cap="flat" cmpd="sng" algn="ctr">
-                      <a:solidFill>
-                        <a:schemeClr val="tx1"/>
-                      </a:solidFill>
-                      <a:prstDash val="solid"/>
-                      <a:round/>
-                      <a:headEnd type="none" w="med" len="med"/>
-                      <a:tailEnd type="none" w="med" len="med"/>
-                    </a:lnB>
-                    <a:lnTlToBr w="12700" cmpd="sng">
-                      <a:noFill/>
-                      <a:prstDash val="solid"/>
-                    </a:lnTlToBr>
-                    <a:lnBlToTr w="12700" cmpd="sng">
-                      <a:noFill/>
-                      <a:prstDash val="solid"/>
-                    </a:lnBlToTr>
-                  </a:tcPr>
-                </a:tc>
-                <a:tc>
-                  <a:txBody>
-                    <a:bodyPr/>
-                    <a:lstStyle/>
-                    <a:p>
-                      <a:r>
-                        <a:rPr lang="ru-RU" sz="1200" dirty="0">
-                          <a:solidFill>
-                            <a:sysClr val="windowText" lastClr="000000"/>
-                          </a:solidFill>
-                          <a:latin typeface="Times New Roman" panose="02020603050405020304" pitchFamily="18" charset="0"/>
-                          <a:cs typeface="Times New Roman" panose="02020603050405020304" pitchFamily="18" charset="0"/>
-                        </a:rPr>
-                        <a:t>данные мониторинга уровня стресса</a:t>
-                      </a:r>
-                      <a:endParaRPr lang="en-RU" sz="1200" dirty="0">
-                        <a:solidFill>
-                          <a:sysClr val="windowText" lastClr="000000"/>
-                        </a:solidFill>
-                        <a:latin typeface="Times New Roman" panose="02020603050405020304" pitchFamily="18" charset="0"/>
-                        <a:cs typeface="Times New Roman" panose="02020603050405020304" pitchFamily="18" charset="0"/>
-                      </a:endParaRPr>
-                    </a:p>
-                  </a:txBody>
-                  <a:tcPr>
-                    <a:lnL w="28575" cap="flat" cmpd="sng" algn="ctr">
-                      <a:solidFill>
-                        <a:schemeClr val="tx1"/>
-                      </a:solidFill>
-                      <a:prstDash val="solid"/>
-                      <a:round/>
-                      <a:headEnd type="none" w="med" len="med"/>
-                      <a:tailEnd type="none" w="med" len="med"/>
-                    </a:lnL>
-                    <a:lnR w="28575" cap="flat" cmpd="sng" algn="ctr">
-                      <a:solidFill>
-                        <a:schemeClr val="tx1"/>
-                      </a:solidFill>
-                      <a:prstDash val="solid"/>
-                      <a:round/>
-                      <a:headEnd type="none" w="med" len="med"/>
-                      <a:tailEnd type="none" w="med" len="med"/>
-                    </a:lnR>
-                    <a:lnT w="28575" cap="flat" cmpd="sng" algn="ctr">
+                    <a:lnT w="38100" cap="flat" cmpd="sng" algn="ctr">
                       <a:solidFill>
                         <a:schemeClr val="tx1"/>
                       </a:solidFill>
@@ -14002,77 +13194,6 @@
                       <a:tailEnd type="none" w="med" len="med"/>
                     </a:lnT>
                     <a:lnB w="12700" cap="flat" cmpd="sng" algn="ctr">
-                      <a:solidFill>
-                        <a:schemeClr val="tx1"/>
-                      </a:solidFill>
-                      <a:prstDash val="solid"/>
-                      <a:round/>
-                      <a:headEnd type="none" w="med" len="med"/>
-                      <a:tailEnd type="none" w="med" len="med"/>
-                    </a:lnB>
-                    <a:lnTlToBr w="12700" cmpd="sng">
-                      <a:noFill/>
-                      <a:prstDash val="solid"/>
-                    </a:lnTlToBr>
-                    <a:lnBlToTr w="12700" cmpd="sng">
-                      <a:noFill/>
-                      <a:prstDash val="solid"/>
-                    </a:lnBlToTr>
-                  </a:tcPr>
-                </a:tc>
-                <a:tc rowSpan="3">
-                  <a:txBody>
-                    <a:bodyPr/>
-                    <a:lstStyle/>
-                    <a:p>
-                      <a:r>
-                        <a:rPr lang="ru-RU" sz="1200" dirty="0">
-                          <a:solidFill>
-                            <a:sysClr val="windowText" lastClr="000000"/>
-                          </a:solidFill>
-                          <a:latin typeface="Times New Roman" panose="02020603050405020304" pitchFamily="18" charset="0"/>
-                          <a:cs typeface="Times New Roman" panose="02020603050405020304" pitchFamily="18" charset="0"/>
-                        </a:rPr>
-                        <a:t>анализ состояния организма человека и его подверженности стрессам</a:t>
-                      </a:r>
-                      <a:endParaRPr lang="en-RU" sz="1200" dirty="0">
-                        <a:solidFill>
-                          <a:sysClr val="windowText" lastClr="000000"/>
-                        </a:solidFill>
-                        <a:latin typeface="Times New Roman" panose="02020603050405020304" pitchFamily="18" charset="0"/>
-                        <a:cs typeface="Times New Roman" panose="02020603050405020304" pitchFamily="18" charset="0"/>
-                      </a:endParaRPr>
-                    </a:p>
-                  </a:txBody>
-                  <a:tcPr>
-                    <a:lnL w="28575" cap="flat" cmpd="sng" algn="ctr">
-                      <a:solidFill>
-                        <a:schemeClr val="tx1"/>
-                      </a:solidFill>
-                      <a:prstDash val="solid"/>
-                      <a:round/>
-                      <a:headEnd type="none" w="med" len="med"/>
-                      <a:tailEnd type="none" w="med" len="med"/>
-                    </a:lnL>
-                    <a:lnR w="28575" cap="flat" cmpd="sng" algn="ctr">
-                      <a:solidFill>
-                        <a:schemeClr val="tx1"/>
-                      </a:solidFill>
-                      <a:prstDash val="solid"/>
-                      <a:round/>
-                      <a:headEnd type="none" w="med" len="med"/>
-                      <a:tailEnd type="none" w="med" len="med"/>
-                    </a:lnR>
-                    <a:lnT w="28575" cap="flat" cmpd="sng" algn="ctr">
-                      <a:solidFill>
-                        <a:schemeClr val="tx1"/>
-                      </a:solidFill>
-                      <a:prstDash val="solid"/>
-                      <a:round/>
-                      <a:headEnd type="none" w="med" len="med"/>
-                      <a:tailEnd type="none" w="med" len="med"/>
-                    </a:lnT>
-                    <a:lnB w="28575" cap="flat" cmpd="sng" algn="ctr">
                       <a:solidFill>
                         <a:schemeClr val="tx1"/>
                       </a:solidFill>
@@ -14097,7 +13218,7 @@
                   </a:ext>
                 </a:extLst>
               </a:tr>
-              <a:tr h="286375">
+              <a:tr h="336957">
                 <a:tc vMerge="1">
                   <a:txBody>
                     <a:bodyPr/>
@@ -14114,7 +13235,7 @@
                     <a:lstStyle/>
                     <a:p>
                       <a:r>
-                        <a:rPr lang="ru-RU" sz="1200" dirty="0">
+                        <a:rPr lang="ru-RU" sz="1800" dirty="0">
                           <a:solidFill>
                             <a:sysClr val="windowText" lastClr="000000"/>
                           </a:solidFill>
@@ -14123,7 +13244,7 @@
                         </a:rPr>
                         <a:t>данные мониторинга уровня кортизола в крови</a:t>
                       </a:r>
-                      <a:endParaRPr lang="en-RU" sz="1200" dirty="0">
+                      <a:endParaRPr lang="en-RU" sz="1800" dirty="0">
                         <a:solidFill>
                           <a:sysClr val="windowText" lastClr="000000"/>
                         </a:solidFill>
@@ -14133,7 +13254,7 @@
                     </a:p>
                   </a:txBody>
                   <a:tcPr>
-                    <a:lnL w="28575" cap="flat" cmpd="sng" algn="ctr">
+                    <a:lnL w="12700" cap="flat" cmpd="sng" algn="ctr">
                       <a:solidFill>
                         <a:schemeClr val="tx1"/>
                       </a:solidFill>
@@ -14142,7 +13263,7 @@
                       <a:headEnd type="none" w="med" len="med"/>
                       <a:tailEnd type="none" w="med" len="med"/>
                     </a:lnL>
-                    <a:lnR w="28575" cap="flat" cmpd="sng" algn="ctr">
+                    <a:lnR w="38100" cap="flat" cmpd="sng" algn="ctr">
                       <a:solidFill>
                         <a:schemeClr val="tx1"/>
                       </a:solidFill>
@@ -14161,67 +13282,6 @@
                       <a:tailEnd type="none" w="med" len="med"/>
                     </a:lnT>
                     <a:lnB w="12700" cap="flat" cmpd="sng" algn="ctr">
-                      <a:solidFill>
-                        <a:schemeClr val="tx1"/>
-                      </a:solidFill>
-                      <a:prstDash val="solid"/>
-                      <a:round/>
-                      <a:headEnd type="none" w="med" len="med"/>
-                      <a:tailEnd type="none" w="med" len="med"/>
-                    </a:lnB>
-                    <a:lnTlToBr w="12700" cmpd="sng">
-                      <a:noFill/>
-                      <a:prstDash val="solid"/>
-                    </a:lnTlToBr>
-                    <a:lnBlToTr w="12700" cmpd="sng">
-                      <a:noFill/>
-                      <a:prstDash val="solid"/>
-                    </a:lnBlToTr>
-                  </a:tcPr>
-                </a:tc>
-                <a:tc vMerge="1">
-                  <a:txBody>
-                    <a:bodyPr/>
-                    <a:lstStyle/>
-                    <a:p>
-                      <a:endParaRPr lang="en-RU" sz="1400" dirty="0">
-                        <a:solidFill>
-                          <a:sysClr val="windowText" lastClr="000000"/>
-                        </a:solidFill>
-                        <a:latin typeface="Times New Roman" panose="02020603050405020304" pitchFamily="18" charset="0"/>
-                        <a:cs typeface="Times New Roman" panose="02020603050405020304" pitchFamily="18" charset="0"/>
-                      </a:endParaRPr>
-                    </a:p>
-                  </a:txBody>
-                  <a:tcPr>
-                    <a:lnL w="28575" cap="flat" cmpd="sng" algn="ctr">
-                      <a:solidFill>
-                        <a:schemeClr val="tx1"/>
-                      </a:solidFill>
-                      <a:prstDash val="solid"/>
-                      <a:round/>
-                      <a:headEnd type="none" w="med" len="med"/>
-                      <a:tailEnd type="none" w="med" len="med"/>
-                    </a:lnL>
-                    <a:lnR w="28575" cap="flat" cmpd="sng" algn="ctr">
-                      <a:solidFill>
-                        <a:schemeClr val="tx1"/>
-                      </a:solidFill>
-                      <a:prstDash val="solid"/>
-                      <a:round/>
-                      <a:headEnd type="none" w="med" len="med"/>
-                      <a:tailEnd type="none" w="med" len="med"/>
-                    </a:lnR>
-                    <a:lnT w="12700" cap="flat" cmpd="sng" algn="ctr">
-                      <a:solidFill>
-                        <a:schemeClr val="tx1"/>
-                      </a:solidFill>
-                      <a:prstDash val="solid"/>
-                      <a:round/>
-                      <a:headEnd type="none" w="med" len="med"/>
-                      <a:tailEnd type="none" w="med" len="med"/>
-                    </a:lnT>
-                    <a:lnB w="28575" cap="flat" cmpd="sng" algn="ctr">
                       <a:solidFill>
                         <a:schemeClr val="tx1"/>
                       </a:solidFill>
@@ -14246,7 +13306,7 @@
                   </a:ext>
                 </a:extLst>
               </a:tr>
-              <a:tr h="286375">
+              <a:tr h="336957">
                 <a:tc vMerge="1">
                   <a:txBody>
                     <a:bodyPr/>
@@ -14263,7 +13323,7 @@
                     <a:lstStyle/>
                     <a:p>
                       <a:r>
-                        <a:rPr lang="ru-RU" sz="1200" dirty="0">
+                        <a:rPr lang="ru-RU" sz="1800" dirty="0">
                           <a:solidFill>
                             <a:sysClr val="windowText" lastClr="000000"/>
                           </a:solidFill>
@@ -14272,7 +13332,7 @@
                         </a:rPr>
                         <a:t>данные мониторинга состояния здоровья человека</a:t>
                       </a:r>
-                      <a:endParaRPr lang="en-RU" sz="1200" dirty="0">
+                      <a:endParaRPr lang="en-RU" sz="1800" dirty="0">
                         <a:solidFill>
                           <a:sysClr val="windowText" lastClr="000000"/>
                         </a:solidFill>
@@ -14282,7 +13342,7 @@
                     </a:p>
                   </a:txBody>
                   <a:tcPr>
-                    <a:lnL w="28575" cap="flat" cmpd="sng" algn="ctr">
+                    <a:lnL w="12700" cap="flat" cmpd="sng" algn="ctr">
                       <a:solidFill>
                         <a:schemeClr val="tx1"/>
                       </a:solidFill>
@@ -14291,7 +13351,7 @@
                       <a:headEnd type="none" w="med" len="med"/>
                       <a:tailEnd type="none" w="med" len="med"/>
                     </a:lnL>
-                    <a:lnR w="28575" cap="flat" cmpd="sng" algn="ctr">
+                    <a:lnR w="38100" cap="flat" cmpd="sng" algn="ctr">
                       <a:solidFill>
                         <a:schemeClr val="tx1"/>
                       </a:solidFill>
@@ -14309,7 +13369,7 @@
                       <a:headEnd type="none" w="med" len="med"/>
                       <a:tailEnd type="none" w="med" len="med"/>
                     </a:lnT>
-                    <a:lnB w="28575" cap="flat" cmpd="sng" algn="ctr">
+                    <a:lnB w="38100" cap="flat" cmpd="sng" algn="ctr">
                       <a:solidFill>
                         <a:schemeClr val="tx1"/>
                       </a:solidFill>
@@ -14328,12 +13388,29 @@
                     </a:lnBlToTr>
                   </a:tcPr>
                 </a:tc>
-                <a:tc vMerge="1">
+                <a:extLst>
+                  <a:ext uri="{0D108BD9-81ED-4DB2-BD59-A6C34878D82A}">
+                    <a16:rowId xmlns:a16="http://schemas.microsoft.com/office/drawing/2014/main" val="3132255510"/>
+                  </a:ext>
+                </a:extLst>
+              </a:tr>
+              <a:tr h="336957">
+                <a:tc rowSpan="2">
                   <a:txBody>
                     <a:bodyPr/>
                     <a:lstStyle/>
                     <a:p>
-                      <a:endParaRPr lang="en-RU" sz="1400" dirty="0">
+                      <a:r>
+                        <a:rPr lang="ru-RU" sz="1800" dirty="0">
+                          <a:solidFill>
+                            <a:sysClr val="windowText" lastClr="000000"/>
+                          </a:solidFill>
+                          <a:latin typeface="Times New Roman" panose="02020603050405020304" pitchFamily="18" charset="0"/>
+                          <a:cs typeface="Times New Roman" panose="02020603050405020304" pitchFamily="18" charset="0"/>
+                        </a:rPr>
+                        <a:t>Биологические</a:t>
+                      </a:r>
+                      <a:endParaRPr lang="en-RU" sz="1800" dirty="0">
                         <a:solidFill>
                           <a:sysClr val="windowText" lastClr="000000"/>
                         </a:solidFill>
@@ -14343,7 +13420,7 @@
                     </a:p>
                   </a:txBody>
                   <a:tcPr>
-                    <a:lnL w="28575" cap="flat" cmpd="sng" algn="ctr">
+                    <a:lnL w="38100" cap="flat" cmpd="sng" algn="ctr">
                       <a:solidFill>
                         <a:schemeClr val="tx1"/>
                       </a:solidFill>
@@ -14352,7 +13429,7 @@
                       <a:headEnd type="none" w="med" len="med"/>
                       <a:tailEnd type="none" w="med" len="med"/>
                     </a:lnL>
-                    <a:lnR w="28575" cap="flat" cmpd="sng" algn="ctr">
+                    <a:lnR w="12700" cap="flat" cmpd="sng" algn="ctr">
                       <a:solidFill>
                         <a:schemeClr val="tx1"/>
                       </a:solidFill>
@@ -14361,7 +13438,7 @@
                       <a:headEnd type="none" w="med" len="med"/>
                       <a:tailEnd type="none" w="med" len="med"/>
                     </a:lnR>
-                    <a:lnT w="12700" cap="flat" cmpd="sng" algn="ctr">
+                    <a:lnT w="38100" cap="flat" cmpd="sng" algn="ctr">
                       <a:solidFill>
                         <a:schemeClr val="tx1"/>
                       </a:solidFill>
@@ -14370,7 +13447,7 @@
                       <a:headEnd type="none" w="med" len="med"/>
                       <a:tailEnd type="none" w="med" len="med"/>
                     </a:lnT>
-                    <a:lnB w="28575" cap="flat" cmpd="sng" algn="ctr">
+                    <a:lnB w="38100" cap="flat" cmpd="sng" algn="ctr">
                       <a:solidFill>
                         <a:schemeClr val="tx1"/>
                       </a:solidFill>
@@ -14389,29 +13466,22 @@
                     </a:lnBlToTr>
                   </a:tcPr>
                 </a:tc>
-                <a:extLst>
-                  <a:ext uri="{0D108BD9-81ED-4DB2-BD59-A6C34878D82A}">
-                    <a16:rowId xmlns:a16="http://schemas.microsoft.com/office/drawing/2014/main" val="3132255510"/>
-                  </a:ext>
-                </a:extLst>
-              </a:tr>
-              <a:tr h="429563">
-                <a:tc rowSpan="2">
+                <a:tc>
                   <a:txBody>
                     <a:bodyPr/>
                     <a:lstStyle/>
                     <a:p>
                       <a:r>
-                        <a:rPr lang="ru-RU" sz="1400" dirty="0">
+                        <a:rPr lang="ru-RU" sz="1800" dirty="0">
                           <a:solidFill>
                             <a:sysClr val="windowText" lastClr="000000"/>
                           </a:solidFill>
                           <a:latin typeface="Times New Roman" panose="02020603050405020304" pitchFamily="18" charset="0"/>
                           <a:cs typeface="Times New Roman" panose="02020603050405020304" pitchFamily="18" charset="0"/>
                         </a:rPr>
-                        <a:t>Биологические</a:t>
+                        <a:t>пол пользователя</a:t>
                       </a:r>
-                      <a:endParaRPr lang="en-RU" sz="1400" dirty="0">
+                      <a:endParaRPr lang="en-RU" sz="1800" dirty="0">
                         <a:solidFill>
                           <a:sysClr val="windowText" lastClr="000000"/>
                         </a:solidFill>
@@ -14421,7 +13491,7 @@
                     </a:p>
                   </a:txBody>
                   <a:tcPr>
-                    <a:lnL w="28575" cap="flat" cmpd="sng" algn="ctr">
+                    <a:lnL w="12700" cap="flat" cmpd="sng" algn="ctr">
                       <a:solidFill>
                         <a:schemeClr val="tx1"/>
                       </a:solidFill>
@@ -14430,7 +13500,7 @@
                       <a:headEnd type="none" w="med" len="med"/>
                       <a:tailEnd type="none" w="med" len="med"/>
                     </a:lnL>
-                    <a:lnR w="28575" cap="flat" cmpd="sng" algn="ctr">
+                    <a:lnR w="38100" cap="flat" cmpd="sng" algn="ctr">
                       <a:solidFill>
                         <a:schemeClr val="tx1"/>
                       </a:solidFill>
@@ -14439,149 +13509,7 @@
                       <a:headEnd type="none" w="med" len="med"/>
                       <a:tailEnd type="none" w="med" len="med"/>
                     </a:lnR>
-                    <a:lnT w="28575" cap="flat" cmpd="sng" algn="ctr">
-                      <a:solidFill>
-                        <a:schemeClr val="tx1"/>
-                      </a:solidFill>
-                      <a:prstDash val="solid"/>
-                      <a:round/>
-                      <a:headEnd type="none" w="med" len="med"/>
-                      <a:tailEnd type="none" w="med" len="med"/>
-                    </a:lnT>
-                    <a:lnB w="28575" cap="flat" cmpd="sng" algn="ctr">
-                      <a:solidFill>
-                        <a:schemeClr val="tx1"/>
-                      </a:solidFill>
-                      <a:prstDash val="solid"/>
-                      <a:round/>
-                      <a:headEnd type="none" w="med" len="med"/>
-                      <a:tailEnd type="none" w="med" len="med"/>
-                    </a:lnB>
-                    <a:lnTlToBr w="12700" cmpd="sng">
-                      <a:noFill/>
-                      <a:prstDash val="solid"/>
-                    </a:lnTlToBr>
-                    <a:lnBlToTr w="12700" cmpd="sng">
-                      <a:noFill/>
-                      <a:prstDash val="solid"/>
-                    </a:lnBlToTr>
-                  </a:tcPr>
-                </a:tc>
-                <a:tc>
-                  <a:txBody>
-                    <a:bodyPr/>
-                    <a:lstStyle/>
-                    <a:p>
-                      <a:r>
-                        <a:rPr lang="ru-RU" sz="1200" dirty="0">
-                          <a:solidFill>
-                            <a:sysClr val="windowText" lastClr="000000"/>
-                          </a:solidFill>
-                          <a:latin typeface="Times New Roman" panose="02020603050405020304" pitchFamily="18" charset="0"/>
-                          <a:cs typeface="Times New Roman" panose="02020603050405020304" pitchFamily="18" charset="0"/>
-                        </a:rPr>
-                        <a:t>пол пользователя</a:t>
-                      </a:r>
-                      <a:endParaRPr lang="en-RU" sz="1200" dirty="0">
-                        <a:solidFill>
-                          <a:sysClr val="windowText" lastClr="000000"/>
-                        </a:solidFill>
-                        <a:latin typeface="Times New Roman" panose="02020603050405020304" pitchFamily="18" charset="0"/>
-                        <a:cs typeface="Times New Roman" panose="02020603050405020304" pitchFamily="18" charset="0"/>
-                      </a:endParaRPr>
-                    </a:p>
-                  </a:txBody>
-                  <a:tcPr>
-                    <a:lnL w="28575" cap="flat" cmpd="sng" algn="ctr">
-                      <a:solidFill>
-                        <a:schemeClr val="tx1"/>
-                      </a:solidFill>
-                      <a:prstDash val="solid"/>
-                      <a:round/>
-                      <a:headEnd type="none" w="med" len="med"/>
-                      <a:tailEnd type="none" w="med" len="med"/>
-                    </a:lnL>
-                    <a:lnR w="28575" cap="flat" cmpd="sng" algn="ctr">
-                      <a:solidFill>
-                        <a:schemeClr val="tx1"/>
-                      </a:solidFill>
-                      <a:prstDash val="solid"/>
-                      <a:round/>
-                      <a:headEnd type="none" w="med" len="med"/>
-                      <a:tailEnd type="none" w="med" len="med"/>
-                    </a:lnR>
-                    <a:lnT w="28575" cap="flat" cmpd="sng" algn="ctr">
-                      <a:solidFill>
-                        <a:schemeClr val="tx1"/>
-                      </a:solidFill>
-                      <a:prstDash val="solid"/>
-                      <a:round/>
-                      <a:headEnd type="none" w="med" len="med"/>
-                      <a:tailEnd type="none" w="med" len="med"/>
-                    </a:lnT>
-                    <a:lnB w="12700" cap="flat" cmpd="sng" algn="ctr">
-                      <a:solidFill>
-                        <a:schemeClr val="tx1"/>
-                      </a:solidFill>
-                      <a:prstDash val="solid"/>
-                      <a:round/>
-                      <a:headEnd type="none" w="med" len="med"/>
-                      <a:tailEnd type="none" w="med" len="med"/>
-                    </a:lnB>
-                    <a:lnTlToBr w="12700" cmpd="sng">
-                      <a:noFill/>
-                      <a:prstDash val="solid"/>
-                    </a:lnTlToBr>
-                    <a:lnBlToTr w="12700" cmpd="sng">
-                      <a:noFill/>
-                      <a:prstDash val="solid"/>
-                    </a:lnBlToTr>
-                  </a:tcPr>
-                </a:tc>
-                <a:tc>
-                  <a:txBody>
-                    <a:bodyPr/>
-                    <a:lstStyle/>
-                    <a:p>
-                      <a:r>
-                        <a:rPr lang="ru-RU" sz="1200" dirty="0">
-                          <a:solidFill>
-                            <a:sysClr val="windowText" lastClr="000000"/>
-                          </a:solidFill>
-                          <a:latin typeface="Times New Roman" panose="02020603050405020304" pitchFamily="18" charset="0"/>
-                          <a:cs typeface="Times New Roman" panose="02020603050405020304" pitchFamily="18" charset="0"/>
-                        </a:rPr>
-                        <a:t>оптимизация модели машинного обучения с использованием пола пользователя</a:t>
-                      </a:r>
-                      <a:endParaRPr lang="en-RU" sz="1200" dirty="0">
-                        <a:solidFill>
-                          <a:sysClr val="windowText" lastClr="000000"/>
-                        </a:solidFill>
-                        <a:latin typeface="Times New Roman" panose="02020603050405020304" pitchFamily="18" charset="0"/>
-                        <a:cs typeface="Times New Roman" panose="02020603050405020304" pitchFamily="18" charset="0"/>
-                      </a:endParaRPr>
-                    </a:p>
-                  </a:txBody>
-                  <a:tcPr>
-                    <a:lnL w="28575" cap="flat" cmpd="sng" algn="ctr">
-                      <a:solidFill>
-                        <a:schemeClr val="tx1"/>
-                      </a:solidFill>
-                      <a:prstDash val="solid"/>
-                      <a:round/>
-                      <a:headEnd type="none" w="med" len="med"/>
-                      <a:tailEnd type="none" w="med" len="med"/>
-                    </a:lnL>
-                    <a:lnR w="28575" cap="flat" cmpd="sng" algn="ctr">
-                      <a:solidFill>
-                        <a:schemeClr val="tx1"/>
-                      </a:solidFill>
-                      <a:prstDash val="solid"/>
-                      <a:round/>
-                      <a:headEnd type="none" w="med" len="med"/>
-                      <a:tailEnd type="none" w="med" len="med"/>
-                    </a:lnR>
-                    <a:lnT w="28575" cap="flat" cmpd="sng" algn="ctr">
+                    <a:lnT w="38100" cap="flat" cmpd="sng" algn="ctr">
                       <a:solidFill>
                         <a:schemeClr val="tx1"/>
                       </a:solidFill>
@@ -14615,7 +13543,7 @@
                   </a:ext>
                 </a:extLst>
               </a:tr>
-              <a:tr h="429563">
+              <a:tr h="336957">
                 <a:tc vMerge="1">
                   <a:txBody>
                     <a:bodyPr/>
@@ -14632,7 +13560,7 @@
                     <a:lstStyle/>
                     <a:p>
                       <a:r>
-                        <a:rPr lang="ru-RU" sz="1200" dirty="0">
+                        <a:rPr lang="ru-RU" sz="1800" dirty="0">
                           <a:solidFill>
                             <a:sysClr val="windowText" lastClr="000000"/>
                           </a:solidFill>
@@ -14641,7 +13569,7 @@
                         </a:rPr>
                         <a:t>возраст пользователя</a:t>
                       </a:r>
-                      <a:endParaRPr lang="en-RU" sz="1200" dirty="0">
+                      <a:endParaRPr lang="en-RU" sz="1800" dirty="0">
                         <a:solidFill>
                           <a:sysClr val="windowText" lastClr="000000"/>
                         </a:solidFill>
@@ -14651,7 +13579,7 @@
                     </a:p>
                   </a:txBody>
                   <a:tcPr>
-                    <a:lnL w="28575" cap="flat" cmpd="sng" algn="ctr">
+                    <a:lnL w="12700" cap="flat" cmpd="sng" algn="ctr">
                       <a:solidFill>
                         <a:schemeClr val="tx1"/>
                       </a:solidFill>
@@ -14660,7 +13588,7 @@
                       <a:headEnd type="none" w="med" len="med"/>
                       <a:tailEnd type="none" w="med" len="med"/>
                     </a:lnL>
-                    <a:lnR w="28575" cap="flat" cmpd="sng" algn="ctr">
+                    <a:lnR w="38100" cap="flat" cmpd="sng" algn="ctr">
                       <a:solidFill>
                         <a:schemeClr val="tx1"/>
                       </a:solidFill>
@@ -14678,78 +13606,7 @@
                       <a:headEnd type="none" w="med" len="med"/>
                       <a:tailEnd type="none" w="med" len="med"/>
                     </a:lnT>
-                    <a:lnB w="28575" cap="flat" cmpd="sng" algn="ctr">
-                      <a:solidFill>
-                        <a:schemeClr val="tx1"/>
-                      </a:solidFill>
-                      <a:prstDash val="solid"/>
-                      <a:round/>
-                      <a:headEnd type="none" w="med" len="med"/>
-                      <a:tailEnd type="none" w="med" len="med"/>
-                    </a:lnB>
-                    <a:lnTlToBr w="12700" cmpd="sng">
-                      <a:noFill/>
-                      <a:prstDash val="solid"/>
-                    </a:lnTlToBr>
-                    <a:lnBlToTr w="12700" cmpd="sng">
-                      <a:noFill/>
-                      <a:prstDash val="solid"/>
-                    </a:lnBlToTr>
-                  </a:tcPr>
-                </a:tc>
-                <a:tc>
-                  <a:txBody>
-                    <a:bodyPr/>
-                    <a:lstStyle/>
-                    <a:p>
-                      <a:r>
-                        <a:rPr lang="ru-RU" sz="1200" dirty="0">
-                          <a:solidFill>
-                            <a:sysClr val="windowText" lastClr="000000"/>
-                          </a:solidFill>
-                          <a:latin typeface="Times New Roman" panose="02020603050405020304" pitchFamily="18" charset="0"/>
-                          <a:cs typeface="Times New Roman" panose="02020603050405020304" pitchFamily="18" charset="0"/>
-                        </a:rPr>
-                        <a:t>оптимизация модели машинного обучения с использованием возрастной группы пользователя</a:t>
-                      </a:r>
-                      <a:endParaRPr lang="en-RU" sz="1200" dirty="0">
-                        <a:solidFill>
-                          <a:sysClr val="windowText" lastClr="000000"/>
-                        </a:solidFill>
-                        <a:latin typeface="Times New Roman" panose="02020603050405020304" pitchFamily="18" charset="0"/>
-                        <a:cs typeface="Times New Roman" panose="02020603050405020304" pitchFamily="18" charset="0"/>
-                      </a:endParaRPr>
-                    </a:p>
-                  </a:txBody>
-                  <a:tcPr>
-                    <a:lnL w="28575" cap="flat" cmpd="sng" algn="ctr">
-                      <a:solidFill>
-                        <a:schemeClr val="tx1"/>
-                      </a:solidFill>
-                      <a:prstDash val="solid"/>
-                      <a:round/>
-                      <a:headEnd type="none" w="med" len="med"/>
-                      <a:tailEnd type="none" w="med" len="med"/>
-                    </a:lnL>
-                    <a:lnR w="28575" cap="flat" cmpd="sng" algn="ctr">
-                      <a:solidFill>
-                        <a:schemeClr val="tx1"/>
-                      </a:solidFill>
-                      <a:prstDash val="solid"/>
-                      <a:round/>
-                      <a:headEnd type="none" w="med" len="med"/>
-                      <a:tailEnd type="none" w="med" len="med"/>
-                    </a:lnR>
-                    <a:lnT w="12700" cap="flat" cmpd="sng" algn="ctr">
-                      <a:solidFill>
-                        <a:schemeClr val="tx1"/>
-                      </a:solidFill>
-                      <a:prstDash val="solid"/>
-                      <a:round/>
-                      <a:headEnd type="none" w="med" len="med"/>
-                      <a:tailEnd type="none" w="med" len="med"/>
-                    </a:lnT>
-                    <a:lnB w="28575" cap="flat" cmpd="sng" algn="ctr">
+                    <a:lnB w="38100" cap="flat" cmpd="sng" algn="ctr">
                       <a:solidFill>
                         <a:schemeClr val="tx1"/>
                       </a:solidFill>
@@ -14810,10 +13667,10 @@
       </p:grpSpPr>
       <p:pic>
         <p:nvPicPr>
-          <p:cNvPr id="6" name="Picture 5">
+          <p:cNvPr id="10" name="Picture 9">
             <a:extLst>
               <a:ext uri="{FF2B5EF4-FFF2-40B4-BE49-F238E27FC236}">
-                <a16:creationId xmlns:a16="http://schemas.microsoft.com/office/drawing/2014/main" id="{E3F8EC42-EC73-A44E-B9CB-410225CC8A41}"/>
+                <a16:creationId xmlns:a16="http://schemas.microsoft.com/office/drawing/2014/main" id="{C02298E2-1F32-244C-B5A9-D5A125B2A58E}"/>
               </a:ext>
             </a:extLst>
           </p:cNvPr>
@@ -14822,7 +13679,7 @@
           </p:cNvPicPr>
           <p:nvPr/>
         </p:nvPicPr>
-        <p:blipFill>
+        <p:blipFill rotWithShape="1">
           <a:blip r:embed="rId3">
             <a:extLst>
               <a:ext uri="{28A0092B-C50C-407E-A947-70E740481C1C}">
@@ -14830,14 +13687,13 @@
               </a:ext>
             </a:extLst>
           </a:blip>
-          <a:stretch>
-            <a:fillRect/>
-          </a:stretch>
+          <a:srcRect t="5389" b="4964"/>
+          <a:stretch/>
         </p:blipFill>
         <p:spPr>
           <a:xfrm>
-            <a:off x="414440" y="1589028"/>
-            <a:ext cx="11479338" cy="4949884"/>
+            <a:off x="0" y="1698339"/>
+            <a:ext cx="12192000" cy="4896196"/>
           </a:xfrm>
           <a:prstGeom prst="rect">
             <a:avLst/>
@@ -15082,8 +13938,8 @@
         </p:nvSpPr>
         <p:spPr>
           <a:xfrm>
-            <a:off x="838199" y="1009798"/>
-            <a:ext cx="10515600" cy="4989719"/>
+            <a:off x="838199" y="1009799"/>
+            <a:ext cx="10515600" cy="1325563"/>
           </a:xfrm>
           <a:prstGeom prst="rect">
             <a:avLst/>
@@ -15327,16 +14183,165 @@
               <a:buFont typeface="Arial" panose="020B0604020202020204" pitchFamily="34" charset="0"/>
               <a:buNone/>
             </a:pPr>
+            <a:endParaRPr lang="ru-RU" dirty="0">
+              <a:latin typeface="Times New Roman" panose="02020603050405020304" pitchFamily="18" charset="0"/>
+              <a:cs typeface="Times New Roman" panose="02020603050405020304" pitchFamily="18" charset="0"/>
+            </a:endParaRPr>
+          </a:p>
+        </p:txBody>
+      </p:sp>
+      <p:pic>
+        <p:nvPicPr>
+          <p:cNvPr id="5" name="Picture 4">
+            <a:extLst>
+              <a:ext uri="{FF2B5EF4-FFF2-40B4-BE49-F238E27FC236}">
+                <a16:creationId xmlns:a16="http://schemas.microsoft.com/office/drawing/2014/main" id="{66684D35-94DB-DC40-9BD0-241B9634E66F}"/>
+              </a:ext>
+            </a:extLst>
+          </p:cNvPr>
+          <p:cNvPicPr>
+            <a:picLocks noChangeAspect="1"/>
+          </p:cNvPicPr>
+          <p:nvPr/>
+        </p:nvPicPr>
+        <p:blipFill rotWithShape="1">
+          <a:blip r:embed="rId3">
+            <a:extLst>
+              <a:ext uri="{28A0092B-C50C-407E-A947-70E740481C1C}">
+                <a14:useLocalDpi xmlns:a14="http://schemas.microsoft.com/office/drawing/2010/main" val="0"/>
+              </a:ext>
+            </a:extLst>
+          </a:blip>
+          <a:srcRect b="13955"/>
+          <a:stretch/>
+        </p:blipFill>
+        <p:spPr>
+          <a:xfrm>
+            <a:off x="558009" y="2870263"/>
+            <a:ext cx="5397895" cy="3446238"/>
+          </a:xfrm>
+          <a:prstGeom prst="rect">
+            <a:avLst/>
+          </a:prstGeom>
+        </p:spPr>
+      </p:pic>
+      <p:pic>
+        <p:nvPicPr>
+          <p:cNvPr id="9" name="Picture 8">
+            <a:extLst>
+              <a:ext uri="{FF2B5EF4-FFF2-40B4-BE49-F238E27FC236}">
+                <a16:creationId xmlns:a16="http://schemas.microsoft.com/office/drawing/2014/main" id="{D620EE85-F9E5-DC4C-85CA-C95E40C7F9D3}"/>
+              </a:ext>
+            </a:extLst>
+          </p:cNvPr>
+          <p:cNvPicPr>
+            <a:picLocks noChangeAspect="1"/>
+          </p:cNvPicPr>
+          <p:nvPr/>
+        </p:nvPicPr>
+        <p:blipFill rotWithShape="1">
+          <a:blip r:embed="rId4">
+            <a:extLst>
+              <a:ext uri="{28A0092B-C50C-407E-A947-70E740481C1C}">
+                <a14:useLocalDpi xmlns:a14="http://schemas.microsoft.com/office/drawing/2010/main" val="0"/>
+              </a:ext>
+            </a:extLst>
+          </a:blip>
+          <a:srcRect b="13358"/>
+          <a:stretch/>
+        </p:blipFill>
+        <p:spPr>
+          <a:xfrm>
+            <a:off x="5955904" y="2886234"/>
+            <a:ext cx="5397895" cy="3470116"/>
+          </a:xfrm>
+          <a:prstGeom prst="rect">
+            <a:avLst/>
+          </a:prstGeom>
+        </p:spPr>
+      </p:pic>
+      <p:sp>
+        <p:nvSpPr>
+          <p:cNvPr id="11" name="TextBox 10">
+            <a:extLst>
+              <a:ext uri="{FF2B5EF4-FFF2-40B4-BE49-F238E27FC236}">
+                <a16:creationId xmlns:a16="http://schemas.microsoft.com/office/drawing/2014/main" id="{5E7CF685-3A87-8F48-9154-9F79E2AB30BE}"/>
+              </a:ext>
+            </a:extLst>
+          </p:cNvPr>
+          <p:cNvSpPr txBox="1"/>
+          <p:nvPr/>
+        </p:nvSpPr>
+        <p:spPr>
+          <a:xfrm>
+            <a:off x="1821857" y="2516039"/>
+            <a:ext cx="2870200" cy="369332"/>
+          </a:xfrm>
+          <a:prstGeom prst="rect">
+            <a:avLst/>
+          </a:prstGeom>
+          <a:noFill/>
+        </p:spPr>
+        <p:txBody>
+          <a:bodyPr wrap="square">
+            <a:spAutoFit/>
+          </a:bodyPr>
+          <a:lstStyle/>
+          <a:p>
             <a:r>
               <a:rPr lang="ru-RU" dirty="0">
-                <a:solidFill>
-                  <a:srgbClr val="FF0000"/>
-                </a:solidFill>
                 <a:latin typeface="Times New Roman" panose="02020603050405020304" pitchFamily="18" charset="0"/>
                 <a:cs typeface="Times New Roman" panose="02020603050405020304" pitchFamily="18" charset="0"/>
               </a:rPr>
-              <a:t>Тут приведем какую-нибудь частотность и прочее, что еще не добавили в бумажку</a:t>
-            </a:r>
+              <a:t>суицидальные сообщения</a:t>
+            </a:r>
+            <a:endParaRPr lang="en-RU" dirty="0"/>
+          </a:p>
+        </p:txBody>
+      </p:sp>
+      <p:sp>
+        <p:nvSpPr>
+          <p:cNvPr id="13" name="TextBox 12">
+            <a:extLst>
+              <a:ext uri="{FF2B5EF4-FFF2-40B4-BE49-F238E27FC236}">
+                <a16:creationId xmlns:a16="http://schemas.microsoft.com/office/drawing/2014/main" id="{71A14415-AC42-334A-A4FE-DCC87C2F36FF}"/>
+              </a:ext>
+            </a:extLst>
+          </p:cNvPr>
+          <p:cNvSpPr txBox="1"/>
+          <p:nvPr/>
+        </p:nvSpPr>
+        <p:spPr>
+          <a:xfrm>
+            <a:off x="7030887" y="2516039"/>
+            <a:ext cx="3247928" cy="369332"/>
+          </a:xfrm>
+          <a:prstGeom prst="rect">
+            <a:avLst/>
+          </a:prstGeom>
+          <a:noFill/>
+        </p:spPr>
+        <p:txBody>
+          <a:bodyPr wrap="square">
+            <a:spAutoFit/>
+          </a:bodyPr>
+          <a:lstStyle/>
+          <a:p>
+            <a:r>
+              <a:rPr lang="ru-RU" dirty="0" err="1">
+                <a:latin typeface="Times New Roman" panose="02020603050405020304" pitchFamily="18" charset="0"/>
+                <a:cs typeface="Times New Roman" panose="02020603050405020304" pitchFamily="18" charset="0"/>
+              </a:rPr>
+              <a:t>несуицидальные</a:t>
+            </a:r>
+            <a:r>
+              <a:rPr lang="ru-RU" dirty="0">
+                <a:latin typeface="Times New Roman" panose="02020603050405020304" pitchFamily="18" charset="0"/>
+                <a:cs typeface="Times New Roman" panose="02020603050405020304" pitchFamily="18" charset="0"/>
+              </a:rPr>
+              <a:t> сообщения</a:t>
+            </a:r>
+            <a:endParaRPr lang="en-RU" dirty="0"/>
           </a:p>
         </p:txBody>
       </p:sp>
